--- a/presentations/mcd.pptx
+++ b/presentations/mcd.pptx
@@ -22,9 +22,10 @@
     <p:sldId id="266" r:id="rId16"/>
     <p:sldId id="268" r:id="rId17"/>
     <p:sldId id="276" r:id="rId18"/>
-    <p:sldId id="270" r:id="rId19"/>
-    <p:sldId id="260" r:id="rId20"/>
-    <p:sldId id="277" r:id="rId21"/>
+    <p:sldId id="278" r:id="rId19"/>
+    <p:sldId id="270" r:id="rId20"/>
+    <p:sldId id="260" r:id="rId21"/>
+    <p:sldId id="277" r:id="rId22"/>
   </p:sldIdLst>
   <p:sldSz cx="12192000" cy="6858000"/>
   <p:notesSz cx="6858000" cy="9144000"/>
@@ -7261,8 +7262,8 @@
         </p:nvSpPr>
         <p:spPr>
           <a:xfrm>
-            <a:off x="838200" y="1825625"/>
-            <a:ext cx="5550568" cy="4351338"/>
+            <a:off x="804258" y="4622511"/>
+            <a:ext cx="9985661" cy="4351338"/>
           </a:xfrm>
         </p:spPr>
         <p:txBody>
@@ -7271,1091 +7272,18 @@
           <a:p>
             <a:r>
               <a:rPr lang="en-US" dirty="0" smtClean="0"/>
-              <a:t>Generalize ECD idea to two modes coupled to an </a:t>
+              <a:t>Generalizing ECD gate to 2 modes</a:t>
             </a:r>
-            <a:r>
-              <a:rPr lang="en-US" dirty="0" err="1" smtClean="0"/>
-              <a:t>ancilla</a:t>
-            </a:r>
-            <a:r>
-              <a:rPr lang="en-US" dirty="0" smtClean="0"/>
-              <a:t> qubit</a:t>
-            </a:r>
-          </a:p>
-          <a:p>
-            <a:endParaRPr lang="en-US" dirty="0" smtClean="0"/>
           </a:p>
           <a:p>
             <a:r>
               <a:rPr lang="en-US" dirty="0" smtClean="0"/>
-              <a:t>Layer Reduction Strategies needed</a:t>
+              <a:t>Displacements on the two modes are not simultaneous (to avoid heating  as observed in [*])</a:t>
             </a:r>
             <a:endParaRPr lang="en-US" dirty="0"/>
           </a:p>
         </p:txBody>
       </p:sp>
-      <p:grpSp>
-        <p:nvGrpSpPr>
-          <p:cNvPr id="4" name="Group 3"/>
-          <p:cNvGrpSpPr/>
-          <p:nvPr/>
-        </p:nvGrpSpPr>
-        <p:grpSpPr>
-          <a:xfrm>
-            <a:off x="756364" y="3883175"/>
-            <a:ext cx="4275264" cy="2439197"/>
-            <a:chOff x="6823918" y="228445"/>
-            <a:chExt cx="4275264" cy="2439197"/>
-          </a:xfrm>
-        </p:grpSpPr>
-        <p:cxnSp>
-          <p:nvCxnSpPr>
-            <p:cNvPr id="5" name="Straight Connector 4"/>
-            <p:cNvCxnSpPr/>
-            <p:nvPr/>
-          </p:nvCxnSpPr>
-          <p:spPr>
-            <a:xfrm>
-              <a:off x="7850656" y="520899"/>
-              <a:ext cx="3248526" cy="0"/>
-            </a:xfrm>
-            <a:prstGeom prst="line">
-              <a:avLst/>
-            </a:prstGeom>
-          </p:spPr>
-          <p:style>
-            <a:lnRef idx="1">
-              <a:schemeClr val="dk1"/>
-            </a:lnRef>
-            <a:fillRef idx="0">
-              <a:schemeClr val="dk1"/>
-            </a:fillRef>
-            <a:effectRef idx="0">
-              <a:schemeClr val="dk1"/>
-            </a:effectRef>
-            <a:fontRef idx="minor">
-              <a:schemeClr val="tx1"/>
-            </a:fontRef>
-          </p:style>
-        </p:cxnSp>
-        <p:cxnSp>
-          <p:nvCxnSpPr>
-            <p:cNvPr id="6" name="Straight Connector 5"/>
-            <p:cNvCxnSpPr/>
-            <p:nvPr/>
-          </p:nvCxnSpPr>
-          <p:spPr>
-            <a:xfrm>
-              <a:off x="7850656" y="1494262"/>
-              <a:ext cx="3248526" cy="0"/>
-            </a:xfrm>
-            <a:prstGeom prst="line">
-              <a:avLst/>
-            </a:prstGeom>
-          </p:spPr>
-          <p:style>
-            <a:lnRef idx="1">
-              <a:schemeClr val="dk1"/>
-            </a:lnRef>
-            <a:fillRef idx="0">
-              <a:schemeClr val="dk1"/>
-            </a:fillRef>
-            <a:effectRef idx="0">
-              <a:schemeClr val="dk1"/>
-            </a:effectRef>
-            <a:fontRef idx="minor">
-              <a:schemeClr val="tx1"/>
-            </a:fontRef>
-          </p:style>
-        </p:cxnSp>
-        <p:cxnSp>
-          <p:nvCxnSpPr>
-            <p:cNvPr id="7" name="Straight Connector 6"/>
-            <p:cNvCxnSpPr/>
-            <p:nvPr/>
-          </p:nvCxnSpPr>
-          <p:spPr>
-            <a:xfrm>
-              <a:off x="7850656" y="2493651"/>
-              <a:ext cx="3248526" cy="0"/>
-            </a:xfrm>
-            <a:prstGeom prst="line">
-              <a:avLst/>
-            </a:prstGeom>
-          </p:spPr>
-          <p:style>
-            <a:lnRef idx="1">
-              <a:schemeClr val="dk1"/>
-            </a:lnRef>
-            <a:fillRef idx="0">
-              <a:schemeClr val="dk1"/>
-            </a:fillRef>
-            <a:effectRef idx="0">
-              <a:schemeClr val="dk1"/>
-            </a:effectRef>
-            <a:fontRef idx="minor">
-              <a:schemeClr val="tx1"/>
-            </a:fontRef>
-          </p:style>
-        </p:cxnSp>
-        <p:cxnSp>
-          <p:nvCxnSpPr>
-            <p:cNvPr id="8" name="Straight Connector 7"/>
-            <p:cNvCxnSpPr>
-              <a:stCxn id="10" idx="2"/>
-            </p:cNvCxnSpPr>
-            <p:nvPr/>
-          </p:nvCxnSpPr>
-          <p:spPr>
-            <a:xfrm>
-              <a:off x="9365635" y="1825624"/>
-              <a:ext cx="0" cy="668027"/>
-            </a:xfrm>
-            <a:prstGeom prst="line">
-              <a:avLst/>
-            </a:prstGeom>
-          </p:spPr>
-          <p:style>
-            <a:lnRef idx="1">
-              <a:schemeClr val="dk1"/>
-            </a:lnRef>
-            <a:fillRef idx="0">
-              <a:schemeClr val="dk1"/>
-            </a:fillRef>
-            <a:effectRef idx="0">
-              <a:schemeClr val="dk1"/>
-            </a:effectRef>
-            <a:fontRef idx="minor">
-              <a:schemeClr val="tx1"/>
-            </a:fontRef>
-          </p:style>
-        </p:cxnSp>
-        <p:sp>
-          <p:nvSpPr>
-            <p:cNvPr id="9" name="Oval 8"/>
-            <p:cNvSpPr/>
-            <p:nvPr/>
-          </p:nvSpPr>
-          <p:spPr>
-            <a:xfrm>
-              <a:off x="9286449" y="2433792"/>
-              <a:ext cx="156346" cy="124924"/>
-            </a:xfrm>
-            <a:prstGeom prst="ellipse">
-              <a:avLst/>
-            </a:prstGeom>
-          </p:spPr>
-          <p:style>
-            <a:lnRef idx="2">
-              <a:schemeClr val="dk1">
-                <a:shade val="50000"/>
-              </a:schemeClr>
-            </a:lnRef>
-            <a:fillRef idx="1">
-              <a:schemeClr val="dk1"/>
-            </a:fillRef>
-            <a:effectRef idx="0">
-              <a:schemeClr val="dk1"/>
-            </a:effectRef>
-            <a:fontRef idx="minor">
-              <a:schemeClr val="lt1"/>
-            </a:fontRef>
-          </p:style>
-          <p:txBody>
-            <a:bodyPr rtlCol="0" anchor="ctr"/>
-            <a:lstStyle/>
-            <a:p>
-              <a:pPr algn="ctr"/>
-              <a:endParaRPr lang="en-US"/>
-            </a:p>
-          </p:txBody>
-        </p:sp>
-        <p:sp>
-          <p:nvSpPr>
-            <p:cNvPr id="10" name="Rectangle 9"/>
-            <p:cNvSpPr/>
-            <p:nvPr/>
-          </p:nvSpPr>
-          <p:spPr>
-            <a:xfrm>
-              <a:off x="8561466" y="228445"/>
-              <a:ext cx="1608338" cy="1597179"/>
-            </a:xfrm>
-            <a:prstGeom prst="rect">
-              <a:avLst/>
-            </a:prstGeom>
-          </p:spPr>
-          <p:style>
-            <a:lnRef idx="2">
-              <a:schemeClr val="accent1">
-                <a:shade val="50000"/>
-              </a:schemeClr>
-            </a:lnRef>
-            <a:fillRef idx="1">
-              <a:schemeClr val="accent1"/>
-            </a:fillRef>
-            <a:effectRef idx="0">
-              <a:schemeClr val="accent1"/>
-            </a:effectRef>
-            <a:fontRef idx="minor">
-              <a:schemeClr val="lt1"/>
-            </a:fontRef>
-          </p:style>
-          <p:txBody>
-            <a:bodyPr rtlCol="0" anchor="ctr"/>
-            <a:lstStyle/>
-            <a:p>
-              <a:pPr algn="ctr"/>
-              <a:endParaRPr lang="en-US"/>
-            </a:p>
-          </p:txBody>
-        </p:sp>
-        <mc:AlternateContent xmlns:mc="http://schemas.openxmlformats.org/markup-compatibility/2006" xmlns:a14="http://schemas.microsoft.com/office/drawing/2010/main">
-          <mc:Choice Requires="a14">
-            <p:sp>
-              <p:nvSpPr>
-                <p:cNvPr id="11" name="TextBox 10"/>
-                <p:cNvSpPr txBox="1"/>
-                <p:nvPr/>
-              </p:nvSpPr>
-              <p:spPr>
-                <a:xfrm>
-                  <a:off x="8639640" y="802021"/>
-                  <a:ext cx="1530164" cy="400110"/>
-                </a:xfrm>
-                <a:prstGeom prst="rect">
-                  <a:avLst/>
-                </a:prstGeom>
-                <a:noFill/>
-              </p:spPr>
-              <p:txBody>
-                <a:bodyPr wrap="square" rtlCol="0">
-                  <a:spAutoFit/>
-                </a:bodyPr>
-                <a:lstStyle/>
-                <a:p>
-                  <a:r>
-                    <a:rPr lang="en-US" sz="2000" dirty="0" smtClean="0">
-                      <a:solidFill>
-                        <a:schemeClr val="bg1"/>
-                      </a:solidFill>
-                    </a:rPr>
-                    <a:t>DECD (</a:t>
-                  </a:r>
-                  <a14:m>
-                    <m:oMath xmlns:m="http://schemas.openxmlformats.org/officeDocument/2006/math">
-                      <m:r>
-                        <a:rPr lang="en-US" sz="2000" b="0" i="1" smtClean="0">
-                          <a:solidFill>
-                            <a:schemeClr val="bg1"/>
-                          </a:solidFill>
-                          <a:latin typeface="Cambria Math" panose="02040503050406030204" pitchFamily="18" charset="0"/>
-                        </a:rPr>
-                        <m:t>𝛽</m:t>
-                      </m:r>
-                      <m:r>
-                        <a:rPr lang="en-US" sz="2000" b="0" i="1" smtClean="0">
-                          <a:solidFill>
-                            <a:schemeClr val="bg1"/>
-                          </a:solidFill>
-                          <a:latin typeface="Cambria Math" panose="02040503050406030204" pitchFamily="18" charset="0"/>
-                        </a:rPr>
-                        <m:t>,</m:t>
-                      </m:r>
-                      <m:r>
-                        <a:rPr lang="en-US" sz="2000" b="0" i="1" smtClean="0">
-                          <a:solidFill>
-                            <a:schemeClr val="bg1"/>
-                          </a:solidFill>
-                          <a:latin typeface="Cambria Math" panose="02040503050406030204" pitchFamily="18" charset="0"/>
-                        </a:rPr>
-                        <m:t>𝛾</m:t>
-                      </m:r>
-                    </m:oMath>
-                  </a14:m>
-                  <a:r>
-                    <a:rPr lang="en-US" sz="2000" dirty="0" smtClean="0">
-                      <a:solidFill>
-                        <a:schemeClr val="bg1"/>
-                      </a:solidFill>
-                    </a:rPr>
-                    <a:t>)</a:t>
-                  </a:r>
-                  <a:endParaRPr lang="en-US" sz="2000" dirty="0">
-                    <a:solidFill>
-                      <a:schemeClr val="bg1"/>
-                    </a:solidFill>
-                  </a:endParaRPr>
-                </a:p>
-              </p:txBody>
-            </p:sp>
-          </mc:Choice>
-          <mc:Fallback xmlns="">
-            <p:sp>
-              <p:nvSpPr>
-                <p:cNvPr id="28" name="TextBox 27"/>
-                <p:cNvSpPr txBox="1">
-                  <a:spLocks noRot="1" noChangeAspect="1" noMove="1" noResize="1" noEditPoints="1" noAdjustHandles="1" noChangeArrowheads="1" noChangeShapeType="1" noTextEdit="1"/>
-                </p:cNvSpPr>
-                <p:nvPr/>
-              </p:nvSpPr>
-              <p:spPr>
-                <a:xfrm>
-                  <a:off x="8639640" y="802021"/>
-                  <a:ext cx="1530164" cy="400110"/>
-                </a:xfrm>
-                <a:prstGeom prst="rect">
-                  <a:avLst/>
-                </a:prstGeom>
-                <a:blipFill rotWithShape="0">
-                  <a:blip r:embed="rId4"/>
-                  <a:stretch>
-                    <a:fillRect l="-4382" t="-9231" b="-27692"/>
-                  </a:stretch>
-                </a:blipFill>
-              </p:spPr>
-              <p:txBody>
-                <a:bodyPr/>
-                <a:lstStyle/>
-                <a:p>
-                  <a:r>
-                    <a:rPr lang="en-US">
-                      <a:noFill/>
-                    </a:rPr>
-                    <a:t> </a:t>
-                  </a:r>
-                </a:p>
-              </p:txBody>
-            </p:sp>
-          </mc:Fallback>
-        </mc:AlternateContent>
-        <p:sp>
-          <p:nvSpPr>
-            <p:cNvPr id="12" name="TextBox 11"/>
-            <p:cNvSpPr txBox="1"/>
-            <p:nvPr/>
-          </p:nvSpPr>
-          <p:spPr>
-            <a:xfrm>
-              <a:off x="6850166" y="336233"/>
-              <a:ext cx="1026738" cy="369332"/>
-            </a:xfrm>
-            <a:prstGeom prst="rect">
-              <a:avLst/>
-            </a:prstGeom>
-            <a:noFill/>
-          </p:spPr>
-          <p:txBody>
-            <a:bodyPr wrap="square" rtlCol="0">
-              <a:spAutoFit/>
-            </a:bodyPr>
-            <a:lstStyle/>
-            <a:p>
-              <a:r>
-                <a:rPr lang="en-US" dirty="0" smtClean="0"/>
-                <a:t>Mode 1</a:t>
-              </a:r>
-              <a:endParaRPr lang="en-US" dirty="0"/>
-            </a:p>
-          </p:txBody>
-        </p:sp>
-        <p:sp>
-          <p:nvSpPr>
-            <p:cNvPr id="13" name="TextBox 12"/>
-            <p:cNvSpPr txBox="1"/>
-            <p:nvPr/>
-          </p:nvSpPr>
-          <p:spPr>
-            <a:xfrm>
-              <a:off x="6844046" y="1294867"/>
-              <a:ext cx="1026738" cy="369332"/>
-            </a:xfrm>
-            <a:prstGeom prst="rect">
-              <a:avLst/>
-            </a:prstGeom>
-            <a:noFill/>
-          </p:spPr>
-          <p:txBody>
-            <a:bodyPr wrap="square" rtlCol="0">
-              <a:spAutoFit/>
-            </a:bodyPr>
-            <a:lstStyle/>
-            <a:p>
-              <a:r>
-                <a:rPr lang="en-US" dirty="0" smtClean="0"/>
-                <a:t>Mode 2</a:t>
-              </a:r>
-              <a:endParaRPr lang="en-US" dirty="0"/>
-            </a:p>
-          </p:txBody>
-        </p:sp>
-        <p:sp>
-          <p:nvSpPr>
-            <p:cNvPr id="14" name="TextBox 13"/>
-            <p:cNvSpPr txBox="1"/>
-            <p:nvPr/>
-          </p:nvSpPr>
-          <p:spPr>
-            <a:xfrm>
-              <a:off x="6823918" y="2298310"/>
-              <a:ext cx="1026738" cy="369332"/>
-            </a:xfrm>
-            <a:prstGeom prst="rect">
-              <a:avLst/>
-            </a:prstGeom>
-            <a:noFill/>
-          </p:spPr>
-          <p:txBody>
-            <a:bodyPr wrap="square" rtlCol="0">
-              <a:spAutoFit/>
-            </a:bodyPr>
-            <a:lstStyle/>
-            <a:p>
-              <a:pPr algn="ctr"/>
-              <a:r>
-                <a:rPr lang="en-US" dirty="0" smtClean="0"/>
-                <a:t>Qubit</a:t>
-              </a:r>
-              <a:endParaRPr lang="en-US" dirty="0"/>
-            </a:p>
-          </p:txBody>
-        </p:sp>
-      </p:grpSp>
-      <p:grpSp>
-        <p:nvGrpSpPr>
-          <p:cNvPr id="15" name="Group 14"/>
-          <p:cNvGrpSpPr/>
-          <p:nvPr/>
-        </p:nvGrpSpPr>
-        <p:grpSpPr>
-          <a:xfrm>
-            <a:off x="7192937" y="3809580"/>
-            <a:ext cx="4359234" cy="2512792"/>
-            <a:chOff x="6745462" y="3935419"/>
-            <a:chExt cx="4359234" cy="2512792"/>
-          </a:xfrm>
-        </p:grpSpPr>
-        <p:grpSp>
-          <p:nvGrpSpPr>
-            <p:cNvPr id="16" name="Group 15"/>
-            <p:cNvGrpSpPr/>
-            <p:nvPr/>
-          </p:nvGrpSpPr>
-          <p:grpSpPr>
-            <a:xfrm>
-              <a:off x="7856169" y="3935419"/>
-              <a:ext cx="3248527" cy="2446421"/>
-              <a:chOff x="6629399" y="1812758"/>
-              <a:chExt cx="4499812" cy="3769896"/>
-            </a:xfrm>
-          </p:grpSpPr>
-          <p:cxnSp>
-            <p:nvCxnSpPr>
-              <p:cNvPr id="20" name="Straight Connector 19"/>
-              <p:cNvCxnSpPr/>
-              <p:nvPr/>
-            </p:nvCxnSpPr>
-            <p:spPr>
-              <a:xfrm>
-                <a:off x="6629399" y="2442410"/>
-                <a:ext cx="4499811" cy="0"/>
-              </a:xfrm>
-              <a:prstGeom prst="line">
-                <a:avLst/>
-              </a:prstGeom>
-            </p:spPr>
-            <p:style>
-              <a:lnRef idx="1">
-                <a:schemeClr val="dk1"/>
-              </a:lnRef>
-              <a:fillRef idx="0">
-                <a:schemeClr val="dk1"/>
-              </a:fillRef>
-              <a:effectRef idx="0">
-                <a:schemeClr val="dk1"/>
-              </a:effectRef>
-              <a:fontRef idx="minor">
-                <a:schemeClr val="tx1"/>
-              </a:fontRef>
-            </p:style>
-          </p:cxnSp>
-          <p:cxnSp>
-            <p:nvCxnSpPr>
-              <p:cNvPr id="21" name="Straight Connector 20"/>
-              <p:cNvCxnSpPr/>
-              <p:nvPr/>
-            </p:nvCxnSpPr>
-            <p:spPr>
-              <a:xfrm>
-                <a:off x="6629400" y="3942348"/>
-                <a:ext cx="4499811" cy="0"/>
-              </a:xfrm>
-              <a:prstGeom prst="line">
-                <a:avLst/>
-              </a:prstGeom>
-            </p:spPr>
-            <p:style>
-              <a:lnRef idx="1">
-                <a:schemeClr val="dk1"/>
-              </a:lnRef>
-              <a:fillRef idx="0">
-                <a:schemeClr val="dk1"/>
-              </a:fillRef>
-              <a:effectRef idx="0">
-                <a:schemeClr val="dk1"/>
-              </a:effectRef>
-              <a:fontRef idx="minor">
-                <a:schemeClr val="tx1"/>
-              </a:fontRef>
-            </p:style>
-          </p:cxnSp>
-          <p:cxnSp>
-            <p:nvCxnSpPr>
-              <p:cNvPr id="22" name="Straight Connector 21"/>
-              <p:cNvCxnSpPr/>
-              <p:nvPr/>
-            </p:nvCxnSpPr>
-            <p:spPr>
-              <a:xfrm>
-                <a:off x="6629400" y="5482390"/>
-                <a:ext cx="4499811" cy="0"/>
-              </a:xfrm>
-              <a:prstGeom prst="line">
-                <a:avLst/>
-              </a:prstGeom>
-            </p:spPr>
-            <p:style>
-              <a:lnRef idx="1">
-                <a:schemeClr val="dk1"/>
-              </a:lnRef>
-              <a:fillRef idx="0">
-                <a:schemeClr val="dk1"/>
-              </a:fillRef>
-              <a:effectRef idx="0">
-                <a:schemeClr val="dk1"/>
-              </a:effectRef>
-              <a:fontRef idx="minor">
-                <a:schemeClr val="tx1"/>
-              </a:fontRef>
-            </p:style>
-          </p:cxnSp>
-          <p:sp>
-            <p:nvSpPr>
-              <p:cNvPr id="23" name="Rectangle 22"/>
-              <p:cNvSpPr/>
-              <p:nvPr/>
-            </p:nvSpPr>
-            <p:spPr>
-              <a:xfrm>
-                <a:off x="6990347" y="3224463"/>
-                <a:ext cx="1600200" cy="1359569"/>
-              </a:xfrm>
-              <a:prstGeom prst="rect">
-                <a:avLst/>
-              </a:prstGeom>
-            </p:spPr>
-            <p:style>
-              <a:lnRef idx="2">
-                <a:schemeClr val="accent1">
-                  <a:shade val="50000"/>
-                </a:schemeClr>
-              </a:lnRef>
-              <a:fillRef idx="1">
-                <a:schemeClr val="accent1"/>
-              </a:fillRef>
-              <a:effectRef idx="0">
-                <a:schemeClr val="accent1"/>
-              </a:effectRef>
-              <a:fontRef idx="minor">
-                <a:schemeClr val="lt1"/>
-              </a:fontRef>
-            </p:style>
-            <p:txBody>
-              <a:bodyPr rtlCol="0" anchor="ctr"/>
-              <a:lstStyle/>
-              <a:p>
-                <a:pPr algn="ctr"/>
-                <a:endParaRPr lang="en-US"/>
-              </a:p>
-            </p:txBody>
-          </p:sp>
-          <p:sp>
-            <p:nvSpPr>
-              <p:cNvPr id="24" name="Rectangle 23"/>
-              <p:cNvSpPr/>
-              <p:nvPr/>
-            </p:nvSpPr>
-            <p:spPr>
-              <a:xfrm>
-                <a:off x="9091862" y="1812758"/>
-                <a:ext cx="1600200" cy="1359569"/>
-              </a:xfrm>
-              <a:prstGeom prst="rect">
-                <a:avLst/>
-              </a:prstGeom>
-            </p:spPr>
-            <p:style>
-              <a:lnRef idx="2">
-                <a:schemeClr val="accent1">
-                  <a:shade val="50000"/>
-                </a:schemeClr>
-              </a:lnRef>
-              <a:fillRef idx="1">
-                <a:schemeClr val="accent1"/>
-              </a:fillRef>
-              <a:effectRef idx="0">
-                <a:schemeClr val="accent1"/>
-              </a:effectRef>
-              <a:fontRef idx="minor">
-                <a:schemeClr val="lt1"/>
-              </a:fontRef>
-            </p:style>
-            <p:txBody>
-              <a:bodyPr rtlCol="0" anchor="ctr"/>
-              <a:lstStyle/>
-              <a:p>
-                <a:pPr algn="ctr"/>
-                <a:endParaRPr lang="en-US"/>
-              </a:p>
-            </p:txBody>
-          </p:sp>
-          <p:cxnSp>
-            <p:nvCxnSpPr>
-              <p:cNvPr id="25" name="Straight Connector 24"/>
-              <p:cNvCxnSpPr>
-                <a:stCxn id="23" idx="2"/>
-              </p:cNvCxnSpPr>
-              <p:nvPr/>
-            </p:nvCxnSpPr>
-            <p:spPr>
-              <a:xfrm>
-                <a:off x="7790447" y="4584032"/>
-                <a:ext cx="0" cy="898358"/>
-              </a:xfrm>
-              <a:prstGeom prst="line">
-                <a:avLst/>
-              </a:prstGeom>
-            </p:spPr>
-            <p:style>
-              <a:lnRef idx="1">
-                <a:schemeClr val="dk1"/>
-              </a:lnRef>
-              <a:fillRef idx="0">
-                <a:schemeClr val="dk1"/>
-              </a:fillRef>
-              <a:effectRef idx="0">
-                <a:schemeClr val="dk1"/>
-              </a:effectRef>
-              <a:fontRef idx="minor">
-                <a:schemeClr val="tx1"/>
-              </a:fontRef>
-            </p:style>
-          </p:cxnSp>
-          <p:cxnSp>
-            <p:nvCxnSpPr>
-              <p:cNvPr id="26" name="Straight Connector 25"/>
-              <p:cNvCxnSpPr/>
-              <p:nvPr/>
-            </p:nvCxnSpPr>
-            <p:spPr>
-              <a:xfrm>
-                <a:off x="9891962" y="3172327"/>
-                <a:ext cx="0" cy="2310063"/>
-              </a:xfrm>
-              <a:prstGeom prst="line">
-                <a:avLst/>
-              </a:prstGeom>
-            </p:spPr>
-            <p:style>
-              <a:lnRef idx="1">
-                <a:schemeClr val="dk1"/>
-              </a:lnRef>
-              <a:fillRef idx="0">
-                <a:schemeClr val="dk1"/>
-              </a:fillRef>
-              <a:effectRef idx="0">
-                <a:schemeClr val="dk1"/>
-              </a:effectRef>
-              <a:fontRef idx="minor">
-                <a:schemeClr val="tx1"/>
-              </a:fontRef>
-            </p:style>
-          </p:cxnSp>
-          <p:sp>
-            <p:nvSpPr>
-              <p:cNvPr id="27" name="Oval 26"/>
-              <p:cNvSpPr/>
-              <p:nvPr/>
-            </p:nvSpPr>
-            <p:spPr>
-              <a:xfrm>
-                <a:off x="7664116" y="5390148"/>
-                <a:ext cx="216568" cy="192506"/>
-              </a:xfrm>
-              <a:prstGeom prst="ellipse">
-                <a:avLst/>
-              </a:prstGeom>
-            </p:spPr>
-            <p:style>
-              <a:lnRef idx="2">
-                <a:schemeClr val="dk1">
-                  <a:shade val="50000"/>
-                </a:schemeClr>
-              </a:lnRef>
-              <a:fillRef idx="1">
-                <a:schemeClr val="dk1"/>
-              </a:fillRef>
-              <a:effectRef idx="0">
-                <a:schemeClr val="dk1"/>
-              </a:effectRef>
-              <a:fontRef idx="minor">
-                <a:schemeClr val="lt1"/>
-              </a:fontRef>
-            </p:style>
-            <p:txBody>
-              <a:bodyPr rtlCol="0" anchor="ctr"/>
-              <a:lstStyle/>
-              <a:p>
-                <a:pPr algn="ctr"/>
-                <a:endParaRPr lang="en-US"/>
-              </a:p>
-            </p:txBody>
-          </p:sp>
-          <p:sp>
-            <p:nvSpPr>
-              <p:cNvPr id="28" name="Oval 27"/>
-              <p:cNvSpPr/>
-              <p:nvPr/>
-            </p:nvSpPr>
-            <p:spPr>
-              <a:xfrm>
-                <a:off x="9783678" y="5390148"/>
-                <a:ext cx="216568" cy="192506"/>
-              </a:xfrm>
-              <a:prstGeom prst="ellipse">
-                <a:avLst/>
-              </a:prstGeom>
-            </p:spPr>
-            <p:style>
-              <a:lnRef idx="2">
-                <a:schemeClr val="dk1">
-                  <a:shade val="50000"/>
-                </a:schemeClr>
-              </a:lnRef>
-              <a:fillRef idx="1">
-                <a:schemeClr val="dk1"/>
-              </a:fillRef>
-              <a:effectRef idx="0">
-                <a:schemeClr val="dk1"/>
-              </a:effectRef>
-              <a:fontRef idx="minor">
-                <a:schemeClr val="lt1"/>
-              </a:fontRef>
-            </p:style>
-            <p:txBody>
-              <a:bodyPr rtlCol="0" anchor="ctr"/>
-              <a:lstStyle/>
-              <a:p>
-                <a:pPr algn="ctr"/>
-                <a:endParaRPr lang="en-US"/>
-              </a:p>
-            </p:txBody>
-          </p:sp>
-          <mc:AlternateContent xmlns:mc="http://schemas.openxmlformats.org/markup-compatibility/2006" xmlns:a14="http://schemas.microsoft.com/office/drawing/2010/main">
-            <mc:Choice Requires="a14">
-              <p:sp>
-                <p:nvSpPr>
-                  <p:cNvPr id="29" name="TextBox 28"/>
-                  <p:cNvSpPr txBox="1"/>
-                  <p:nvPr/>
-                </p:nvSpPr>
-                <p:spPr>
-                  <a:xfrm>
-                    <a:off x="7154277" y="3611634"/>
-                    <a:ext cx="1272339" cy="616563"/>
-                  </a:xfrm>
-                  <a:prstGeom prst="rect">
-                    <a:avLst/>
-                  </a:prstGeom>
-                  <a:noFill/>
-                </p:spPr>
-                <p:txBody>
-                  <a:bodyPr wrap="square" rtlCol="0">
-                    <a:spAutoFit/>
-                  </a:bodyPr>
-                  <a:lstStyle/>
-                  <a:p>
-                    <a:r>
-                      <a:rPr lang="en-US" sz="2000" dirty="0" smtClean="0">
-                        <a:solidFill>
-                          <a:schemeClr val="bg1"/>
-                        </a:solidFill>
-                      </a:rPr>
-                      <a:t>ECD(</a:t>
-                    </a:r>
-                    <a14:m>
-                      <m:oMath xmlns:m="http://schemas.openxmlformats.org/officeDocument/2006/math">
-                        <m:r>
-                          <a:rPr lang="en-US" sz="2000" b="0" i="1" smtClean="0">
-                            <a:solidFill>
-                              <a:schemeClr val="bg1"/>
-                            </a:solidFill>
-                            <a:latin typeface="Cambria Math" panose="02040503050406030204" pitchFamily="18" charset="0"/>
-                          </a:rPr>
-                          <m:t>𝛽</m:t>
-                        </m:r>
-                      </m:oMath>
-                    </a14:m>
-                    <a:r>
-                      <a:rPr lang="en-US" sz="2000" dirty="0" smtClean="0">
-                        <a:solidFill>
-                          <a:schemeClr val="bg1"/>
-                        </a:solidFill>
-                      </a:rPr>
-                      <a:t>)</a:t>
-                    </a:r>
-                    <a:endParaRPr lang="en-US" sz="2000" dirty="0">
-                      <a:solidFill>
-                        <a:schemeClr val="bg1"/>
-                      </a:solidFill>
-                    </a:endParaRPr>
-                  </a:p>
-                </p:txBody>
-              </p:sp>
-            </mc:Choice>
-            <mc:Fallback xmlns="">
-              <p:sp>
-                <p:nvSpPr>
-                  <p:cNvPr id="18" name="TextBox 17"/>
-                  <p:cNvSpPr txBox="1">
-                    <a:spLocks noRot="1" noChangeAspect="1" noMove="1" noResize="1" noEditPoints="1" noAdjustHandles="1" noChangeArrowheads="1" noChangeShapeType="1" noTextEdit="1"/>
-                  </p:cNvSpPr>
-                  <p:nvPr/>
-                </p:nvSpPr>
-                <p:spPr>
-                  <a:xfrm>
-                    <a:off x="7154277" y="3611634"/>
-                    <a:ext cx="1272339" cy="616563"/>
-                  </a:xfrm>
-                  <a:prstGeom prst="rect">
-                    <a:avLst/>
-                  </a:prstGeom>
-                  <a:blipFill rotWithShape="0">
-                    <a:blip r:embed="rId2"/>
-                    <a:stretch>
-                      <a:fillRect l="-7285" t="-7576" r="-6623" b="-25758"/>
-                    </a:stretch>
-                  </a:blipFill>
-                </p:spPr>
-                <p:txBody>
-                  <a:bodyPr/>
-                  <a:lstStyle/>
-                  <a:p>
-                    <a:r>
-                      <a:rPr lang="en-US">
-                        <a:noFill/>
-                      </a:rPr>
-                      <a:t> </a:t>
-                    </a:r>
-                  </a:p>
-                </p:txBody>
-              </p:sp>
-            </mc:Fallback>
-          </mc:AlternateContent>
-          <mc:AlternateContent xmlns:mc="http://schemas.openxmlformats.org/markup-compatibility/2006" xmlns:a14="http://schemas.microsoft.com/office/drawing/2010/main">
-            <mc:Choice Requires="a14">
-              <p:sp>
-                <p:nvSpPr>
-                  <p:cNvPr id="30" name="TextBox 29"/>
-                  <p:cNvSpPr txBox="1"/>
-                  <p:nvPr/>
-                </p:nvSpPr>
-                <p:spPr>
-                  <a:xfrm>
-                    <a:off x="9364076" y="2152976"/>
-                    <a:ext cx="1272339" cy="616563"/>
-                  </a:xfrm>
-                  <a:prstGeom prst="rect">
-                    <a:avLst/>
-                  </a:prstGeom>
-                  <a:noFill/>
-                </p:spPr>
-                <p:txBody>
-                  <a:bodyPr wrap="square" rtlCol="0">
-                    <a:spAutoFit/>
-                  </a:bodyPr>
-                  <a:lstStyle/>
-                  <a:p>
-                    <a:r>
-                      <a:rPr lang="en-US" sz="2000" dirty="0" smtClean="0">
-                        <a:solidFill>
-                          <a:schemeClr val="bg1"/>
-                        </a:solidFill>
-                      </a:rPr>
-                      <a:t>ECD(</a:t>
-                    </a:r>
-                    <a14:m>
-                      <m:oMath xmlns:m="http://schemas.openxmlformats.org/officeDocument/2006/math">
-                        <m:r>
-                          <a:rPr lang="en-US" sz="2000" b="0" i="1" smtClean="0">
-                            <a:solidFill>
-                              <a:schemeClr val="bg1"/>
-                            </a:solidFill>
-                            <a:latin typeface="Cambria Math" panose="02040503050406030204" pitchFamily="18" charset="0"/>
-                          </a:rPr>
-                          <m:t>𝛾</m:t>
-                        </m:r>
-                      </m:oMath>
-                    </a14:m>
-                    <a:r>
-                      <a:rPr lang="en-US" sz="2000" dirty="0" smtClean="0">
-                        <a:solidFill>
-                          <a:schemeClr val="bg1"/>
-                        </a:solidFill>
-                      </a:rPr>
-                      <a:t>)</a:t>
-                    </a:r>
-                    <a:endParaRPr lang="en-US" sz="2000" dirty="0">
-                      <a:solidFill>
-                        <a:schemeClr val="bg1"/>
-                      </a:solidFill>
-                    </a:endParaRPr>
-                  </a:p>
-                </p:txBody>
-              </p:sp>
-            </mc:Choice>
-            <mc:Fallback xmlns="">
-              <p:sp>
-                <p:nvSpPr>
-                  <p:cNvPr id="19" name="TextBox 18"/>
-                  <p:cNvSpPr txBox="1">
-                    <a:spLocks noRot="1" noChangeAspect="1" noMove="1" noResize="1" noEditPoints="1" noAdjustHandles="1" noChangeArrowheads="1" noChangeShapeType="1" noTextEdit="1"/>
-                  </p:cNvSpPr>
-                  <p:nvPr/>
-                </p:nvSpPr>
-                <p:spPr>
-                  <a:xfrm>
-                    <a:off x="9364076" y="2152976"/>
-                    <a:ext cx="1272339" cy="616563"/>
-                  </a:xfrm>
-                  <a:prstGeom prst="rect">
-                    <a:avLst/>
-                  </a:prstGeom>
-                  <a:blipFill rotWithShape="0">
-                    <a:blip r:embed="rId3"/>
-                    <a:stretch>
-                      <a:fillRect l="-7333" t="-7576" r="-5333" b="-25758"/>
-                    </a:stretch>
-                  </a:blipFill>
-                </p:spPr>
-                <p:txBody>
-                  <a:bodyPr/>
-                  <a:lstStyle/>
-                  <a:p>
-                    <a:r>
-                      <a:rPr lang="en-US">
-                        <a:noFill/>
-                      </a:rPr>
-                      <a:t> </a:t>
-                    </a:r>
-                  </a:p>
-                </p:txBody>
-              </p:sp>
-            </mc:Fallback>
-          </mc:AlternateContent>
-        </p:grpSp>
-        <p:sp>
-          <p:nvSpPr>
-            <p:cNvPr id="17" name="TextBox 16"/>
-            <p:cNvSpPr txBox="1"/>
-            <p:nvPr/>
-          </p:nvSpPr>
-          <p:spPr>
-            <a:xfrm>
-              <a:off x="6771710" y="4116802"/>
-              <a:ext cx="1026738" cy="369332"/>
-            </a:xfrm>
-            <a:prstGeom prst="rect">
-              <a:avLst/>
-            </a:prstGeom>
-            <a:noFill/>
-          </p:spPr>
-          <p:txBody>
-            <a:bodyPr wrap="square" rtlCol="0">
-              <a:spAutoFit/>
-            </a:bodyPr>
-            <a:lstStyle/>
-            <a:p>
-              <a:r>
-                <a:rPr lang="en-US" dirty="0" smtClean="0"/>
-                <a:t>Mode 1</a:t>
-              </a:r>
-              <a:endParaRPr lang="en-US" dirty="0"/>
-            </a:p>
-          </p:txBody>
-        </p:sp>
-        <p:sp>
-          <p:nvSpPr>
-            <p:cNvPr id="18" name="TextBox 17"/>
-            <p:cNvSpPr txBox="1"/>
-            <p:nvPr/>
-          </p:nvSpPr>
-          <p:spPr>
-            <a:xfrm>
-              <a:off x="6765590" y="5075436"/>
-              <a:ext cx="1026738" cy="369332"/>
-            </a:xfrm>
-            <a:prstGeom prst="rect">
-              <a:avLst/>
-            </a:prstGeom>
-            <a:noFill/>
-          </p:spPr>
-          <p:txBody>
-            <a:bodyPr wrap="square" rtlCol="0">
-              <a:spAutoFit/>
-            </a:bodyPr>
-            <a:lstStyle/>
-            <a:p>
-              <a:r>
-                <a:rPr lang="en-US" dirty="0" smtClean="0"/>
-                <a:t>Mode 2</a:t>
-              </a:r>
-              <a:endParaRPr lang="en-US" dirty="0"/>
-            </a:p>
-          </p:txBody>
-        </p:sp>
-        <p:sp>
-          <p:nvSpPr>
-            <p:cNvPr id="19" name="TextBox 18"/>
-            <p:cNvSpPr txBox="1"/>
-            <p:nvPr/>
-          </p:nvSpPr>
-          <p:spPr>
-            <a:xfrm>
-              <a:off x="6745462" y="6078879"/>
-              <a:ext cx="1026738" cy="369332"/>
-            </a:xfrm>
-            <a:prstGeom prst="rect">
-              <a:avLst/>
-            </a:prstGeom>
-            <a:noFill/>
-          </p:spPr>
-          <p:txBody>
-            <a:bodyPr wrap="square" rtlCol="0">
-              <a:spAutoFit/>
-            </a:bodyPr>
-            <a:lstStyle/>
-            <a:p>
-              <a:pPr algn="ctr"/>
-              <a:r>
-                <a:rPr lang="en-US" dirty="0" smtClean="0"/>
-                <a:t>Qubit</a:t>
-              </a:r>
-              <a:endParaRPr lang="en-US" dirty="0"/>
-            </a:p>
-          </p:txBody>
-        </p:sp>
-      </p:grpSp>
       <mc:AlternateContent xmlns:mc="http://schemas.openxmlformats.org/markup-compatibility/2006" xmlns:a14="http://schemas.microsoft.com/office/drawing/2010/main">
         <mc:Choice Requires="a14">
           <p:sp>
@@ -8366,7 +7294,7 @@
             </p:nvSpPr>
             <p:spPr>
               <a:xfrm>
-                <a:off x="5960420" y="4725686"/>
+                <a:off x="5821563" y="2594008"/>
                 <a:ext cx="674864" cy="830997"/>
               </a:xfrm>
               <a:prstGeom prst="rect">
@@ -8413,14 +7341,14 @@
             </p:nvSpPr>
             <p:spPr>
               <a:xfrm>
-                <a:off x="5960420" y="4725686"/>
+                <a:off x="5821563" y="2594008"/>
                 <a:ext cx="674864" cy="830997"/>
               </a:xfrm>
               <a:prstGeom prst="rect">
                 <a:avLst/>
               </a:prstGeom>
               <a:blipFill rotWithShape="0">
-                <a:blip r:embed="rId5"/>
+                <a:blip r:embed="rId2"/>
                 <a:stretch>
                   <a:fillRect/>
                 </a:stretch>
@@ -8441,6 +7369,1539 @@
           </p:sp>
         </mc:Fallback>
       </mc:AlternateContent>
+      <p:grpSp>
+        <p:nvGrpSpPr>
+          <p:cNvPr id="40" name="Group 39"/>
+          <p:cNvGrpSpPr/>
+          <p:nvPr/>
+        </p:nvGrpSpPr>
+        <p:grpSpPr>
+          <a:xfrm>
+            <a:off x="725325" y="1794393"/>
+            <a:ext cx="3801737" cy="2204679"/>
+            <a:chOff x="626431" y="2063637"/>
+            <a:chExt cx="3801737" cy="2204679"/>
+          </a:xfrm>
+        </p:grpSpPr>
+        <p:grpSp>
+          <p:nvGrpSpPr>
+            <p:cNvPr id="34" name="Group 33"/>
+            <p:cNvGrpSpPr/>
+            <p:nvPr/>
+          </p:nvGrpSpPr>
+          <p:grpSpPr>
+            <a:xfrm>
+              <a:off x="626431" y="2063637"/>
+              <a:ext cx="3801737" cy="2204679"/>
+              <a:chOff x="658147" y="3795512"/>
+              <a:chExt cx="4568157" cy="2613275"/>
+            </a:xfrm>
+          </p:grpSpPr>
+          <p:sp>
+            <p:nvSpPr>
+              <p:cNvPr id="32" name="Rectangle 31"/>
+              <p:cNvSpPr/>
+              <p:nvPr/>
+            </p:nvSpPr>
+            <p:spPr>
+              <a:xfrm>
+                <a:off x="658147" y="3795512"/>
+                <a:ext cx="4466183" cy="2613275"/>
+              </a:xfrm>
+              <a:prstGeom prst="roundRect">
+                <a:avLst/>
+              </a:prstGeom>
+              <a:solidFill>
+                <a:srgbClr val="00B0F0"/>
+              </a:solidFill>
+            </p:spPr>
+            <p:style>
+              <a:lnRef idx="2">
+                <a:schemeClr val="accent1">
+                  <a:shade val="50000"/>
+                </a:schemeClr>
+              </a:lnRef>
+              <a:fillRef idx="1">
+                <a:schemeClr val="accent1"/>
+              </a:fillRef>
+              <a:effectRef idx="0">
+                <a:schemeClr val="accent1"/>
+              </a:effectRef>
+              <a:fontRef idx="minor">
+                <a:schemeClr val="lt1"/>
+              </a:fontRef>
+            </p:style>
+            <p:txBody>
+              <a:bodyPr rtlCol="0" anchor="ctr"/>
+              <a:lstStyle/>
+              <a:p>
+                <a:pPr algn="ctr"/>
+                <a:endParaRPr lang="en-US"/>
+              </a:p>
+            </p:txBody>
+          </p:sp>
+          <p:grpSp>
+            <p:nvGrpSpPr>
+              <p:cNvPr id="4" name="Group 3"/>
+              <p:cNvGrpSpPr/>
+              <p:nvPr/>
+            </p:nvGrpSpPr>
+            <p:grpSpPr>
+              <a:xfrm>
+                <a:off x="756364" y="3866695"/>
+                <a:ext cx="4469940" cy="2455677"/>
+                <a:chOff x="6823918" y="211965"/>
+                <a:chExt cx="4469940" cy="2455677"/>
+              </a:xfrm>
+            </p:grpSpPr>
+            <p:cxnSp>
+              <p:nvCxnSpPr>
+                <p:cNvPr id="5" name="Straight Connector 4"/>
+                <p:cNvCxnSpPr/>
+                <p:nvPr/>
+              </p:nvCxnSpPr>
+              <p:spPr>
+                <a:xfrm>
+                  <a:off x="7850656" y="520899"/>
+                  <a:ext cx="3248526" cy="0"/>
+                </a:xfrm>
+                <a:prstGeom prst="line">
+                  <a:avLst/>
+                </a:prstGeom>
+              </p:spPr>
+              <p:style>
+                <a:lnRef idx="1">
+                  <a:schemeClr val="dk1"/>
+                </a:lnRef>
+                <a:fillRef idx="0">
+                  <a:schemeClr val="dk1"/>
+                </a:fillRef>
+                <a:effectRef idx="0">
+                  <a:schemeClr val="dk1"/>
+                </a:effectRef>
+                <a:fontRef idx="minor">
+                  <a:schemeClr val="tx1"/>
+                </a:fontRef>
+              </p:style>
+            </p:cxnSp>
+            <p:cxnSp>
+              <p:nvCxnSpPr>
+                <p:cNvPr id="6" name="Straight Connector 5"/>
+                <p:cNvCxnSpPr/>
+                <p:nvPr/>
+              </p:nvCxnSpPr>
+              <p:spPr>
+                <a:xfrm>
+                  <a:off x="7850656" y="1494262"/>
+                  <a:ext cx="3248526" cy="0"/>
+                </a:xfrm>
+                <a:prstGeom prst="line">
+                  <a:avLst/>
+                </a:prstGeom>
+              </p:spPr>
+              <p:style>
+                <a:lnRef idx="1">
+                  <a:schemeClr val="dk1"/>
+                </a:lnRef>
+                <a:fillRef idx="0">
+                  <a:schemeClr val="dk1"/>
+                </a:fillRef>
+                <a:effectRef idx="0">
+                  <a:schemeClr val="dk1"/>
+                </a:effectRef>
+                <a:fontRef idx="minor">
+                  <a:schemeClr val="tx1"/>
+                </a:fontRef>
+              </p:style>
+            </p:cxnSp>
+            <p:cxnSp>
+              <p:nvCxnSpPr>
+                <p:cNvPr id="7" name="Straight Connector 6"/>
+                <p:cNvCxnSpPr/>
+                <p:nvPr/>
+              </p:nvCxnSpPr>
+              <p:spPr>
+                <a:xfrm>
+                  <a:off x="7850656" y="2493651"/>
+                  <a:ext cx="3248526" cy="0"/>
+                </a:xfrm>
+                <a:prstGeom prst="line">
+                  <a:avLst/>
+                </a:prstGeom>
+              </p:spPr>
+              <p:style>
+                <a:lnRef idx="1">
+                  <a:schemeClr val="dk1"/>
+                </a:lnRef>
+                <a:fillRef idx="0">
+                  <a:schemeClr val="dk1"/>
+                </a:fillRef>
+                <a:effectRef idx="0">
+                  <a:schemeClr val="dk1"/>
+                </a:effectRef>
+                <a:fontRef idx="minor">
+                  <a:schemeClr val="tx1"/>
+                </a:fontRef>
+              </p:style>
+            </p:cxnSp>
+            <p:cxnSp>
+              <p:nvCxnSpPr>
+                <p:cNvPr id="8" name="Straight Connector 7"/>
+                <p:cNvCxnSpPr/>
+                <p:nvPr/>
+              </p:nvCxnSpPr>
+              <p:spPr>
+                <a:xfrm>
+                  <a:off x="10091063" y="1765765"/>
+                  <a:ext cx="0" cy="668027"/>
+                </a:xfrm>
+                <a:prstGeom prst="line">
+                  <a:avLst/>
+                </a:prstGeom>
+              </p:spPr>
+              <p:style>
+                <a:lnRef idx="1">
+                  <a:schemeClr val="dk1"/>
+                </a:lnRef>
+                <a:fillRef idx="0">
+                  <a:schemeClr val="dk1"/>
+                </a:fillRef>
+                <a:effectRef idx="0">
+                  <a:schemeClr val="dk1"/>
+                </a:effectRef>
+                <a:fontRef idx="minor">
+                  <a:schemeClr val="tx1"/>
+                </a:fontRef>
+              </p:style>
+            </p:cxnSp>
+            <p:sp>
+              <p:nvSpPr>
+                <p:cNvPr id="9" name="Oval 8"/>
+                <p:cNvSpPr/>
+                <p:nvPr/>
+              </p:nvSpPr>
+              <p:spPr>
+                <a:xfrm>
+                  <a:off x="9998976" y="2433792"/>
+                  <a:ext cx="156346" cy="124924"/>
+                </a:xfrm>
+                <a:prstGeom prst="ellipse">
+                  <a:avLst/>
+                </a:prstGeom>
+              </p:spPr>
+              <p:style>
+                <a:lnRef idx="2">
+                  <a:schemeClr val="dk1">
+                    <a:shade val="50000"/>
+                  </a:schemeClr>
+                </a:lnRef>
+                <a:fillRef idx="1">
+                  <a:schemeClr val="dk1"/>
+                </a:fillRef>
+                <a:effectRef idx="0">
+                  <a:schemeClr val="dk1"/>
+                </a:effectRef>
+                <a:fontRef idx="minor">
+                  <a:schemeClr val="lt1"/>
+                </a:fontRef>
+              </p:style>
+              <p:txBody>
+                <a:bodyPr rtlCol="0" anchor="ctr"/>
+                <a:lstStyle/>
+                <a:p>
+                  <a:pPr algn="ctr"/>
+                  <a:endParaRPr lang="en-US"/>
+                </a:p>
+              </p:txBody>
+            </p:sp>
+            <p:sp>
+              <p:nvSpPr>
+                <p:cNvPr id="10" name="Rounded Rectangle 9"/>
+                <p:cNvSpPr/>
+                <p:nvPr/>
+              </p:nvSpPr>
+              <p:spPr>
+                <a:xfrm>
+                  <a:off x="9286894" y="211965"/>
+                  <a:ext cx="1608338" cy="1597179"/>
+                </a:xfrm>
+                <a:prstGeom prst="roundRect">
+                  <a:avLst/>
+                </a:prstGeom>
+                <a:ln w="19050">
+                  <a:solidFill>
+                    <a:schemeClr val="tx1"/>
+                  </a:solidFill>
+                </a:ln>
+              </p:spPr>
+              <p:style>
+                <a:lnRef idx="2">
+                  <a:schemeClr val="accent1"/>
+                </a:lnRef>
+                <a:fillRef idx="1">
+                  <a:schemeClr val="lt1"/>
+                </a:fillRef>
+                <a:effectRef idx="0">
+                  <a:schemeClr val="accent1"/>
+                </a:effectRef>
+                <a:fontRef idx="minor">
+                  <a:schemeClr val="dk1"/>
+                </a:fontRef>
+              </p:style>
+              <p:txBody>
+                <a:bodyPr rtlCol="0" anchor="ctr"/>
+                <a:lstStyle/>
+                <a:p>
+                  <a:pPr algn="ctr"/>
+                  <a:endParaRPr lang="en-US"/>
+                </a:p>
+              </p:txBody>
+            </p:sp>
+            <mc:AlternateContent xmlns:mc="http://schemas.openxmlformats.org/markup-compatibility/2006" xmlns:a14="http://schemas.microsoft.com/office/drawing/2010/main">
+              <mc:Choice Requires="a14">
+                <p:sp>
+                  <p:nvSpPr>
+                    <p:cNvPr id="11" name="TextBox 10"/>
+                    <p:cNvSpPr txBox="1"/>
+                    <p:nvPr/>
+                  </p:nvSpPr>
+                  <p:spPr>
+                    <a:xfrm>
+                      <a:off x="9503118" y="492391"/>
+                      <a:ext cx="1790740" cy="461665"/>
+                    </a:xfrm>
+                    <a:prstGeom prst="rect">
+                      <a:avLst/>
+                    </a:prstGeom>
+                    <a:noFill/>
+                  </p:spPr>
+                  <p:txBody>
+                    <a:bodyPr wrap="square" rtlCol="0">
+                      <a:spAutoFit/>
+                    </a:bodyPr>
+                    <a:lstStyle/>
+                    <a:p>
+                      <a:r>
+                        <a:rPr lang="en-US" sz="2400" b="1" dirty="0" smtClean="0">
+                          <a:solidFill>
+                            <a:schemeClr val="tx1"/>
+                          </a:solidFill>
+                        </a:rPr>
+                        <a:t>DECD (</a:t>
+                      </a:r>
+                      <a14:m>
+                        <m:oMath xmlns:m="http://schemas.openxmlformats.org/officeDocument/2006/math">
+                          <m:r>
+                            <a:rPr lang="en-US" sz="2400" b="1" i="1" smtClean="0">
+                              <a:solidFill>
+                                <a:schemeClr val="tx1"/>
+                              </a:solidFill>
+                              <a:latin typeface="Cambria Math" panose="02040503050406030204" pitchFamily="18" charset="0"/>
+                            </a:rPr>
+                            <m:t>𝜷</m:t>
+                          </m:r>
+                          <m:r>
+                            <a:rPr lang="en-US" sz="2400" b="1" i="1" smtClean="0">
+                              <a:solidFill>
+                                <a:schemeClr val="tx1"/>
+                              </a:solidFill>
+                              <a:latin typeface="Cambria Math" panose="02040503050406030204" pitchFamily="18" charset="0"/>
+                            </a:rPr>
+                            <m:t>,</m:t>
+                          </m:r>
+                          <m:r>
+                            <a:rPr lang="en-US" sz="2400" b="1" i="1" smtClean="0">
+                              <a:solidFill>
+                                <a:schemeClr val="tx1"/>
+                              </a:solidFill>
+                              <a:latin typeface="Cambria Math" panose="02040503050406030204" pitchFamily="18" charset="0"/>
+                            </a:rPr>
+                            <m:t>𝜸</m:t>
+                          </m:r>
+                        </m:oMath>
+                      </a14:m>
+                      <a:r>
+                        <a:rPr lang="en-US" sz="2400" b="1" dirty="0" smtClean="0">
+                          <a:solidFill>
+                            <a:schemeClr val="tx1"/>
+                          </a:solidFill>
+                        </a:rPr>
+                        <a:t>)</a:t>
+                      </a:r>
+                      <a:endParaRPr lang="en-US" sz="2400" b="1" dirty="0">
+                        <a:solidFill>
+                          <a:schemeClr val="tx1"/>
+                        </a:solidFill>
+                      </a:endParaRPr>
+                    </a:p>
+                  </p:txBody>
+                </p:sp>
+              </mc:Choice>
+              <mc:Fallback xmlns="">
+                <p:sp>
+                  <p:nvSpPr>
+                    <p:cNvPr id="11" name="TextBox 10"/>
+                    <p:cNvSpPr txBox="1">
+                      <a:spLocks noRot="1" noChangeAspect="1" noMove="1" noResize="1" noEditPoints="1" noAdjustHandles="1" noChangeArrowheads="1" noChangeShapeType="1" noTextEdit="1"/>
+                    </p:cNvSpPr>
+                    <p:nvPr/>
+                  </p:nvSpPr>
+                  <p:spPr>
+                    <a:xfrm>
+                      <a:off x="9503118" y="492391"/>
+                      <a:ext cx="1790740" cy="461665"/>
+                    </a:xfrm>
+                    <a:prstGeom prst="rect">
+                      <a:avLst/>
+                    </a:prstGeom>
+                    <a:blipFill rotWithShape="0">
+                      <a:blip r:embed="rId3"/>
+                      <a:stretch>
+                        <a:fillRect l="-6122" t="-12500" b="-146875"/>
+                      </a:stretch>
+                    </a:blipFill>
+                  </p:spPr>
+                  <p:txBody>
+                    <a:bodyPr/>
+                    <a:lstStyle/>
+                    <a:p>
+                      <a:r>
+                        <a:rPr lang="en-US">
+                          <a:noFill/>
+                        </a:rPr>
+                        <a:t> </a:t>
+                      </a:r>
+                    </a:p>
+                  </p:txBody>
+                </p:sp>
+              </mc:Fallback>
+            </mc:AlternateContent>
+            <p:sp>
+              <p:nvSpPr>
+                <p:cNvPr id="12" name="TextBox 11"/>
+                <p:cNvSpPr txBox="1"/>
+                <p:nvPr/>
+              </p:nvSpPr>
+              <p:spPr>
+                <a:xfrm>
+                  <a:off x="6850166" y="336233"/>
+                  <a:ext cx="1026738" cy="369332"/>
+                </a:xfrm>
+                <a:prstGeom prst="rect">
+                  <a:avLst/>
+                </a:prstGeom>
+                <a:noFill/>
+              </p:spPr>
+              <p:txBody>
+                <a:bodyPr wrap="square" rtlCol="0">
+                  <a:spAutoFit/>
+                </a:bodyPr>
+                <a:lstStyle/>
+                <a:p>
+                  <a:r>
+                    <a:rPr lang="en-US" dirty="0" smtClean="0"/>
+                    <a:t>Mode 1</a:t>
+                  </a:r>
+                  <a:endParaRPr lang="en-US" dirty="0"/>
+                </a:p>
+              </p:txBody>
+            </p:sp>
+            <p:sp>
+              <p:nvSpPr>
+                <p:cNvPr id="13" name="TextBox 12"/>
+                <p:cNvSpPr txBox="1"/>
+                <p:nvPr/>
+              </p:nvSpPr>
+              <p:spPr>
+                <a:xfrm>
+                  <a:off x="6844046" y="1294867"/>
+                  <a:ext cx="1026738" cy="369332"/>
+                </a:xfrm>
+                <a:prstGeom prst="rect">
+                  <a:avLst/>
+                </a:prstGeom>
+                <a:noFill/>
+              </p:spPr>
+              <p:txBody>
+                <a:bodyPr wrap="square" rtlCol="0">
+                  <a:spAutoFit/>
+                </a:bodyPr>
+                <a:lstStyle/>
+                <a:p>
+                  <a:r>
+                    <a:rPr lang="en-US" dirty="0" smtClean="0"/>
+                    <a:t>Mode 2</a:t>
+                  </a:r>
+                  <a:endParaRPr lang="en-US" dirty="0"/>
+                </a:p>
+              </p:txBody>
+            </p:sp>
+            <p:sp>
+              <p:nvSpPr>
+                <p:cNvPr id="14" name="TextBox 13"/>
+                <p:cNvSpPr txBox="1"/>
+                <p:nvPr/>
+              </p:nvSpPr>
+              <p:spPr>
+                <a:xfrm>
+                  <a:off x="6823918" y="2298310"/>
+                  <a:ext cx="1026738" cy="369332"/>
+                </a:xfrm>
+                <a:prstGeom prst="rect">
+                  <a:avLst/>
+                </a:prstGeom>
+                <a:noFill/>
+              </p:spPr>
+              <p:txBody>
+                <a:bodyPr wrap="square" rtlCol="0">
+                  <a:spAutoFit/>
+                </a:bodyPr>
+                <a:lstStyle/>
+                <a:p>
+                  <a:pPr algn="ctr"/>
+                  <a:r>
+                    <a:rPr lang="en-US" dirty="0" smtClean="0"/>
+                    <a:t>Qubit</a:t>
+                  </a:r>
+                  <a:endParaRPr lang="en-US" dirty="0"/>
+                </a:p>
+              </p:txBody>
+            </p:sp>
+          </p:grpSp>
+        </p:grpSp>
+        <mc:AlternateContent xmlns:mc="http://schemas.openxmlformats.org/markup-compatibility/2006" xmlns:a14="http://schemas.microsoft.com/office/drawing/2010/main">
+          <mc:Choice Requires="a14">
+            <p:sp>
+              <p:nvSpPr>
+                <p:cNvPr id="37" name="Rounded Rectangle 36"/>
+                <p:cNvSpPr/>
+                <p:nvPr/>
+              </p:nvSpPr>
+              <p:spPr>
+                <a:xfrm>
+                  <a:off x="1718216" y="3731775"/>
+                  <a:ext cx="843635" cy="443441"/>
+                </a:xfrm>
+                <a:prstGeom prst="roundRect">
+                  <a:avLst/>
+                </a:prstGeom>
+              </p:spPr>
+              <p:style>
+                <a:lnRef idx="2">
+                  <a:schemeClr val="dk1"/>
+                </a:lnRef>
+                <a:fillRef idx="1">
+                  <a:schemeClr val="lt1"/>
+                </a:fillRef>
+                <a:effectRef idx="0">
+                  <a:schemeClr val="dk1"/>
+                </a:effectRef>
+                <a:fontRef idx="minor">
+                  <a:schemeClr val="dk1"/>
+                </a:fontRef>
+              </p:style>
+              <p:txBody>
+                <a:bodyPr rtlCol="0" anchor="ctr"/>
+                <a:lstStyle/>
+                <a:p>
+                  <a:pPr algn="ctr"/>
+                  <a14:m>
+                    <m:oMathPara xmlns:m="http://schemas.openxmlformats.org/officeDocument/2006/math">
+                      <m:oMathParaPr>
+                        <m:jc m:val="centerGroup"/>
+                      </m:oMathParaPr>
+                      <m:oMath xmlns:m="http://schemas.openxmlformats.org/officeDocument/2006/math">
+                        <m:sSub>
+                          <m:sSubPr>
+                            <m:ctrlPr>
+                              <a:rPr lang="en-US" sz="2000" b="1" i="1" smtClean="0">
+                                <a:latin typeface="Cambria Math" panose="02040503050406030204" pitchFamily="18" charset="0"/>
+                              </a:rPr>
+                            </m:ctrlPr>
+                          </m:sSubPr>
+                          <m:e>
+                            <m:r>
+                              <a:rPr lang="en-US" sz="2000" b="1" i="0" smtClean="0">
+                                <a:latin typeface="Cambria Math" panose="02040503050406030204" pitchFamily="18" charset="0"/>
+                              </a:rPr>
+                              <m:t>𝐑</m:t>
+                            </m:r>
+                          </m:e>
+                          <m:sub>
+                            <m:r>
+                              <a:rPr lang="en-US" sz="2000" b="1" i="1" smtClean="0">
+                                <a:latin typeface="Cambria Math" panose="02040503050406030204" pitchFamily="18" charset="0"/>
+                              </a:rPr>
+                              <m:t>𝝓</m:t>
+                            </m:r>
+                          </m:sub>
+                        </m:sSub>
+                        <m:r>
+                          <a:rPr lang="en-US" sz="2000" b="1" i="1" smtClean="0">
+                            <a:latin typeface="Cambria Math" panose="02040503050406030204" pitchFamily="18" charset="0"/>
+                          </a:rPr>
+                          <m:t>(</m:t>
+                        </m:r>
+                        <m:r>
+                          <a:rPr lang="en-US" sz="2000" b="1" i="1" smtClean="0">
+                            <a:latin typeface="Cambria Math" panose="02040503050406030204" pitchFamily="18" charset="0"/>
+                          </a:rPr>
+                          <m:t>𝜽</m:t>
+                        </m:r>
+                        <m:r>
+                          <a:rPr lang="en-US" sz="2000" b="1" i="1" smtClean="0">
+                            <a:latin typeface="Cambria Math" panose="02040503050406030204" pitchFamily="18" charset="0"/>
+                          </a:rPr>
+                          <m:t>)</m:t>
+                        </m:r>
+                      </m:oMath>
+                    </m:oMathPara>
+                  </a14:m>
+                  <a:endParaRPr lang="en-US" sz="2000" b="1" dirty="0"/>
+                </a:p>
+              </p:txBody>
+            </p:sp>
+          </mc:Choice>
+          <mc:Fallback xmlns="">
+            <p:sp>
+              <p:nvSpPr>
+                <p:cNvPr id="37" name="Rounded Rectangle 36"/>
+                <p:cNvSpPr>
+                  <a:spLocks noRot="1" noChangeAspect="1" noMove="1" noResize="1" noEditPoints="1" noAdjustHandles="1" noChangeArrowheads="1" noChangeShapeType="1" noTextEdit="1"/>
+                </p:cNvSpPr>
+                <p:nvPr/>
+              </p:nvSpPr>
+              <p:spPr>
+                <a:xfrm>
+                  <a:off x="1718216" y="3731775"/>
+                  <a:ext cx="843635" cy="443441"/>
+                </a:xfrm>
+                <a:prstGeom prst="roundRect">
+                  <a:avLst/>
+                </a:prstGeom>
+                <a:blipFill rotWithShape="0">
+                  <a:blip r:embed="rId4"/>
+                  <a:stretch>
+                    <a:fillRect l="-5000" r="-2857" b="-8000"/>
+                  </a:stretch>
+                </a:blipFill>
+              </p:spPr>
+              <p:txBody>
+                <a:bodyPr/>
+                <a:lstStyle/>
+                <a:p>
+                  <a:r>
+                    <a:rPr lang="en-US">
+                      <a:noFill/>
+                    </a:rPr>
+                    <a:t> </a:t>
+                  </a:r>
+                </a:p>
+              </p:txBody>
+            </p:sp>
+          </mc:Fallback>
+        </mc:AlternateContent>
+      </p:grpSp>
+      <p:grpSp>
+        <p:nvGrpSpPr>
+          <p:cNvPr id="39" name="Group 38"/>
+          <p:cNvGrpSpPr/>
+          <p:nvPr/>
+        </p:nvGrpSpPr>
+        <p:grpSpPr>
+          <a:xfrm>
+            <a:off x="7486477" y="1762502"/>
+            <a:ext cx="3573194" cy="2341015"/>
+            <a:chOff x="5517000" y="2022560"/>
+            <a:chExt cx="3573194" cy="2341015"/>
+          </a:xfrm>
+        </p:grpSpPr>
+        <p:grpSp>
+          <p:nvGrpSpPr>
+            <p:cNvPr id="36" name="Group 35"/>
+            <p:cNvGrpSpPr/>
+            <p:nvPr/>
+          </p:nvGrpSpPr>
+          <p:grpSpPr>
+            <a:xfrm>
+              <a:off x="5517000" y="2022560"/>
+              <a:ext cx="3573194" cy="2341015"/>
+              <a:chOff x="7061982" y="3716705"/>
+              <a:chExt cx="4600135" cy="2810704"/>
+            </a:xfrm>
+          </p:grpSpPr>
+          <p:sp>
+            <p:nvSpPr>
+              <p:cNvPr id="35" name="Rounded Rectangle 34"/>
+              <p:cNvSpPr/>
+              <p:nvPr/>
+            </p:nvSpPr>
+            <p:spPr>
+              <a:xfrm>
+                <a:off x="7061982" y="3716705"/>
+                <a:ext cx="4600135" cy="2810704"/>
+              </a:xfrm>
+              <a:prstGeom prst="roundRect">
+                <a:avLst/>
+              </a:prstGeom>
+              <a:solidFill>
+                <a:srgbClr val="00B0F0"/>
+              </a:solidFill>
+            </p:spPr>
+            <p:style>
+              <a:lnRef idx="2">
+                <a:schemeClr val="accent1">
+                  <a:shade val="50000"/>
+                </a:schemeClr>
+              </a:lnRef>
+              <a:fillRef idx="1">
+                <a:schemeClr val="accent1"/>
+              </a:fillRef>
+              <a:effectRef idx="0">
+                <a:schemeClr val="accent1"/>
+              </a:effectRef>
+              <a:fontRef idx="minor">
+                <a:schemeClr val="lt1"/>
+              </a:fontRef>
+            </p:style>
+            <p:txBody>
+              <a:bodyPr rtlCol="0" anchor="ctr"/>
+              <a:lstStyle/>
+              <a:p>
+                <a:pPr algn="ctr"/>
+                <a:endParaRPr lang="en-US"/>
+              </a:p>
+            </p:txBody>
+          </p:sp>
+          <p:grpSp>
+            <p:nvGrpSpPr>
+              <p:cNvPr id="15" name="Group 14"/>
+              <p:cNvGrpSpPr/>
+              <p:nvPr/>
+            </p:nvGrpSpPr>
+            <p:grpSpPr>
+              <a:xfrm>
+                <a:off x="7182432" y="3877325"/>
+                <a:ext cx="4414726" cy="2501128"/>
+                <a:chOff x="6745462" y="3947083"/>
+                <a:chExt cx="4414726" cy="2501128"/>
+              </a:xfrm>
+            </p:grpSpPr>
+            <p:grpSp>
+              <p:nvGrpSpPr>
+                <p:cNvPr id="16" name="Group 15"/>
+                <p:cNvGrpSpPr/>
+                <p:nvPr/>
+              </p:nvGrpSpPr>
+              <p:grpSpPr>
+                <a:xfrm>
+                  <a:off x="7856169" y="3947083"/>
+                  <a:ext cx="3304019" cy="2468592"/>
+                  <a:chOff x="6629399" y="1830732"/>
+                  <a:chExt cx="4576679" cy="3804061"/>
+                </a:xfrm>
+              </p:grpSpPr>
+              <p:cxnSp>
+                <p:nvCxnSpPr>
+                  <p:cNvPr id="20" name="Straight Connector 19"/>
+                  <p:cNvCxnSpPr/>
+                  <p:nvPr/>
+                </p:nvCxnSpPr>
+                <p:spPr>
+                  <a:xfrm>
+                    <a:off x="6629399" y="2442410"/>
+                    <a:ext cx="4499811" cy="0"/>
+                  </a:xfrm>
+                  <a:prstGeom prst="line">
+                    <a:avLst/>
+                  </a:prstGeom>
+                </p:spPr>
+                <p:style>
+                  <a:lnRef idx="1">
+                    <a:schemeClr val="dk1"/>
+                  </a:lnRef>
+                  <a:fillRef idx="0">
+                    <a:schemeClr val="dk1"/>
+                  </a:fillRef>
+                  <a:effectRef idx="0">
+                    <a:schemeClr val="dk1"/>
+                  </a:effectRef>
+                  <a:fontRef idx="minor">
+                    <a:schemeClr val="tx1"/>
+                  </a:fontRef>
+                </p:style>
+              </p:cxnSp>
+              <p:cxnSp>
+                <p:nvCxnSpPr>
+                  <p:cNvPr id="21" name="Straight Connector 20"/>
+                  <p:cNvCxnSpPr/>
+                  <p:nvPr/>
+                </p:nvCxnSpPr>
+                <p:spPr>
+                  <a:xfrm>
+                    <a:off x="6629400" y="3942348"/>
+                    <a:ext cx="4499811" cy="0"/>
+                  </a:xfrm>
+                  <a:prstGeom prst="line">
+                    <a:avLst/>
+                  </a:prstGeom>
+                </p:spPr>
+                <p:style>
+                  <a:lnRef idx="1">
+                    <a:schemeClr val="dk1"/>
+                  </a:lnRef>
+                  <a:fillRef idx="0">
+                    <a:schemeClr val="dk1"/>
+                  </a:fillRef>
+                  <a:effectRef idx="0">
+                    <a:schemeClr val="dk1"/>
+                  </a:effectRef>
+                  <a:fontRef idx="minor">
+                    <a:schemeClr val="tx1"/>
+                  </a:fontRef>
+                </p:style>
+              </p:cxnSp>
+              <p:cxnSp>
+                <p:nvCxnSpPr>
+                  <p:cNvPr id="22" name="Straight Connector 21"/>
+                  <p:cNvCxnSpPr/>
+                  <p:nvPr/>
+                </p:nvCxnSpPr>
+                <p:spPr>
+                  <a:xfrm>
+                    <a:off x="6629400" y="5482390"/>
+                    <a:ext cx="4499811" cy="0"/>
+                  </a:xfrm>
+                  <a:prstGeom prst="line">
+                    <a:avLst/>
+                  </a:prstGeom>
+                </p:spPr>
+                <p:style>
+                  <a:lnRef idx="1">
+                    <a:schemeClr val="dk1"/>
+                  </a:lnRef>
+                  <a:fillRef idx="0">
+                    <a:schemeClr val="dk1"/>
+                  </a:fillRef>
+                  <a:effectRef idx="0">
+                    <a:schemeClr val="dk1"/>
+                  </a:effectRef>
+                  <a:fontRef idx="minor">
+                    <a:schemeClr val="tx1"/>
+                  </a:fontRef>
+                </p:style>
+              </p:cxnSp>
+              <p:sp>
+                <p:nvSpPr>
+                  <p:cNvPr id="23" name="Rounded Rectangle 22"/>
+                  <p:cNvSpPr/>
+                  <p:nvPr/>
+                </p:nvSpPr>
+                <p:spPr>
+                  <a:xfrm>
+                    <a:off x="8016884" y="3299546"/>
+                    <a:ext cx="1600199" cy="1359569"/>
+                  </a:xfrm>
+                  <a:prstGeom prst="roundRect">
+                    <a:avLst/>
+                  </a:prstGeom>
+                </p:spPr>
+                <p:style>
+                  <a:lnRef idx="2">
+                    <a:schemeClr val="dk1"/>
+                  </a:lnRef>
+                  <a:fillRef idx="1">
+                    <a:schemeClr val="lt1"/>
+                  </a:fillRef>
+                  <a:effectRef idx="0">
+                    <a:schemeClr val="dk1"/>
+                  </a:effectRef>
+                  <a:fontRef idx="minor">
+                    <a:schemeClr val="dk1"/>
+                  </a:fontRef>
+                </p:style>
+                <p:txBody>
+                  <a:bodyPr rtlCol="0" anchor="ctr"/>
+                  <a:lstStyle/>
+                  <a:p>
+                    <a:pPr algn="ctr"/>
+                    <a:endParaRPr lang="en-US"/>
+                  </a:p>
+                </p:txBody>
+              </p:sp>
+              <p:sp>
+                <p:nvSpPr>
+                  <p:cNvPr id="24" name="Rounded Rectangle 23"/>
+                  <p:cNvSpPr/>
+                  <p:nvPr/>
+                </p:nvSpPr>
+                <p:spPr>
+                  <a:xfrm>
+                    <a:off x="9459060" y="1830732"/>
+                    <a:ext cx="1600199" cy="1359569"/>
+                  </a:xfrm>
+                  <a:prstGeom prst="roundRect">
+                    <a:avLst/>
+                  </a:prstGeom>
+                </p:spPr>
+                <p:style>
+                  <a:lnRef idx="2">
+                    <a:schemeClr val="dk1"/>
+                  </a:lnRef>
+                  <a:fillRef idx="1">
+                    <a:schemeClr val="lt1"/>
+                  </a:fillRef>
+                  <a:effectRef idx="0">
+                    <a:schemeClr val="dk1"/>
+                  </a:effectRef>
+                  <a:fontRef idx="minor">
+                    <a:schemeClr val="dk1"/>
+                  </a:fontRef>
+                </p:style>
+                <p:txBody>
+                  <a:bodyPr rtlCol="0" anchor="ctr"/>
+                  <a:lstStyle/>
+                  <a:p>
+                    <a:pPr algn="ctr"/>
+                    <a:endParaRPr lang="en-US"/>
+                  </a:p>
+                </p:txBody>
+              </p:sp>
+              <p:cxnSp>
+                <p:nvCxnSpPr>
+                  <p:cNvPr id="25" name="Straight Connector 24"/>
+                  <p:cNvCxnSpPr/>
+                  <p:nvPr/>
+                </p:nvCxnSpPr>
+                <p:spPr>
+                  <a:xfrm>
+                    <a:off x="8888324" y="4659115"/>
+                    <a:ext cx="0" cy="898358"/>
+                  </a:xfrm>
+                  <a:prstGeom prst="line">
+                    <a:avLst/>
+                  </a:prstGeom>
+                </p:spPr>
+                <p:style>
+                  <a:lnRef idx="1">
+                    <a:schemeClr val="dk1"/>
+                  </a:lnRef>
+                  <a:fillRef idx="0">
+                    <a:schemeClr val="dk1"/>
+                  </a:fillRef>
+                  <a:effectRef idx="0">
+                    <a:schemeClr val="dk1"/>
+                  </a:effectRef>
+                  <a:fontRef idx="minor">
+                    <a:schemeClr val="tx1"/>
+                  </a:fontRef>
+                </p:style>
+              </p:cxnSp>
+              <p:cxnSp>
+                <p:nvCxnSpPr>
+                  <p:cNvPr id="26" name="Straight Connector 25"/>
+                  <p:cNvCxnSpPr/>
+                  <p:nvPr/>
+                </p:nvCxnSpPr>
+                <p:spPr>
+                  <a:xfrm>
+                    <a:off x="10294776" y="3190303"/>
+                    <a:ext cx="0" cy="2310063"/>
+                  </a:xfrm>
+                  <a:prstGeom prst="line">
+                    <a:avLst/>
+                  </a:prstGeom>
+                </p:spPr>
+                <p:style>
+                  <a:lnRef idx="1">
+                    <a:schemeClr val="dk1"/>
+                  </a:lnRef>
+                  <a:fillRef idx="0">
+                    <a:schemeClr val="dk1"/>
+                  </a:fillRef>
+                  <a:effectRef idx="0">
+                    <a:schemeClr val="dk1"/>
+                  </a:effectRef>
+                  <a:fontRef idx="minor">
+                    <a:schemeClr val="tx1"/>
+                  </a:fontRef>
+                </p:style>
+              </p:cxnSp>
+              <p:sp>
+                <p:nvSpPr>
+                  <p:cNvPr id="27" name="Oval 26"/>
+                  <p:cNvSpPr/>
+                  <p:nvPr/>
+                </p:nvSpPr>
+                <p:spPr>
+                  <a:xfrm>
+                    <a:off x="8771019" y="5442288"/>
+                    <a:ext cx="216568" cy="192505"/>
+                  </a:xfrm>
+                  <a:prstGeom prst="ellipse">
+                    <a:avLst/>
+                  </a:prstGeom>
+                </p:spPr>
+                <p:style>
+                  <a:lnRef idx="2">
+                    <a:schemeClr val="dk1">
+                      <a:shade val="50000"/>
+                    </a:schemeClr>
+                  </a:lnRef>
+                  <a:fillRef idx="1">
+                    <a:schemeClr val="dk1"/>
+                  </a:fillRef>
+                  <a:effectRef idx="0">
+                    <a:schemeClr val="dk1"/>
+                  </a:effectRef>
+                  <a:fontRef idx="minor">
+                    <a:schemeClr val="lt1"/>
+                  </a:fontRef>
+                </p:style>
+                <p:txBody>
+                  <a:bodyPr rtlCol="0" anchor="ctr"/>
+                  <a:lstStyle/>
+                  <a:p>
+                    <a:pPr algn="ctr"/>
+                    <a:endParaRPr lang="en-US"/>
+                  </a:p>
+                </p:txBody>
+              </p:sp>
+              <p:sp>
+                <p:nvSpPr>
+                  <p:cNvPr id="28" name="Oval 27"/>
+                  <p:cNvSpPr/>
+                  <p:nvPr/>
+                </p:nvSpPr>
+                <p:spPr>
+                  <a:xfrm>
+                    <a:off x="10186493" y="5408125"/>
+                    <a:ext cx="216568" cy="192505"/>
+                  </a:xfrm>
+                  <a:prstGeom prst="ellipse">
+                    <a:avLst/>
+                  </a:prstGeom>
+                </p:spPr>
+                <p:style>
+                  <a:lnRef idx="2">
+                    <a:schemeClr val="dk1">
+                      <a:shade val="50000"/>
+                    </a:schemeClr>
+                  </a:lnRef>
+                  <a:fillRef idx="1">
+                    <a:schemeClr val="dk1"/>
+                  </a:fillRef>
+                  <a:effectRef idx="0">
+                    <a:schemeClr val="dk1"/>
+                  </a:effectRef>
+                  <a:fontRef idx="minor">
+                    <a:schemeClr val="lt1"/>
+                  </a:fontRef>
+                </p:style>
+                <p:txBody>
+                  <a:bodyPr rtlCol="0" anchor="ctr"/>
+                  <a:lstStyle/>
+                  <a:p>
+                    <a:pPr algn="ctr"/>
+                    <a:endParaRPr lang="en-US"/>
+                  </a:p>
+                </p:txBody>
+              </p:sp>
+              <mc:AlternateContent xmlns:mc="http://schemas.openxmlformats.org/markup-compatibility/2006" xmlns:a14="http://schemas.microsoft.com/office/drawing/2010/main">
+                <mc:Choice Requires="a14">
+                  <p:sp>
+                    <p:nvSpPr>
+                      <p:cNvPr id="29" name="TextBox 28"/>
+                      <p:cNvSpPr txBox="1"/>
+                      <p:nvPr/>
+                    </p:nvSpPr>
+                    <p:spPr>
+                      <a:xfrm>
+                        <a:off x="7980635" y="3589473"/>
+                        <a:ext cx="1853168" cy="748571"/>
+                      </a:xfrm>
+                      <a:prstGeom prst="rect">
+                        <a:avLst/>
+                      </a:prstGeom>
+                      <a:noFill/>
+                    </p:spPr>
+                    <p:txBody>
+                      <a:bodyPr wrap="square" rtlCol="0">
+                        <a:spAutoFit/>
+                      </a:bodyPr>
+                      <a:lstStyle/>
+                      <a:p>
+                        <a:r>
+                          <a:rPr lang="en-US" sz="2000" b="1" dirty="0" smtClean="0">
+                            <a:solidFill>
+                              <a:schemeClr val="tx1"/>
+                            </a:solidFill>
+                          </a:rPr>
+                          <a:t>ECD(</a:t>
+                        </a:r>
+                        <a14:m>
+                          <m:oMath xmlns:m="http://schemas.openxmlformats.org/officeDocument/2006/math">
+                            <m:r>
+                              <a:rPr lang="en-US" sz="2000" b="1" i="1" smtClean="0">
+                                <a:solidFill>
+                                  <a:schemeClr val="tx1"/>
+                                </a:solidFill>
+                                <a:latin typeface="Cambria Math" panose="02040503050406030204" pitchFamily="18" charset="0"/>
+                              </a:rPr>
+                              <m:t>𝜷</m:t>
+                            </m:r>
+                          </m:oMath>
+                        </a14:m>
+                        <a:r>
+                          <a:rPr lang="en-US" sz="2000" b="1" dirty="0" smtClean="0">
+                            <a:solidFill>
+                              <a:schemeClr val="tx1"/>
+                            </a:solidFill>
+                          </a:rPr>
+                          <a:t>)</a:t>
+                        </a:r>
+                        <a:endParaRPr lang="en-US" sz="2000" b="1" dirty="0">
+                          <a:solidFill>
+                            <a:schemeClr val="tx1"/>
+                          </a:solidFill>
+                        </a:endParaRPr>
+                      </a:p>
+                    </p:txBody>
+                  </p:sp>
+                </mc:Choice>
+                <mc:Fallback xmlns="">
+                  <p:sp>
+                    <p:nvSpPr>
+                      <p:cNvPr id="29" name="TextBox 28"/>
+                      <p:cNvSpPr txBox="1">
+                        <a:spLocks noRot="1" noChangeAspect="1" noMove="1" noResize="1" noEditPoints="1" noAdjustHandles="1" noChangeArrowheads="1" noChangeShapeType="1" noTextEdit="1"/>
+                      </p:cNvSpPr>
+                      <p:nvPr/>
+                    </p:nvSpPr>
+                    <p:spPr>
+                      <a:xfrm>
+                        <a:off x="7980635" y="3589473"/>
+                        <a:ext cx="1853168" cy="748571"/>
+                      </a:xfrm>
+                      <a:prstGeom prst="rect">
+                        <a:avLst/>
+                      </a:prstGeom>
+                      <a:blipFill rotWithShape="0">
+                        <a:blip r:embed="rId5"/>
+                        <a:stretch>
+                          <a:fillRect l="-5848" t="-7576" b="-25758"/>
+                        </a:stretch>
+                      </a:blipFill>
+                    </p:spPr>
+                    <p:txBody>
+                      <a:bodyPr/>
+                      <a:lstStyle/>
+                      <a:p>
+                        <a:r>
+                          <a:rPr lang="en-US">
+                            <a:noFill/>
+                          </a:rPr>
+                          <a:t> </a:t>
+                        </a:r>
+                      </a:p>
+                    </p:txBody>
+                  </p:sp>
+                </mc:Fallback>
+              </mc:AlternateContent>
+              <mc:AlternateContent xmlns:mc="http://schemas.openxmlformats.org/markup-compatibility/2006" xmlns:a14="http://schemas.microsoft.com/office/drawing/2010/main">
+                <mc:Choice Requires="a14">
+                  <p:sp>
+                    <p:nvSpPr>
+                      <p:cNvPr id="30" name="TextBox 29"/>
+                      <p:cNvSpPr txBox="1"/>
+                      <p:nvPr/>
+                    </p:nvSpPr>
+                    <p:spPr>
+                      <a:xfrm>
+                        <a:off x="9494676" y="2110243"/>
+                        <a:ext cx="1711402" cy="740267"/>
+                      </a:xfrm>
+                      <a:prstGeom prst="rect">
+                        <a:avLst/>
+                      </a:prstGeom>
+                      <a:noFill/>
+                    </p:spPr>
+                    <p:txBody>
+                      <a:bodyPr wrap="square" rtlCol="0">
+                        <a:spAutoFit/>
+                      </a:bodyPr>
+                      <a:lstStyle/>
+                      <a:p>
+                        <a:r>
+                          <a:rPr lang="en-US" sz="2000" b="1" dirty="0" smtClean="0">
+                            <a:solidFill>
+                              <a:schemeClr val="tx1"/>
+                            </a:solidFill>
+                          </a:rPr>
+                          <a:t>ECD(</a:t>
+                        </a:r>
+                        <a14:m>
+                          <m:oMath xmlns:m="http://schemas.openxmlformats.org/officeDocument/2006/math">
+                            <m:r>
+                              <a:rPr lang="en-US" sz="2000" b="1" i="1" smtClean="0">
+                                <a:solidFill>
+                                  <a:schemeClr val="tx1"/>
+                                </a:solidFill>
+                                <a:latin typeface="Cambria Math" panose="02040503050406030204" pitchFamily="18" charset="0"/>
+                              </a:rPr>
+                              <m:t>𝜸</m:t>
+                            </m:r>
+                          </m:oMath>
+                        </a14:m>
+                        <a:r>
+                          <a:rPr lang="en-US" sz="2000" b="1" dirty="0" smtClean="0">
+                            <a:solidFill>
+                              <a:schemeClr val="tx1"/>
+                            </a:solidFill>
+                          </a:rPr>
+                          <a:t>)</a:t>
+                        </a:r>
+                        <a:endParaRPr lang="en-US" sz="2000" b="1" dirty="0">
+                          <a:solidFill>
+                            <a:schemeClr val="tx1"/>
+                          </a:solidFill>
+                        </a:endParaRPr>
+                      </a:p>
+                    </p:txBody>
+                  </p:sp>
+                </mc:Choice>
+                <mc:Fallback xmlns="">
+                  <p:sp>
+                    <p:nvSpPr>
+                      <p:cNvPr id="30" name="TextBox 29"/>
+                      <p:cNvSpPr txBox="1">
+                        <a:spLocks noRot="1" noChangeAspect="1" noMove="1" noResize="1" noEditPoints="1" noAdjustHandles="1" noChangeArrowheads="1" noChangeShapeType="1" noTextEdit="1"/>
+                      </p:cNvSpPr>
+                      <p:nvPr/>
+                    </p:nvSpPr>
+                    <p:spPr>
+                      <a:xfrm>
+                        <a:off x="9494676" y="2110243"/>
+                        <a:ext cx="1711402" cy="740267"/>
+                      </a:xfrm>
+                      <a:prstGeom prst="rect">
+                        <a:avLst/>
+                      </a:prstGeom>
+                      <a:blipFill rotWithShape="0">
+                        <a:blip r:embed="rId6"/>
+                        <a:stretch>
+                          <a:fillRect l="-7006" t="-9231" r="-637" b="-27692"/>
+                        </a:stretch>
+                      </a:blipFill>
+                    </p:spPr>
+                    <p:txBody>
+                      <a:bodyPr/>
+                      <a:lstStyle/>
+                      <a:p>
+                        <a:r>
+                          <a:rPr lang="en-US">
+                            <a:noFill/>
+                          </a:rPr>
+                          <a:t> </a:t>
+                        </a:r>
+                      </a:p>
+                    </p:txBody>
+                  </p:sp>
+                </mc:Fallback>
+              </mc:AlternateContent>
+            </p:grpSp>
+            <p:sp>
+              <p:nvSpPr>
+                <p:cNvPr id="17" name="TextBox 16"/>
+                <p:cNvSpPr txBox="1"/>
+                <p:nvPr/>
+              </p:nvSpPr>
+              <p:spPr>
+                <a:xfrm>
+                  <a:off x="6771710" y="4116802"/>
+                  <a:ext cx="1026738" cy="369332"/>
+                </a:xfrm>
+                <a:prstGeom prst="rect">
+                  <a:avLst/>
+                </a:prstGeom>
+                <a:noFill/>
+              </p:spPr>
+              <p:txBody>
+                <a:bodyPr wrap="square" rtlCol="0">
+                  <a:spAutoFit/>
+                </a:bodyPr>
+                <a:lstStyle/>
+                <a:p>
+                  <a:r>
+                    <a:rPr lang="en-US" dirty="0" smtClean="0"/>
+                    <a:t>Mode 1</a:t>
+                  </a:r>
+                  <a:endParaRPr lang="en-US" dirty="0"/>
+                </a:p>
+              </p:txBody>
+            </p:sp>
+            <p:sp>
+              <p:nvSpPr>
+                <p:cNvPr id="18" name="TextBox 17"/>
+                <p:cNvSpPr txBox="1"/>
+                <p:nvPr/>
+              </p:nvSpPr>
+              <p:spPr>
+                <a:xfrm>
+                  <a:off x="6765590" y="5075436"/>
+                  <a:ext cx="1026738" cy="369332"/>
+                </a:xfrm>
+                <a:prstGeom prst="rect">
+                  <a:avLst/>
+                </a:prstGeom>
+                <a:noFill/>
+              </p:spPr>
+              <p:txBody>
+                <a:bodyPr wrap="square" rtlCol="0">
+                  <a:spAutoFit/>
+                </a:bodyPr>
+                <a:lstStyle/>
+                <a:p>
+                  <a:r>
+                    <a:rPr lang="en-US" dirty="0" smtClean="0"/>
+                    <a:t>Mode 2</a:t>
+                  </a:r>
+                  <a:endParaRPr lang="en-US" dirty="0"/>
+                </a:p>
+              </p:txBody>
+            </p:sp>
+            <p:sp>
+              <p:nvSpPr>
+                <p:cNvPr id="19" name="TextBox 18"/>
+                <p:cNvSpPr txBox="1"/>
+                <p:nvPr/>
+              </p:nvSpPr>
+              <p:spPr>
+                <a:xfrm>
+                  <a:off x="6745462" y="6078879"/>
+                  <a:ext cx="1026738" cy="369332"/>
+                </a:xfrm>
+                <a:prstGeom prst="rect">
+                  <a:avLst/>
+                </a:prstGeom>
+                <a:noFill/>
+              </p:spPr>
+              <p:txBody>
+                <a:bodyPr wrap="square" rtlCol="0">
+                  <a:spAutoFit/>
+                </a:bodyPr>
+                <a:lstStyle/>
+                <a:p>
+                  <a:pPr algn="ctr"/>
+                  <a:r>
+                    <a:rPr lang="en-US" dirty="0" smtClean="0"/>
+                    <a:t>Qubit</a:t>
+                  </a:r>
+                  <a:endParaRPr lang="en-US" dirty="0"/>
+                </a:p>
+              </p:txBody>
+            </p:sp>
+          </p:grpSp>
+        </p:grpSp>
+        <mc:AlternateContent xmlns:mc="http://schemas.openxmlformats.org/markup-compatibility/2006" xmlns:a14="http://schemas.microsoft.com/office/drawing/2010/main">
+          <mc:Choice Requires="a14">
+            <p:sp>
+              <p:nvSpPr>
+                <p:cNvPr id="38" name="Rounded Rectangle 37"/>
+                <p:cNvSpPr/>
+                <p:nvPr/>
+              </p:nvSpPr>
+              <p:spPr>
+                <a:xfrm>
+                  <a:off x="6581932" y="3883827"/>
+                  <a:ext cx="843635" cy="443441"/>
+                </a:xfrm>
+                <a:prstGeom prst="roundRect">
+                  <a:avLst/>
+                </a:prstGeom>
+              </p:spPr>
+              <p:style>
+                <a:lnRef idx="2">
+                  <a:schemeClr val="dk1"/>
+                </a:lnRef>
+                <a:fillRef idx="1">
+                  <a:schemeClr val="lt1"/>
+                </a:fillRef>
+                <a:effectRef idx="0">
+                  <a:schemeClr val="dk1"/>
+                </a:effectRef>
+                <a:fontRef idx="minor">
+                  <a:schemeClr val="dk1"/>
+                </a:fontRef>
+              </p:style>
+              <p:txBody>
+                <a:bodyPr rtlCol="0" anchor="ctr"/>
+                <a:lstStyle/>
+                <a:p>
+                  <a:pPr algn="ctr"/>
+                  <a14:m>
+                    <m:oMathPara xmlns:m="http://schemas.openxmlformats.org/officeDocument/2006/math">
+                      <m:oMathParaPr>
+                        <m:jc m:val="centerGroup"/>
+                      </m:oMathParaPr>
+                      <m:oMath xmlns:m="http://schemas.openxmlformats.org/officeDocument/2006/math">
+                        <m:sSub>
+                          <m:sSubPr>
+                            <m:ctrlPr>
+                              <a:rPr lang="en-US" sz="2000" b="1" i="1" smtClean="0">
+                                <a:latin typeface="Cambria Math" panose="02040503050406030204" pitchFamily="18" charset="0"/>
+                              </a:rPr>
+                            </m:ctrlPr>
+                          </m:sSubPr>
+                          <m:e>
+                            <m:r>
+                              <a:rPr lang="en-US" sz="2000" b="1" i="0" smtClean="0">
+                                <a:latin typeface="Cambria Math" panose="02040503050406030204" pitchFamily="18" charset="0"/>
+                              </a:rPr>
+                              <m:t>𝐑</m:t>
+                            </m:r>
+                          </m:e>
+                          <m:sub>
+                            <m:r>
+                              <a:rPr lang="en-US" sz="2000" b="1" i="1" smtClean="0">
+                                <a:latin typeface="Cambria Math" panose="02040503050406030204" pitchFamily="18" charset="0"/>
+                              </a:rPr>
+                              <m:t>𝝓</m:t>
+                            </m:r>
+                          </m:sub>
+                        </m:sSub>
+                        <m:r>
+                          <a:rPr lang="en-US" sz="2000" b="1" i="1" smtClean="0">
+                            <a:latin typeface="Cambria Math" panose="02040503050406030204" pitchFamily="18" charset="0"/>
+                          </a:rPr>
+                          <m:t>(</m:t>
+                        </m:r>
+                        <m:r>
+                          <a:rPr lang="en-US" sz="2000" b="1" i="1" smtClean="0">
+                            <a:latin typeface="Cambria Math" panose="02040503050406030204" pitchFamily="18" charset="0"/>
+                          </a:rPr>
+                          <m:t>𝜽</m:t>
+                        </m:r>
+                        <m:r>
+                          <a:rPr lang="en-US" sz="2000" b="1" i="1" smtClean="0">
+                            <a:latin typeface="Cambria Math" panose="02040503050406030204" pitchFamily="18" charset="0"/>
+                          </a:rPr>
+                          <m:t>)</m:t>
+                        </m:r>
+                      </m:oMath>
+                    </m:oMathPara>
+                  </a14:m>
+                  <a:endParaRPr lang="en-US" sz="2000" b="1" dirty="0"/>
+                </a:p>
+              </p:txBody>
+            </p:sp>
+          </mc:Choice>
+          <mc:Fallback xmlns="">
+            <p:sp>
+              <p:nvSpPr>
+                <p:cNvPr id="38" name="Rounded Rectangle 37"/>
+                <p:cNvSpPr>
+                  <a:spLocks noRot="1" noChangeAspect="1" noMove="1" noResize="1" noEditPoints="1" noAdjustHandles="1" noChangeArrowheads="1" noChangeShapeType="1" noTextEdit="1"/>
+                </p:cNvSpPr>
+                <p:nvPr/>
+              </p:nvSpPr>
+              <p:spPr>
+                <a:xfrm>
+                  <a:off x="6581932" y="3883827"/>
+                  <a:ext cx="843635" cy="443441"/>
+                </a:xfrm>
+                <a:prstGeom prst="roundRect">
+                  <a:avLst/>
+                </a:prstGeom>
+                <a:blipFill rotWithShape="0">
+                  <a:blip r:embed="rId7"/>
+                  <a:stretch>
+                    <a:fillRect l="-5000" r="-2857" b="-9333"/>
+                  </a:stretch>
+                </a:blipFill>
+              </p:spPr>
+              <p:txBody>
+                <a:bodyPr/>
+                <a:lstStyle/>
+                <a:p>
+                  <a:r>
+                    <a:rPr lang="en-US">
+                      <a:noFill/>
+                    </a:rPr>
+                    <a:t> </a:t>
+                  </a:r>
+                </a:p>
+              </p:txBody>
+            </p:sp>
+          </mc:Fallback>
+        </mc:AlternateContent>
+      </p:grpSp>
+      <p:sp>
+        <p:nvSpPr>
+          <p:cNvPr id="41" name="TextBox 40"/>
+          <p:cNvSpPr txBox="1"/>
+          <p:nvPr/>
+        </p:nvSpPr>
+        <p:spPr>
+          <a:xfrm>
+            <a:off x="1411459" y="6291372"/>
+            <a:ext cx="9369082" cy="369332"/>
+          </a:xfrm>
+          <a:prstGeom prst="rect">
+            <a:avLst/>
+          </a:prstGeom>
+          <a:noFill/>
+        </p:spPr>
+        <p:txBody>
+          <a:bodyPr wrap="square" rtlCol="0">
+            <a:spAutoFit/>
+          </a:bodyPr>
+          <a:lstStyle/>
+          <a:p>
+            <a:r>
+              <a:rPr lang="en-US" dirty="0" smtClean="0"/>
+              <a:t>* Alec </a:t>
+            </a:r>
+            <a:r>
+              <a:rPr lang="en-US" dirty="0" err="1"/>
+              <a:t>Eickbusch</a:t>
+            </a:r>
+            <a:r>
+              <a:rPr lang="en-US" dirty="0"/>
+              <a:t>, </a:t>
+            </a:r>
+            <a:r>
+              <a:rPr lang="en-US" dirty="0" err="1"/>
+              <a:t>Zhenghao</a:t>
+            </a:r>
+            <a:r>
+              <a:rPr lang="en-US" dirty="0"/>
+              <a:t> Ding, </a:t>
+            </a:r>
+            <a:r>
+              <a:rPr lang="en-US" dirty="0" smtClean="0"/>
+              <a:t>…, Michel </a:t>
+            </a:r>
+            <a:r>
+              <a:rPr lang="en-US" dirty="0" err="1" smtClean="0"/>
+              <a:t>Devoret</a:t>
+            </a:r>
+            <a:r>
+              <a:rPr lang="en-US" dirty="0" smtClean="0"/>
+              <a:t>. </a:t>
+            </a:r>
+            <a:r>
+              <a:rPr lang="en-US" dirty="0"/>
+              <a:t>W34. </a:t>
+            </a:r>
+            <a:r>
+              <a:rPr lang="en-US" dirty="0" smtClean="0"/>
+              <a:t>00005. APS March Meeting (2022).</a:t>
+            </a:r>
+            <a:endParaRPr lang="en-US" dirty="0"/>
+          </a:p>
+        </p:txBody>
+      </p:sp>
     </p:spTree>
     <p:extLst>
       <p:ext uri="{BB962C8B-B14F-4D97-AF65-F5344CB8AC3E}">
@@ -8840,7 +9301,7 @@
         </p:blipFill>
         <p:spPr bwMode="auto">
           <a:xfrm>
-            <a:off x="2298032" y="1507592"/>
+            <a:off x="645695" y="1423371"/>
             <a:ext cx="8069831" cy="5350408"/>
           </a:xfrm>
           <a:prstGeom prst="rect">
@@ -8866,7 +9327,7 @@
         </p:nvSpPr>
         <p:spPr>
           <a:xfrm>
-            <a:off x="8721883" y="1138260"/>
+            <a:off x="8601567" y="2748934"/>
             <a:ext cx="3700950" cy="369332"/>
           </a:xfrm>
           <a:prstGeom prst="rect">
@@ -8957,8 +9418,8 @@
           </a:p>
         </p:txBody>
       </p:sp>
-      <mc:AlternateContent xmlns:mc="http://schemas.openxmlformats.org/markup-compatibility/2006">
-        <mc:Choice xmlns:a14="http://schemas.microsoft.com/office/drawing/2010/main" Requires="a14">
+      <mc:AlternateContent xmlns:mc="http://schemas.openxmlformats.org/markup-compatibility/2006" xmlns:a14="http://schemas.microsoft.com/office/drawing/2010/main">
+        <mc:Choice Requires="a14">
           <p:sp>
             <p:nvSpPr>
               <p:cNvPr id="6" name="TextBox 5"/>
@@ -9140,7 +9601,7 @@
             </p:txBody>
           </p:sp>
         </mc:Choice>
-        <mc:Fallback>
+        <mc:Fallback xmlns="">
           <p:sp>
             <p:nvSpPr>
               <p:cNvPr id="6" name="TextBox 5"/>
@@ -9212,8 +9673,8 @@
           </a:fontRef>
         </p:style>
       </p:cxnSp>
-      <mc:AlternateContent xmlns:mc="http://schemas.openxmlformats.org/markup-compatibility/2006">
-        <mc:Choice xmlns:a14="http://schemas.microsoft.com/office/drawing/2010/main" Requires="a14">
+      <mc:AlternateContent xmlns:mc="http://schemas.openxmlformats.org/markup-compatibility/2006" xmlns:a14="http://schemas.microsoft.com/office/drawing/2010/main">
+        <mc:Choice Requires="a14">
           <p:sp>
             <p:nvSpPr>
               <p:cNvPr id="8" name="Rectangle 7"/>
@@ -9584,7 +10045,7 @@
             </p:txBody>
           </p:sp>
         </mc:Choice>
-        <mc:Fallback>
+        <mc:Fallback xmlns="">
           <p:sp>
             <p:nvSpPr>
               <p:cNvPr id="8" name="Rectangle 7"/>
@@ -9714,8 +10175,8 @@
           </a:p>
         </p:txBody>
       </p:sp>
-      <mc:AlternateContent xmlns:mc="http://schemas.openxmlformats.org/markup-compatibility/2006">
-        <mc:Choice xmlns:a14="http://schemas.microsoft.com/office/drawing/2010/main" Requires="a14">
+      <mc:AlternateContent xmlns:mc="http://schemas.openxmlformats.org/markup-compatibility/2006" xmlns:a14="http://schemas.microsoft.com/office/drawing/2010/main">
+        <mc:Choice Requires="a14">
           <p:sp>
             <p:nvSpPr>
               <p:cNvPr id="5" name="Rectangle 4"/>
@@ -9737,6 +10198,7 @@
               </a:bodyPr>
               <a:lstStyle/>
               <a:p>
+                <a:pPr/>
                 <a14:m>
                   <m:oMathPara xmlns:m="http://schemas.openxmlformats.org/officeDocument/2006/math">
                     <m:oMathParaPr>
@@ -9838,7 +10300,7 @@
             </p:txBody>
           </p:sp>
         </mc:Choice>
-        <mc:Fallback>
+        <mc:Fallback xmlns="">
           <p:sp>
             <p:nvSpPr>
               <p:cNvPr id="5" name="Rectangle 4"/>
@@ -9877,8 +10339,8 @@
           </p:sp>
         </mc:Fallback>
       </mc:AlternateContent>
-      <mc:AlternateContent xmlns:mc="http://schemas.openxmlformats.org/markup-compatibility/2006">
-        <mc:Choice xmlns:a14="http://schemas.microsoft.com/office/drawing/2010/main" Requires="a14">
+      <mc:AlternateContent xmlns:mc="http://schemas.openxmlformats.org/markup-compatibility/2006" xmlns:a14="http://schemas.microsoft.com/office/drawing/2010/main">
+        <mc:Choice Requires="a14">
           <p:sp>
             <p:nvSpPr>
               <p:cNvPr id="10" name="TextBox 9"/>
@@ -9948,7 +10410,7 @@
             </p:txBody>
           </p:sp>
         </mc:Choice>
-        <mc:Fallback>
+        <mc:Fallback xmlns="">
           <p:sp>
             <p:nvSpPr>
               <p:cNvPr id="10" name="TextBox 9"/>
@@ -9987,8 +10449,8 @@
           </p:sp>
         </mc:Fallback>
       </mc:AlternateContent>
-      <mc:AlternateContent xmlns:mc="http://schemas.openxmlformats.org/markup-compatibility/2006">
-        <mc:Choice xmlns:a14="http://schemas.microsoft.com/office/drawing/2010/main" Requires="a14">
+      <mc:AlternateContent xmlns:mc="http://schemas.openxmlformats.org/markup-compatibility/2006" xmlns:a14="http://schemas.microsoft.com/office/drawing/2010/main">
+        <mc:Choice Requires="a14">
           <p:sp>
             <p:nvSpPr>
               <p:cNvPr id="12" name="Rectangle 11"/>
@@ -10010,6 +10472,7 @@
               </a:bodyPr>
               <a:lstStyle/>
               <a:p>
+                <a:pPr/>
                 <a14:m>
                   <m:oMathPara xmlns:m="http://schemas.openxmlformats.org/officeDocument/2006/math">
                     <m:oMathParaPr>
@@ -10124,7 +10587,7 @@
             </p:txBody>
           </p:sp>
         </mc:Choice>
-        <mc:Fallback>
+        <mc:Fallback xmlns="">
           <p:sp>
             <p:nvSpPr>
               <p:cNvPr id="12" name="Rectangle 11"/>
@@ -10163,8 +10626,8 @@
           </p:sp>
         </mc:Fallback>
       </mc:AlternateContent>
-      <mc:AlternateContent xmlns:mc="http://schemas.openxmlformats.org/markup-compatibility/2006">
-        <mc:Choice xmlns:a14="http://schemas.microsoft.com/office/drawing/2010/main" Requires="a14">
+      <mc:AlternateContent xmlns:mc="http://schemas.openxmlformats.org/markup-compatibility/2006" xmlns:a14="http://schemas.microsoft.com/office/drawing/2010/main">
+        <mc:Choice Requires="a14">
           <p:sp>
             <p:nvSpPr>
               <p:cNvPr id="13" name="TextBox 12"/>
@@ -10213,7 +10676,7 @@
             </p:txBody>
           </p:sp>
         </mc:Choice>
-        <mc:Fallback>
+        <mc:Fallback xmlns="">
           <p:sp>
             <p:nvSpPr>
               <p:cNvPr id="13" name="TextBox 12"/>
@@ -10252,8 +10715,8 @@
           </p:sp>
         </mc:Fallback>
       </mc:AlternateContent>
-      <mc:AlternateContent xmlns:mc="http://schemas.openxmlformats.org/markup-compatibility/2006">
-        <mc:Choice xmlns:a14="http://schemas.microsoft.com/office/drawing/2010/main" Requires="a14">
+      <mc:AlternateContent xmlns:mc="http://schemas.openxmlformats.org/markup-compatibility/2006" xmlns:a14="http://schemas.microsoft.com/office/drawing/2010/main">
+        <mc:Choice Requires="a14">
           <p:sp>
             <p:nvSpPr>
               <p:cNvPr id="14" name="Rectangle 13"/>
@@ -10381,7 +10844,7 @@
             </p:txBody>
           </p:sp>
         </mc:Choice>
-        <mc:Fallback>
+        <mc:Fallback xmlns="">
           <p:sp>
             <p:nvSpPr>
               <p:cNvPr id="14" name="Rectangle 13"/>
@@ -10420,8 +10883,8 @@
           </p:sp>
         </mc:Fallback>
       </mc:AlternateContent>
-      <mc:AlternateContent xmlns:mc="http://schemas.openxmlformats.org/markup-compatibility/2006">
-        <mc:Choice xmlns:a14="http://schemas.microsoft.com/office/drawing/2010/main" Requires="a14">
+      <mc:AlternateContent xmlns:mc="http://schemas.openxmlformats.org/markup-compatibility/2006" xmlns:a14="http://schemas.microsoft.com/office/drawing/2010/main">
+        <mc:Choice Requires="a14">
           <p:sp>
             <p:nvSpPr>
               <p:cNvPr id="15" name="TextBox 14"/>
@@ -10811,7 +11274,7 @@
             </p:txBody>
           </p:sp>
         </mc:Choice>
-        <mc:Fallback>
+        <mc:Fallback xmlns="">
           <p:sp>
             <p:nvSpPr>
               <p:cNvPr id="15" name="TextBox 14"/>
@@ -10922,180 +11385,158 @@
           </a:p>
         </p:txBody>
       </p:sp>
+      <p:pic>
+        <p:nvPicPr>
+          <p:cNvPr id="11" name="Picture 10"/>
+          <p:cNvPicPr>
+            <a:picLocks noChangeAspect="1"/>
+          </p:cNvPicPr>
+          <p:nvPr/>
+        </p:nvPicPr>
+        <p:blipFill>
+          <a:blip r:embed="rId2"/>
+          <a:stretch>
+            <a:fillRect/>
+          </a:stretch>
+        </p:blipFill>
+        <p:spPr>
+          <a:xfrm>
+            <a:off x="1259304" y="1690688"/>
+            <a:ext cx="8137358" cy="4882415"/>
+          </a:xfrm>
+          <a:prstGeom prst="rect">
+            <a:avLst/>
+          </a:prstGeom>
+        </p:spPr>
+      </p:pic>
       <p:sp>
         <p:nvSpPr>
-          <p:cNvPr id="4" name="Text Placeholder 3"/>
-          <p:cNvSpPr>
-            <a:spLocks noGrp="1"/>
-          </p:cNvSpPr>
-          <p:nvPr>
-            <p:ph type="body" idx="1"/>
-          </p:nvPr>
+          <p:cNvPr id="12" name="Right Brace 11"/>
+          <p:cNvSpPr/>
+          <p:nvPr/>
         </p:nvSpPr>
-        <p:spPr/>
+        <p:spPr>
+          <a:xfrm rot="5400000">
+            <a:off x="5029200" y="4415594"/>
+            <a:ext cx="132348" cy="1624262"/>
+          </a:xfrm>
+          <a:prstGeom prst="rightBrace">
+            <a:avLst/>
+          </a:prstGeom>
+          <a:ln>
+            <a:prstDash val="sysDot"/>
+          </a:ln>
+        </p:spPr>
+        <p:style>
+          <a:lnRef idx="1">
+            <a:schemeClr val="dk1"/>
+          </a:lnRef>
+          <a:fillRef idx="0">
+            <a:schemeClr val="dk1"/>
+          </a:fillRef>
+          <a:effectRef idx="0">
+            <a:schemeClr val="dk1"/>
+          </a:effectRef>
+          <a:fontRef idx="minor">
+            <a:schemeClr val="tx1"/>
+          </a:fontRef>
+        </p:style>
         <p:txBody>
-          <a:bodyPr/>
+          <a:bodyPr rtlCol="0" anchor="ctr"/>
           <a:lstStyle/>
           <a:p>
-            <a:r>
-              <a:rPr lang="en-US" dirty="0" err="1" smtClean="0"/>
-              <a:t>Decoherence</a:t>
-            </a:r>
-            <a:r>
-              <a:rPr lang="en-US" dirty="0" smtClean="0"/>
-              <a:t> Free</a:t>
-            </a:r>
-            <a:endParaRPr lang="en-US" dirty="0"/>
-          </a:p>
-        </p:txBody>
-      </p:sp>
-      <p:sp>
-        <p:nvSpPr>
-          <p:cNvPr id="5" name="Content Placeholder 4"/>
-          <p:cNvSpPr>
-            <a:spLocks noGrp="1"/>
-          </p:cNvSpPr>
-          <p:nvPr>
-            <p:ph sz="half" idx="2"/>
-          </p:nvPr>
-        </p:nvSpPr>
-        <p:spPr/>
-        <p:txBody>
-          <a:bodyPr/>
-          <a:lstStyle/>
-          <a:p>
+            <a:pPr algn="ctr"/>
             <a:endParaRPr lang="en-US"/>
           </a:p>
         </p:txBody>
       </p:sp>
       <p:sp>
         <p:nvSpPr>
-          <p:cNvPr id="6" name="Text Placeholder 5"/>
-          <p:cNvSpPr>
-            <a:spLocks noGrp="1"/>
-          </p:cNvSpPr>
-          <p:nvPr>
-            <p:ph type="body" sz="quarter" idx="3"/>
-          </p:nvPr>
+          <p:cNvPr id="13" name="TextBox 12"/>
+          <p:cNvSpPr txBox="1"/>
+          <p:nvPr/>
         </p:nvSpPr>
-        <p:spPr/>
-        <p:txBody>
-          <a:bodyPr/>
-          <a:lstStyle/>
-          <a:p>
-            <a:r>
-              <a:rPr lang="en-US" dirty="0" err="1" smtClean="0"/>
-              <a:t>Ancilla</a:t>
-            </a:r>
-            <a:r>
-              <a:rPr lang="en-US" dirty="0" smtClean="0"/>
-              <a:t> Relaxation</a:t>
-            </a:r>
-            <a:endParaRPr lang="en-US" dirty="0"/>
-          </a:p>
-        </p:txBody>
-      </p:sp>
-      <p:sp>
-        <p:nvSpPr>
-          <p:cNvPr id="7" name="Content Placeholder 6"/>
-          <p:cNvSpPr>
-            <a:spLocks noGrp="1"/>
-          </p:cNvSpPr>
-          <p:nvPr>
-            <p:ph sz="quarter" idx="4"/>
-          </p:nvPr>
-        </p:nvSpPr>
-        <p:spPr/>
-        <p:txBody>
-          <a:bodyPr/>
-          <a:lstStyle/>
-          <a:p>
-            <a:endParaRPr lang="en-US"/>
-          </a:p>
-        </p:txBody>
-      </p:sp>
-      <p:pic>
-        <p:nvPicPr>
-          <p:cNvPr id="1026" name="Picture 2" descr="https://lh3.googleusercontent.com/nRV1rcQoGHmmhv_6XOvN6eazTIv2sQ4CRF47rasP3F0gGDEEs9fOhJilQmsnoXGZJZiRlu_KqzRMFUbb5Isq1LIpaBZdvDM1dhRone1flMzKnkXpmqyeAHyh4xWRZp4hQ6WDfRPsfmyodscfIgcoiGQ"/>
-          <p:cNvPicPr>
-            <a:picLocks noChangeAspect="1" noChangeArrowheads="1"/>
-          </p:cNvPicPr>
-          <p:nvPr/>
-        </p:nvPicPr>
-        <p:blipFill>
-          <a:blip r:embed="rId2">
-            <a:extLst>
-              <a:ext uri="{28A0092B-C50C-407E-A947-70E740481C1C}">
-                <a14:useLocalDpi xmlns:a14="http://schemas.microsoft.com/office/drawing/2010/main" val="0"/>
-              </a:ext>
-            </a:extLst>
-          </a:blip>
-          <a:srcRect/>
-          <a:stretch>
-            <a:fillRect/>
-          </a:stretch>
-        </p:blipFill>
-        <p:spPr bwMode="auto">
+        <p:spPr>
           <a:xfrm>
-            <a:off x="741014" y="2600909"/>
-            <a:ext cx="5354986" cy="4786479"/>
+            <a:off x="9816178" y="4709123"/>
+            <a:ext cx="2085474" cy="1169551"/>
           </a:xfrm>
           <a:prstGeom prst="rect">
             <a:avLst/>
           </a:prstGeom>
           <a:noFill/>
-          <a:extLst>
-            <a:ext uri="{909E8E84-426E-40DD-AFC4-6F175D3DCCD1}">
-              <a14:hiddenFill xmlns:a14="http://schemas.microsoft.com/office/drawing/2010/main">
+        </p:spPr>
+        <p:txBody>
+          <a:bodyPr wrap="square" rtlCol="0">
+            <a:spAutoFit/>
+          </a:bodyPr>
+          <a:lstStyle/>
+          <a:p>
+            <a:r>
+              <a:rPr lang="en-US" sz="1400" dirty="0" err="1" smtClean="0">
                 <a:solidFill>
-                  <a:srgbClr val="FFFFFF"/>
+                  <a:srgbClr val="FF0000"/>
                 </a:solidFill>
-              </a14:hiddenFill>
-            </a:ext>
-          </a:extLst>
-        </p:spPr>
-      </p:pic>
-      <p:pic>
-        <p:nvPicPr>
-          <p:cNvPr id="1028" name="Picture 4" descr="https://lh6.googleusercontent.com/vxmToIRIwy3H1SAiN1Sd6VQsGOPe22BwP7pU5lzYGY3K702gV98ICV3FmnAo6tsJDI3dsQT3JIv_c4hxVxReE60BdZY5eGvb8so4b2s-6C9pp855ZSd5D61W0jcBaQSN1l99tT2jY7GoqB_8oCvrPYw"/>
-          <p:cNvPicPr>
-            <a:picLocks noChangeAspect="1" noChangeArrowheads="1"/>
-          </p:cNvPicPr>
+              </a:rPr>
+              <a:t>Qutip</a:t>
+            </a:r>
+            <a:r>
+              <a:rPr lang="en-US" sz="1400" dirty="0">
+                <a:solidFill>
+                  <a:srgbClr val="FF0000"/>
+                </a:solidFill>
+              </a:rPr>
+              <a:t> </a:t>
+            </a:r>
+            <a:r>
+              <a:rPr lang="en-US" sz="1400" dirty="0" smtClean="0">
+                <a:solidFill>
+                  <a:srgbClr val="FF0000"/>
+                </a:solidFill>
+              </a:rPr>
+              <a:t>– Batch Optimizer Inconsistency; Likely due to reduced Hilbert Space of the cavity modes (n = 15 levels in each)</a:t>
+            </a:r>
+            <a:endParaRPr lang="en-US" sz="1400" dirty="0">
+              <a:solidFill>
+                <a:srgbClr val="FF0000"/>
+              </a:solidFill>
+            </a:endParaRPr>
+          </a:p>
+        </p:txBody>
+      </p:sp>
+      <p:cxnSp>
+        <p:nvCxnSpPr>
+          <p:cNvPr id="15" name="Straight Arrow Connector 14"/>
+          <p:cNvCxnSpPr/>
           <p:nvPr/>
-        </p:nvPicPr>
-        <p:blipFill>
-          <a:blip r:embed="rId3">
-            <a:extLst>
-              <a:ext uri="{28A0092B-C50C-407E-A947-70E740481C1C}">
-                <a14:useLocalDpi xmlns:a14="http://schemas.microsoft.com/office/drawing/2010/main" val="0"/>
-              </a:ext>
-            </a:extLst>
-          </a:blip>
-          <a:srcRect/>
-          <a:stretch>
-            <a:fillRect/>
-          </a:stretch>
-        </p:blipFill>
-        <p:spPr bwMode="auto">
-          <a:xfrm>
-            <a:off x="6035347" y="2600909"/>
-            <a:ext cx="6156653" cy="3920207"/>
+        </p:nvCxnSpPr>
+        <p:spPr>
+          <a:xfrm flipH="1">
+            <a:off x="6097588" y="5161551"/>
+            <a:ext cx="3587835" cy="66174"/>
           </a:xfrm>
-          <a:prstGeom prst="rect">
+          <a:prstGeom prst="straightConnector1">
             <a:avLst/>
           </a:prstGeom>
-          <a:noFill/>
-          <a:extLst>
-            <a:ext uri="{909E8E84-426E-40DD-AFC4-6F175D3DCCD1}">
-              <a14:hiddenFill xmlns:a14="http://schemas.microsoft.com/office/drawing/2010/main">
-                <a:solidFill>
-                  <a:srgbClr val="FFFFFF"/>
-                </a:solidFill>
-              </a14:hiddenFill>
-            </a:ext>
-          </a:extLst>
+          <a:ln>
+            <a:tailEnd type="triangle"/>
+          </a:ln>
         </p:spPr>
-      </p:pic>
+        <p:style>
+          <a:lnRef idx="1">
+            <a:schemeClr val="accent1"/>
+          </a:lnRef>
+          <a:fillRef idx="0">
+            <a:schemeClr val="accent1"/>
+          </a:fillRef>
+          <a:effectRef idx="0">
+            <a:schemeClr val="accent1"/>
+          </a:effectRef>
+          <a:fontRef idx="minor">
+            <a:schemeClr val="tx1"/>
+          </a:fontRef>
+        </p:style>
+      </p:cxnSp>
     </p:spTree>
     <p:extLst>
       <p:ext uri="{BB962C8B-B14F-4D97-AF65-F5344CB8AC3E}">
@@ -11135,6 +11576,125 @@
       </p:grpSpPr>
       <p:sp>
         <p:nvSpPr>
+          <p:cNvPr id="7" name="Title 6"/>
+          <p:cNvSpPr>
+            <a:spLocks noGrp="1"/>
+          </p:cNvSpPr>
+          <p:nvPr>
+            <p:ph type="title"/>
+          </p:nvPr>
+        </p:nvSpPr>
+        <p:spPr/>
+        <p:txBody>
+          <a:bodyPr/>
+          <a:lstStyle/>
+          <a:p>
+            <a:r>
+              <a:rPr lang="en-US" dirty="0"/>
+              <a:t>Two Mode ECD : </a:t>
+            </a:r>
+            <a:r>
+              <a:rPr lang="en-US" sz="2800" dirty="0" err="1"/>
+              <a:t>QuTip</a:t>
+            </a:r>
+            <a:r>
+              <a:rPr lang="en-US" sz="2800" dirty="0"/>
+              <a:t> Noise Simulations</a:t>
+            </a:r>
+          </a:p>
+        </p:txBody>
+      </p:sp>
+      <p:pic>
+        <p:nvPicPr>
+          <p:cNvPr id="9" name="Picture 8"/>
+          <p:cNvPicPr>
+            <a:picLocks noChangeAspect="1"/>
+          </p:cNvPicPr>
+          <p:nvPr/>
+        </p:nvPicPr>
+        <p:blipFill>
+          <a:blip r:embed="rId2"/>
+          <a:stretch>
+            <a:fillRect/>
+          </a:stretch>
+        </p:blipFill>
+        <p:spPr>
+          <a:xfrm>
+            <a:off x="1042736" y="1690688"/>
+            <a:ext cx="7800475" cy="4680285"/>
+          </a:xfrm>
+          <a:prstGeom prst="rect">
+            <a:avLst/>
+          </a:prstGeom>
+        </p:spPr>
+      </p:pic>
+      <p:sp>
+        <p:nvSpPr>
+          <p:cNvPr id="10" name="TextBox 9"/>
+          <p:cNvSpPr txBox="1"/>
+          <p:nvPr/>
+        </p:nvSpPr>
+        <p:spPr>
+          <a:xfrm>
+            <a:off x="8418095" y="4451684"/>
+            <a:ext cx="3019926" cy="1200329"/>
+          </a:xfrm>
+          <a:prstGeom prst="rect">
+            <a:avLst/>
+          </a:prstGeom>
+          <a:noFill/>
+        </p:spPr>
+        <p:txBody>
+          <a:bodyPr wrap="square" rtlCol="0">
+            <a:spAutoFit/>
+          </a:bodyPr>
+          <a:lstStyle/>
+          <a:p>
+            <a:pPr algn="ctr"/>
+            <a:r>
+              <a:rPr lang="en-US" dirty="0" err="1" smtClean="0"/>
+              <a:t>Ancilla</a:t>
+            </a:r>
+            <a:r>
+              <a:rPr lang="en-US" dirty="0" smtClean="0"/>
+              <a:t> with better coherence times such as flux protected qubits may improve gate fidelities.</a:t>
+            </a:r>
+            <a:endParaRPr lang="en-US" dirty="0"/>
+          </a:p>
+        </p:txBody>
+      </p:sp>
+    </p:spTree>
+    <p:extLst>
+      <p:ext uri="{BB962C8B-B14F-4D97-AF65-F5344CB8AC3E}">
+        <p14:creationId xmlns:p14="http://schemas.microsoft.com/office/powerpoint/2010/main" val="1662738359"/>
+      </p:ext>
+    </p:extLst>
+  </p:cSld>
+  <p:clrMapOvr>
+    <a:masterClrMapping/>
+  </p:clrMapOvr>
+</p:sld>
+</file>
+
+<file path=ppt/slides/slide19.xml><?xml version="1.0" encoding="utf-8"?>
+<p:sld xmlns:a="http://schemas.openxmlformats.org/drawingml/2006/main" xmlns:r="http://schemas.openxmlformats.org/officeDocument/2006/relationships" xmlns:p="http://schemas.openxmlformats.org/presentationml/2006/main">
+  <p:cSld>
+    <p:spTree>
+      <p:nvGrpSpPr>
+        <p:cNvPr id="1" name=""/>
+        <p:cNvGrpSpPr/>
+        <p:nvPr/>
+      </p:nvGrpSpPr>
+      <p:grpSpPr>
+        <a:xfrm>
+          <a:off x="0" y="0"/>
+          <a:ext cx="0" cy="0"/>
+          <a:chOff x="0" y="0"/>
+          <a:chExt cx="0" cy="0"/>
+        </a:xfrm>
+      </p:grpSpPr>
+      <p:sp>
+        <p:nvSpPr>
           <p:cNvPr id="2" name="Title 1"/>
           <p:cNvSpPr>
             <a:spLocks noGrp="1"/>
@@ -11156,8 +11716,8 @@
           </a:p>
         </p:txBody>
       </p:sp>
-      <mc:AlternateContent xmlns:mc="http://schemas.openxmlformats.org/markup-compatibility/2006">
-        <mc:Choice xmlns:a14="http://schemas.microsoft.com/office/drawing/2010/main" Requires="a14">
+      <mc:AlternateContent xmlns:mc="http://schemas.openxmlformats.org/markup-compatibility/2006" xmlns:a14="http://schemas.microsoft.com/office/drawing/2010/main">
+        <mc:Choice Requires="a14">
           <p:sp>
             <p:nvSpPr>
               <p:cNvPr id="3" name="Content Placeholder 2"/>
@@ -11287,11 +11847,7 @@
                 </a14:m>
                 <a:r>
                   <a:rPr lang="en-US" dirty="0" smtClean="0"/>
-                  <a:t>not completely echoed out </a:t>
-                </a:r>
-                <a:r>
-                  <a:rPr lang="en-US" dirty="0" smtClean="0"/>
-                  <a:t>by a single pi pulse since measurement of  </a:t>
+                  <a:t>not completely echoed out by a single pi pulse since measurement of  </a:t>
                 </a:r>
                 <a14:m>
                   <m:oMath xmlns:m="http://schemas.openxmlformats.org/officeDocument/2006/math">
@@ -11408,7 +11964,7 @@
             </p:txBody>
           </p:sp>
         </mc:Choice>
-        <mc:Fallback>
+        <mc:Fallback xmlns="">
           <p:sp>
             <p:nvSpPr>
               <p:cNvPr id="3" name="Content Placeholder 2"/>
@@ -12743,8 +13299,8 @@
               </mc:Fallback>
             </mc:AlternateContent>
           </p:grpSp>
-          <mc:AlternateContent xmlns:mc="http://schemas.openxmlformats.org/markup-compatibility/2006">
-            <mc:Choice xmlns:a14="http://schemas.microsoft.com/office/drawing/2010/main" Requires="a14">
+          <mc:AlternateContent xmlns:mc="http://schemas.openxmlformats.org/markup-compatibility/2006" xmlns:a14="http://schemas.microsoft.com/office/drawing/2010/main">
+            <mc:Choice Requires="a14">
               <p:sp>
                 <p:nvSpPr>
                   <p:cNvPr id="23" name="TextBox 22"/>
@@ -12814,7 +13370,7 @@
                 </p:txBody>
               </p:sp>
             </mc:Choice>
-            <mc:Fallback>
+            <mc:Fallback xmlns="">
               <p:sp>
                 <p:nvSpPr>
                   <p:cNvPr id="23" name="TextBox 22"/>
@@ -12964,10 +13520,400 @@
   <p:clrMapOvr>
     <a:masterClrMapping/>
   </p:clrMapOvr>
+  <p:timing>
+    <p:tnLst>
+      <p:par>
+        <p:cTn id="1" dur="indefinite" restart="never" nodeType="tmRoot"/>
+      </p:par>
+    </p:tnLst>
+  </p:timing>
 </p:sld>
 </file>
 
-<file path=ppt/slides/slide19.xml><?xml version="1.0" encoding="utf-8"?>
+<file path=ppt/slides/slide2.xml><?xml version="1.0" encoding="utf-8"?>
+<p:sld xmlns:a="http://schemas.openxmlformats.org/drawingml/2006/main" xmlns:r="http://schemas.openxmlformats.org/officeDocument/2006/relationships" xmlns:p="http://schemas.openxmlformats.org/presentationml/2006/main">
+  <p:cSld>
+    <p:spTree>
+      <p:nvGrpSpPr>
+        <p:cNvPr id="1" name=""/>
+        <p:cNvGrpSpPr/>
+        <p:nvPr/>
+      </p:nvGrpSpPr>
+      <p:grpSpPr>
+        <a:xfrm>
+          <a:off x="0" y="0"/>
+          <a:ext cx="0" cy="0"/>
+          <a:chOff x="0" y="0"/>
+          <a:chExt cx="0" cy="0"/>
+        </a:xfrm>
+      </p:grpSpPr>
+      <p:sp>
+        <p:nvSpPr>
+          <p:cNvPr id="2" name="Title 1"/>
+          <p:cNvSpPr>
+            <a:spLocks noGrp="1"/>
+          </p:cNvSpPr>
+          <p:nvPr>
+            <p:ph type="title"/>
+          </p:nvPr>
+        </p:nvSpPr>
+        <p:spPr/>
+        <p:txBody>
+          <a:bodyPr/>
+          <a:lstStyle/>
+          <a:p>
+            <a:r>
+              <a:rPr lang="en-US" dirty="0" smtClean="0"/>
+              <a:t>Motivation</a:t>
+            </a:r>
+            <a:endParaRPr lang="en-US" dirty="0"/>
+          </a:p>
+        </p:txBody>
+      </p:sp>
+      <mc:AlternateContent xmlns:mc="http://schemas.openxmlformats.org/markup-compatibility/2006" xmlns:a14="http://schemas.microsoft.com/office/drawing/2010/main">
+        <mc:Choice Requires="a14">
+          <p:sp>
+            <p:nvSpPr>
+              <p:cNvPr id="3" name="Content Placeholder 2"/>
+              <p:cNvSpPr>
+                <a:spLocks noGrp="1"/>
+              </p:cNvSpPr>
+              <p:nvPr>
+                <p:ph idx="1"/>
+              </p:nvPr>
+            </p:nvSpPr>
+            <p:spPr/>
+            <p:txBody>
+              <a:bodyPr/>
+              <a:lstStyle/>
+              <a:p>
+                <a:pPr lvl="1"/>
+                <a:r>
+                  <a:rPr lang="en-US" sz="3200" dirty="0" smtClean="0"/>
+                  <a:t>SNAP Gates take time </a:t>
+                </a:r>
+                <a14:m>
+                  <m:oMath xmlns:m="http://schemas.openxmlformats.org/officeDocument/2006/math">
+                    <m:r>
+                      <a:rPr lang="en-US" sz="3200" i="1">
+                        <a:latin typeface="Cambria Math" panose="02040503050406030204" pitchFamily="18" charset="0"/>
+                      </a:rPr>
+                      <m:t>≈2</m:t>
+                    </m:r>
+                    <m:r>
+                      <a:rPr lang="en-US" sz="3200" i="1">
+                        <a:latin typeface="Cambria Math" panose="02040503050406030204" pitchFamily="18" charset="0"/>
+                      </a:rPr>
+                      <m:t>𝜋</m:t>
+                    </m:r>
+                    <m:r>
+                      <a:rPr lang="en-US" sz="3200" i="1">
+                        <a:latin typeface="Cambria Math" panose="02040503050406030204" pitchFamily="18" charset="0"/>
+                      </a:rPr>
+                      <m:t>/</m:t>
+                    </m:r>
+                    <m:r>
+                      <a:rPr lang="en-US" sz="3200" i="1">
+                        <a:latin typeface="Cambria Math" panose="02040503050406030204" pitchFamily="18" charset="0"/>
+                      </a:rPr>
+                      <m:t>𝜒</m:t>
+                    </m:r>
+                  </m:oMath>
+                </a14:m>
+                <a:r>
+                  <a:rPr lang="en-US" sz="3200" dirty="0"/>
+                  <a:t> where </a:t>
+                </a:r>
+                <a14:m>
+                  <m:oMath xmlns:m="http://schemas.openxmlformats.org/officeDocument/2006/math">
+                    <m:r>
+                      <a:rPr lang="en-US" sz="3200" i="1">
+                        <a:latin typeface="Cambria Math" panose="02040503050406030204" pitchFamily="18" charset="0"/>
+                      </a:rPr>
+                      <m:t>𝜒</m:t>
+                    </m:r>
+                    <m:r>
+                      <a:rPr lang="en-US" sz="3200" b="0" i="1" smtClean="0">
+                        <a:latin typeface="Cambria Math" panose="02040503050406030204" pitchFamily="18" charset="0"/>
+                      </a:rPr>
+                      <m:t>≈</m:t>
+                    </m:r>
+                  </m:oMath>
+                </a14:m>
+                <a:r>
+                  <a:rPr lang="en-US" sz="3200" dirty="0" smtClean="0"/>
+                  <a:t> MHz </a:t>
+                </a:r>
+                <a:r>
+                  <a:rPr lang="en-US" sz="3200" dirty="0"/>
+                  <a:t>is dispersive coupling strength.</a:t>
+                </a:r>
+              </a:p>
+              <a:p>
+                <a:pPr lvl="1"/>
+                <a:r>
+                  <a:rPr lang="en-US" sz="3200" dirty="0"/>
+                  <a:t>Reducing Gate time </a:t>
+                </a:r>
+                <a14:m>
+                  <m:oMath xmlns:m="http://schemas.openxmlformats.org/officeDocument/2006/math">
+                    <m:r>
+                      <a:rPr lang="en-US" sz="3200" i="1">
+                        <a:latin typeface="Cambria Math" panose="02040503050406030204" pitchFamily="18" charset="0"/>
+                      </a:rPr>
+                      <m:t>→ </m:t>
+                    </m:r>
+                  </m:oMath>
+                </a14:m>
+                <a:r>
+                  <a:rPr lang="en-US" sz="3200" dirty="0"/>
+                  <a:t>Increasing </a:t>
+                </a:r>
+                <a14:m>
+                  <m:oMath xmlns:m="http://schemas.openxmlformats.org/officeDocument/2006/math">
+                    <m:r>
+                      <a:rPr lang="en-US" sz="3200" i="1">
+                        <a:latin typeface="Cambria Math" panose="02040503050406030204" pitchFamily="18" charset="0"/>
+                      </a:rPr>
+                      <m:t>𝜒</m:t>
+                    </m:r>
+                  </m:oMath>
+                </a14:m>
+                <a:r>
+                  <a:rPr lang="en-US" sz="3200" dirty="0"/>
+                  <a:t> </a:t>
+                </a:r>
+                <a14:m>
+                  <m:oMath xmlns:m="http://schemas.openxmlformats.org/officeDocument/2006/math">
+                    <m:r>
+                      <a:rPr lang="en-US" sz="3200" i="1">
+                        <a:latin typeface="Cambria Math" panose="02040503050406030204" pitchFamily="18" charset="0"/>
+                      </a:rPr>
+                      <m:t>→</m:t>
+                    </m:r>
+                  </m:oMath>
+                </a14:m>
+                <a:r>
+                  <a:rPr lang="en-US" sz="3200" dirty="0"/>
+                  <a:t>Reducing lifetime of cavity</a:t>
+                </a:r>
+              </a:p>
+              <a:p>
+                <a:pPr lvl="1"/>
+                <a:r>
+                  <a:rPr lang="en-US" sz="3200" dirty="0"/>
+                  <a:t>ECD Idea: Keep </a:t>
+                </a:r>
+                <a14:m>
+                  <m:oMath xmlns:m="http://schemas.openxmlformats.org/officeDocument/2006/math">
+                    <m:r>
+                      <a:rPr lang="en-US" sz="3200" i="1">
+                        <a:latin typeface="Cambria Math" panose="02040503050406030204" pitchFamily="18" charset="0"/>
+                      </a:rPr>
+                      <m:t>𝜒</m:t>
+                    </m:r>
+                    <m:r>
+                      <a:rPr lang="en-US" sz="3200" b="0" i="1" smtClean="0">
+                        <a:latin typeface="Cambria Math" panose="02040503050406030204" pitchFamily="18" charset="0"/>
+                      </a:rPr>
+                      <m:t>≈10</m:t>
+                    </m:r>
+                  </m:oMath>
+                </a14:m>
+                <a:r>
+                  <a:rPr lang="en-US" sz="3200" dirty="0" smtClean="0"/>
+                  <a:t> kHz small; </a:t>
+                </a:r>
+                <a:r>
+                  <a:rPr lang="en-US" sz="3200" dirty="0"/>
+                  <a:t>But enhance it by displacing cavity (</a:t>
+                </a:r>
+                <a14:m>
+                  <m:oMath xmlns:m="http://schemas.openxmlformats.org/officeDocument/2006/math">
+                    <m:sSub>
+                      <m:sSubPr>
+                        <m:ctrlPr>
+                          <a:rPr lang="en-US" sz="3200" i="1">
+                            <a:latin typeface="Cambria Math" panose="02040503050406030204" pitchFamily="18" charset="0"/>
+                          </a:rPr>
+                        </m:ctrlPr>
+                      </m:sSubPr>
+                      <m:e>
+                        <m:r>
+                          <a:rPr lang="en-US" sz="3200" i="1">
+                            <a:latin typeface="Cambria Math" panose="02040503050406030204" pitchFamily="18" charset="0"/>
+                          </a:rPr>
+                          <m:t>𝛼</m:t>
+                        </m:r>
+                      </m:e>
+                      <m:sub>
+                        <m:r>
+                          <a:rPr lang="en-US" sz="3200" i="1">
+                            <a:latin typeface="Cambria Math" panose="02040503050406030204" pitchFamily="18" charset="0"/>
+                          </a:rPr>
+                          <m:t>0</m:t>
+                        </m:r>
+                      </m:sub>
+                    </m:sSub>
+                  </m:oMath>
+                </a14:m>
+                <a:r>
+                  <a:rPr lang="en-US" sz="3200" dirty="0"/>
+                  <a:t>) far from origin</a:t>
+                </a:r>
+              </a:p>
+              <a:p>
+                <a:pPr lvl="1"/>
+                <a:r>
+                  <a:rPr lang="en-US" sz="3200" dirty="0"/>
+                  <a:t> Effective Gate time </a:t>
+                </a:r>
+                <a14:m>
+                  <m:oMath xmlns:m="http://schemas.openxmlformats.org/officeDocument/2006/math">
+                    <m:r>
+                      <a:rPr lang="en-US" sz="3200" i="1">
+                        <a:latin typeface="Cambria Math" panose="02040503050406030204" pitchFamily="18" charset="0"/>
+                      </a:rPr>
+                      <m:t>1/</m:t>
+                    </m:r>
+                    <m:r>
+                      <a:rPr lang="en-US" sz="3200" i="1">
+                        <a:latin typeface="Cambria Math" panose="02040503050406030204" pitchFamily="18" charset="0"/>
+                      </a:rPr>
+                      <m:t>𝜒</m:t>
+                    </m:r>
+                    <m:sSub>
+                      <m:sSubPr>
+                        <m:ctrlPr>
+                          <a:rPr lang="en-US" sz="3200" i="1">
+                            <a:latin typeface="Cambria Math" panose="02040503050406030204" pitchFamily="18" charset="0"/>
+                          </a:rPr>
+                        </m:ctrlPr>
+                      </m:sSubPr>
+                      <m:e>
+                        <m:r>
+                          <a:rPr lang="en-US" sz="3200" i="1">
+                            <a:latin typeface="Cambria Math" panose="02040503050406030204" pitchFamily="18" charset="0"/>
+                          </a:rPr>
+                          <m:t>𝛼</m:t>
+                        </m:r>
+                      </m:e>
+                      <m:sub>
+                        <m:r>
+                          <a:rPr lang="en-US" sz="3200" i="1">
+                            <a:latin typeface="Cambria Math" panose="02040503050406030204" pitchFamily="18" charset="0"/>
+                          </a:rPr>
+                          <m:t>0</m:t>
+                        </m:r>
+                      </m:sub>
+                    </m:sSub>
+                  </m:oMath>
+                </a14:m>
+                <a:r>
+                  <a:rPr lang="en-US" sz="3200" dirty="0"/>
+                  <a:t> where </a:t>
+                </a:r>
+                <a14:m>
+                  <m:oMath xmlns:m="http://schemas.openxmlformats.org/officeDocument/2006/math">
+                    <m:sSub>
+                      <m:sSubPr>
+                        <m:ctrlPr>
+                          <a:rPr lang="en-US" sz="3200" i="1">
+                            <a:latin typeface="Cambria Math" panose="02040503050406030204" pitchFamily="18" charset="0"/>
+                          </a:rPr>
+                        </m:ctrlPr>
+                      </m:sSubPr>
+                      <m:e>
+                        <m:r>
+                          <a:rPr lang="en-US" sz="3200" i="1">
+                            <a:latin typeface="Cambria Math" panose="02040503050406030204" pitchFamily="18" charset="0"/>
+                          </a:rPr>
+                          <m:t>𝛼</m:t>
+                        </m:r>
+                      </m:e>
+                      <m:sub>
+                        <m:r>
+                          <a:rPr lang="en-US" sz="3200" i="1">
+                            <a:latin typeface="Cambria Math" panose="02040503050406030204" pitchFamily="18" charset="0"/>
+                          </a:rPr>
+                          <m:t>0</m:t>
+                        </m:r>
+                      </m:sub>
+                    </m:sSub>
+                    <m:r>
+                      <a:rPr lang="en-US" sz="3200" i="1">
+                        <a:latin typeface="Cambria Math" panose="02040503050406030204" pitchFamily="18" charset="0"/>
+                      </a:rPr>
+                      <m:t>≫1</m:t>
+                    </m:r>
+                  </m:oMath>
+                </a14:m>
+                <a:endParaRPr lang="en-US" sz="3200" dirty="0"/>
+              </a:p>
+              <a:p>
+                <a:pPr marL="0" indent="0">
+                  <a:buNone/>
+                </a:pPr>
+                <a:endParaRPr lang="en-US" dirty="0"/>
+              </a:p>
+            </p:txBody>
+          </p:sp>
+        </mc:Choice>
+        <mc:Fallback xmlns="">
+          <p:sp>
+            <p:nvSpPr>
+              <p:cNvPr id="3" name="Content Placeholder 2"/>
+              <p:cNvSpPr>
+                <a:spLocks noGrp="1" noRot="1" noChangeAspect="1" noMove="1" noResize="1" noEditPoints="1" noAdjustHandles="1" noChangeArrowheads="1" noChangeShapeType="1" noTextEdit="1"/>
+              </p:cNvSpPr>
+              <p:nvPr>
+                <p:ph idx="1"/>
+              </p:nvPr>
+            </p:nvSpPr>
+            <p:spPr>
+              <a:blipFill rotWithShape="0">
+                <a:blip r:embed="rId2"/>
+                <a:stretch>
+                  <a:fillRect t="-2801" r="-986"/>
+                </a:stretch>
+              </a:blipFill>
+            </p:spPr>
+            <p:txBody>
+              <a:bodyPr/>
+              <a:lstStyle/>
+              <a:p>
+                <a:r>
+                  <a:rPr lang="en-US">
+                    <a:noFill/>
+                  </a:rPr>
+                  <a:t> </a:t>
+                </a:r>
+              </a:p>
+            </p:txBody>
+          </p:sp>
+        </mc:Fallback>
+      </mc:AlternateContent>
+    </p:spTree>
+    <p:extLst>
+      <p:ext uri="{BB962C8B-B14F-4D97-AF65-F5344CB8AC3E}">
+        <p14:creationId xmlns:p14="http://schemas.microsoft.com/office/powerpoint/2010/main" val="1584008509"/>
+      </p:ext>
+    </p:extLst>
+  </p:cSld>
+  <p:clrMapOvr>
+    <a:masterClrMapping/>
+  </p:clrMapOvr>
+  <p:timing>
+    <p:tnLst>
+      <p:par>
+        <p:cTn id="1" dur="indefinite" restart="never" nodeType="tmRoot"/>
+      </p:par>
+    </p:tnLst>
+  </p:timing>
+</p:sld>
+</file>
+
+<file path=ppt/slides/slide20.xml><?xml version="1.0" encoding="utf-8"?>
 <p:sld xmlns:a="http://schemas.openxmlformats.org/drawingml/2006/main" xmlns:r="http://schemas.openxmlformats.org/officeDocument/2006/relationships" xmlns:p="http://schemas.openxmlformats.org/presentationml/2006/main">
   <p:cSld>
     <p:spTree>
@@ -13001,18 +13947,14 @@
           <a:p>
             <a:r>
               <a:rPr lang="en-US" dirty="0" smtClean="0"/>
-              <a:t>Circle </a:t>
-            </a:r>
-            <a:r>
-              <a:rPr lang="en-US" dirty="0" smtClean="0"/>
-              <a:t>Grape</a:t>
+              <a:t>Circle Grape</a:t>
             </a:r>
             <a:endParaRPr lang="en-US" dirty="0"/>
           </a:p>
         </p:txBody>
       </p:sp>
-      <mc:AlternateContent xmlns:mc="http://schemas.openxmlformats.org/markup-compatibility/2006">
-        <mc:Choice xmlns:a14="http://schemas.microsoft.com/office/drawing/2010/main" Requires="a14">
+      <mc:AlternateContent xmlns:mc="http://schemas.openxmlformats.org/markup-compatibility/2006" xmlns:a14="http://schemas.microsoft.com/office/drawing/2010/main">
+        <mc:Choice Requires="a14">
           <p:sp>
             <p:nvSpPr>
               <p:cNvPr id="6" name="TextBox 5"/>
@@ -13156,7 +14098,7 @@
             </p:txBody>
           </p:sp>
         </mc:Choice>
-        <mc:Fallback>
+        <mc:Fallback xmlns="">
           <p:sp>
             <p:nvSpPr>
               <p:cNvPr id="6" name="TextBox 5"/>
@@ -13603,8 +14545,8 @@
                 </p:sp>
               </mc:Fallback>
             </mc:AlternateContent>
-            <mc:AlternateContent xmlns:mc="http://schemas.openxmlformats.org/markup-compatibility/2006">
-              <mc:Choice xmlns:a14="http://schemas.microsoft.com/office/drawing/2010/main" Requires="a14">
+            <mc:AlternateContent xmlns:mc="http://schemas.openxmlformats.org/markup-compatibility/2006" xmlns:a14="http://schemas.microsoft.com/office/drawing/2010/main">
+              <mc:Choice Requires="a14">
                 <p:sp>
                   <p:nvSpPr>
                     <p:cNvPr id="24" name="TextBox 23"/>
@@ -13665,7 +14607,7 @@
                   </p:txBody>
                 </p:sp>
               </mc:Choice>
-              <mc:Fallback>
+              <mc:Fallback xmlns="">
                 <p:sp>
                   <p:nvSpPr>
                     <p:cNvPr id="24" name="TextBox 23"/>
@@ -14011,8 +14953,8 @@
             </a:fontRef>
           </p:style>
         </p:cxnSp>
-        <mc:AlternateContent xmlns:mc="http://schemas.openxmlformats.org/markup-compatibility/2006">
-          <mc:Choice xmlns:a14="http://schemas.microsoft.com/office/drawing/2010/main" Requires="a14">
+        <mc:AlternateContent xmlns:mc="http://schemas.openxmlformats.org/markup-compatibility/2006" xmlns:a14="http://schemas.microsoft.com/office/drawing/2010/main">
+          <mc:Choice Requires="a14">
             <p:sp>
               <p:nvSpPr>
                 <p:cNvPr id="15" name="TextBox 14"/>
@@ -14088,7 +15030,7 @@
               </p:txBody>
             </p:sp>
           </mc:Choice>
-          <mc:Fallback>
+          <mc:Fallback xmlns="">
             <p:sp>
               <p:nvSpPr>
                 <p:cNvPr id="15" name="TextBox 14"/>
@@ -14161,8 +15103,8 @@
             </a:fontRef>
           </p:style>
         </p:cxnSp>
-        <mc:AlternateContent xmlns:mc="http://schemas.openxmlformats.org/markup-compatibility/2006">
-          <mc:Choice xmlns:a14="http://schemas.microsoft.com/office/drawing/2010/main" Requires="a14">
+        <mc:AlternateContent xmlns:mc="http://schemas.openxmlformats.org/markup-compatibility/2006" xmlns:a14="http://schemas.microsoft.com/office/drawing/2010/main">
+          <mc:Choice Requires="a14">
             <p:sp>
               <p:nvSpPr>
                 <p:cNvPr id="17" name="TextBox 16"/>
@@ -14238,7 +15180,7 @@
               </p:txBody>
             </p:sp>
           </mc:Choice>
-          <mc:Fallback>
+          <mc:Fallback xmlns="">
             <p:sp>
               <p:nvSpPr>
                 <p:cNvPr id="17" name="TextBox 16"/>
@@ -14278,8 +15220,8 @@
           </mc:Fallback>
         </mc:AlternateContent>
       </p:grpSp>
-      <mc:AlternateContent xmlns:mc="http://schemas.openxmlformats.org/markup-compatibility/2006">
-        <mc:Choice xmlns:a14="http://schemas.microsoft.com/office/drawing/2010/main" Requires="a14">
+      <mc:AlternateContent xmlns:mc="http://schemas.openxmlformats.org/markup-compatibility/2006" xmlns:a14="http://schemas.microsoft.com/office/drawing/2010/main">
+        <mc:Choice Requires="a14">
           <p:sp>
             <p:nvSpPr>
               <p:cNvPr id="2" name="Rectangle 1"/>
@@ -14382,7 +15324,7 @@
             </p:txBody>
           </p:sp>
         </mc:Choice>
-        <mc:Fallback>
+        <mc:Fallback xmlns="">
           <p:sp>
             <p:nvSpPr>
               <p:cNvPr id="2" name="Rectangle 1"/>
@@ -14497,8 +15439,8 @@
                 </a:fontRef>
               </p:style>
             </p:cxnSp>
-            <mc:AlternateContent xmlns:mc="http://schemas.openxmlformats.org/markup-compatibility/2006">
-              <mc:Choice xmlns:a14="http://schemas.microsoft.com/office/drawing/2010/main" Requires="a14">
+            <mc:AlternateContent xmlns:mc="http://schemas.openxmlformats.org/markup-compatibility/2006" xmlns:a14="http://schemas.microsoft.com/office/drawing/2010/main">
+              <mc:Choice Requires="a14">
                 <p:sp>
                   <p:nvSpPr>
                     <p:cNvPr id="41" name="TextBox 40"/>
@@ -14559,7 +15501,7 @@
                   </p:txBody>
                 </p:sp>
               </mc:Choice>
-              <mc:Fallback>
+              <mc:Fallback xmlns="">
                 <p:sp>
                   <p:nvSpPr>
                     <p:cNvPr id="41" name="TextBox 40"/>
@@ -14733,8 +15675,8 @@
             </a:fontRef>
           </p:style>
         </p:cxnSp>
-        <mc:AlternateContent xmlns:mc="http://schemas.openxmlformats.org/markup-compatibility/2006">
-          <mc:Choice xmlns:a14="http://schemas.microsoft.com/office/drawing/2010/main" Requires="a14">
+        <mc:AlternateContent xmlns:mc="http://schemas.openxmlformats.org/markup-compatibility/2006" xmlns:a14="http://schemas.microsoft.com/office/drawing/2010/main">
+          <mc:Choice Requires="a14">
             <p:sp>
               <p:nvSpPr>
                 <p:cNvPr id="30" name="TextBox 29"/>
@@ -14798,7 +15740,7 @@
               </p:txBody>
             </p:sp>
           </mc:Choice>
-          <mc:Fallback>
+          <mc:Fallback xmlns="">
             <p:sp>
               <p:nvSpPr>
                 <p:cNvPr id="30" name="TextBox 29"/>
@@ -15318,8 +16260,8 @@
           </a:p>
         </p:txBody>
       </p:sp>
-      <mc:AlternateContent xmlns:mc="http://schemas.openxmlformats.org/markup-compatibility/2006">
-        <mc:Choice xmlns:a14="http://schemas.microsoft.com/office/drawing/2010/main" Requires="a14">
+      <mc:AlternateContent xmlns:mc="http://schemas.openxmlformats.org/markup-compatibility/2006" xmlns:a14="http://schemas.microsoft.com/office/drawing/2010/main">
+        <mc:Choice Requires="a14">
           <p:sp>
             <p:nvSpPr>
               <p:cNvPr id="64" name="Rectangle 63"/>
@@ -15341,6 +16283,7 @@
               </a:bodyPr>
               <a:lstStyle/>
               <a:p>
+                <a:pPr/>
                 <a14:m>
                   <m:oMathPara xmlns:m="http://schemas.openxmlformats.org/officeDocument/2006/math">
                     <m:oMathParaPr>
@@ -15671,6 +16614,7 @@
                 </a:endParaRPr>
               </a:p>
               <a:p>
+                <a:pPr/>
                 <a14:m>
                   <m:oMathPara xmlns:m="http://schemas.openxmlformats.org/officeDocument/2006/math">
                     <m:oMathParaPr>
@@ -15873,7 +16817,7 @@
             </p:txBody>
           </p:sp>
         </mc:Choice>
-        <mc:Fallback>
+        <mc:Fallback xmlns="">
           <p:sp>
             <p:nvSpPr>
               <p:cNvPr id="64" name="Rectangle 63"/>
@@ -15975,8 +16919,8 @@
           </a:fontRef>
         </p:style>
       </p:cxnSp>
-      <mc:AlternateContent xmlns:mc="http://schemas.openxmlformats.org/markup-compatibility/2006">
-        <mc:Choice xmlns:a14="http://schemas.microsoft.com/office/drawing/2010/main" Requires="a14">
+      <mc:AlternateContent xmlns:mc="http://schemas.openxmlformats.org/markup-compatibility/2006" xmlns:a14="http://schemas.microsoft.com/office/drawing/2010/main">
+        <mc:Choice Requires="a14">
           <p:sp>
             <p:nvSpPr>
               <p:cNvPr id="71" name="TextBox 70"/>
@@ -16057,7 +17001,7 @@
             </p:txBody>
           </p:sp>
         </mc:Choice>
-        <mc:Fallback>
+        <mc:Fallback xmlns="">
           <p:sp>
             <p:nvSpPr>
               <p:cNvPr id="71" name="TextBox 70"/>
@@ -16109,390 +17053,7 @@
 </p:sld>
 </file>
 
-<file path=ppt/slides/slide2.xml><?xml version="1.0" encoding="utf-8"?>
-<p:sld xmlns:a="http://schemas.openxmlformats.org/drawingml/2006/main" xmlns:r="http://schemas.openxmlformats.org/officeDocument/2006/relationships" xmlns:p="http://schemas.openxmlformats.org/presentationml/2006/main">
-  <p:cSld>
-    <p:spTree>
-      <p:nvGrpSpPr>
-        <p:cNvPr id="1" name=""/>
-        <p:cNvGrpSpPr/>
-        <p:nvPr/>
-      </p:nvGrpSpPr>
-      <p:grpSpPr>
-        <a:xfrm>
-          <a:off x="0" y="0"/>
-          <a:ext cx="0" cy="0"/>
-          <a:chOff x="0" y="0"/>
-          <a:chExt cx="0" cy="0"/>
-        </a:xfrm>
-      </p:grpSpPr>
-      <p:sp>
-        <p:nvSpPr>
-          <p:cNvPr id="2" name="Title 1"/>
-          <p:cNvSpPr>
-            <a:spLocks noGrp="1"/>
-          </p:cNvSpPr>
-          <p:nvPr>
-            <p:ph type="title"/>
-          </p:nvPr>
-        </p:nvSpPr>
-        <p:spPr/>
-        <p:txBody>
-          <a:bodyPr/>
-          <a:lstStyle/>
-          <a:p>
-            <a:r>
-              <a:rPr lang="en-US" dirty="0" smtClean="0"/>
-              <a:t>Motivation</a:t>
-            </a:r>
-            <a:endParaRPr lang="en-US" dirty="0"/>
-          </a:p>
-        </p:txBody>
-      </p:sp>
-      <mc:AlternateContent xmlns:mc="http://schemas.openxmlformats.org/markup-compatibility/2006" xmlns:a14="http://schemas.microsoft.com/office/drawing/2010/main">
-        <mc:Choice Requires="a14">
-          <p:sp>
-            <p:nvSpPr>
-              <p:cNvPr id="3" name="Content Placeholder 2"/>
-              <p:cNvSpPr>
-                <a:spLocks noGrp="1"/>
-              </p:cNvSpPr>
-              <p:nvPr>
-                <p:ph idx="1"/>
-              </p:nvPr>
-            </p:nvSpPr>
-            <p:spPr/>
-            <p:txBody>
-              <a:bodyPr/>
-              <a:lstStyle/>
-              <a:p>
-                <a:pPr lvl="1"/>
-                <a:r>
-                  <a:rPr lang="en-US" sz="3200" dirty="0" smtClean="0"/>
-                  <a:t>SNAP Gates take time </a:t>
-                </a:r>
-                <a14:m>
-                  <m:oMath xmlns:m="http://schemas.openxmlformats.org/officeDocument/2006/math">
-                    <m:r>
-                      <a:rPr lang="en-US" sz="3200" i="1">
-                        <a:latin typeface="Cambria Math" panose="02040503050406030204" pitchFamily="18" charset="0"/>
-                      </a:rPr>
-                      <m:t>≈2</m:t>
-                    </m:r>
-                    <m:r>
-                      <a:rPr lang="en-US" sz="3200" i="1">
-                        <a:latin typeface="Cambria Math" panose="02040503050406030204" pitchFamily="18" charset="0"/>
-                      </a:rPr>
-                      <m:t>𝜋</m:t>
-                    </m:r>
-                    <m:r>
-                      <a:rPr lang="en-US" sz="3200" i="1">
-                        <a:latin typeface="Cambria Math" panose="02040503050406030204" pitchFamily="18" charset="0"/>
-                      </a:rPr>
-                      <m:t>/</m:t>
-                    </m:r>
-                    <m:r>
-                      <a:rPr lang="en-US" sz="3200" i="1">
-                        <a:latin typeface="Cambria Math" panose="02040503050406030204" pitchFamily="18" charset="0"/>
-                      </a:rPr>
-                      <m:t>𝜒</m:t>
-                    </m:r>
-                  </m:oMath>
-                </a14:m>
-                <a:r>
-                  <a:rPr lang="en-US" sz="3200" dirty="0"/>
-                  <a:t> where </a:t>
-                </a:r>
-                <a14:m>
-                  <m:oMath xmlns:m="http://schemas.openxmlformats.org/officeDocument/2006/math">
-                    <m:r>
-                      <a:rPr lang="en-US" sz="3200" i="1">
-                        <a:latin typeface="Cambria Math" panose="02040503050406030204" pitchFamily="18" charset="0"/>
-                      </a:rPr>
-                      <m:t>𝜒</m:t>
-                    </m:r>
-                    <m:r>
-                      <a:rPr lang="en-US" sz="3200" b="0" i="1" smtClean="0">
-                        <a:latin typeface="Cambria Math" panose="02040503050406030204" pitchFamily="18" charset="0"/>
-                      </a:rPr>
-                      <m:t>≈</m:t>
-                    </m:r>
-                  </m:oMath>
-                </a14:m>
-                <a:r>
-                  <a:rPr lang="en-US" sz="3200" dirty="0" smtClean="0"/>
-                  <a:t> MHz </a:t>
-                </a:r>
-                <a:r>
-                  <a:rPr lang="en-US" sz="3200" dirty="0"/>
-                  <a:t>is dispersive coupling strength.</a:t>
-                </a:r>
-              </a:p>
-              <a:p>
-                <a:pPr lvl="1"/>
-                <a:r>
-                  <a:rPr lang="en-US" sz="3200" dirty="0"/>
-                  <a:t>Reducing Gate time </a:t>
-                </a:r>
-                <a14:m>
-                  <m:oMath xmlns:m="http://schemas.openxmlformats.org/officeDocument/2006/math">
-                    <m:r>
-                      <a:rPr lang="en-US" sz="3200" i="1">
-                        <a:latin typeface="Cambria Math" panose="02040503050406030204" pitchFamily="18" charset="0"/>
-                      </a:rPr>
-                      <m:t>→ </m:t>
-                    </m:r>
-                  </m:oMath>
-                </a14:m>
-                <a:r>
-                  <a:rPr lang="en-US" sz="3200" dirty="0"/>
-                  <a:t>Increasing </a:t>
-                </a:r>
-                <a14:m>
-                  <m:oMath xmlns:m="http://schemas.openxmlformats.org/officeDocument/2006/math">
-                    <m:r>
-                      <a:rPr lang="en-US" sz="3200" i="1">
-                        <a:latin typeface="Cambria Math" panose="02040503050406030204" pitchFamily="18" charset="0"/>
-                      </a:rPr>
-                      <m:t>𝜒</m:t>
-                    </m:r>
-                  </m:oMath>
-                </a14:m>
-                <a:r>
-                  <a:rPr lang="en-US" sz="3200" dirty="0"/>
-                  <a:t> </a:t>
-                </a:r>
-                <a14:m>
-                  <m:oMath xmlns:m="http://schemas.openxmlformats.org/officeDocument/2006/math">
-                    <m:r>
-                      <a:rPr lang="en-US" sz="3200" i="1">
-                        <a:latin typeface="Cambria Math" panose="02040503050406030204" pitchFamily="18" charset="0"/>
-                      </a:rPr>
-                      <m:t>→</m:t>
-                    </m:r>
-                  </m:oMath>
-                </a14:m>
-                <a:r>
-                  <a:rPr lang="en-US" sz="3200" dirty="0"/>
-                  <a:t>Reducing lifetime of cavity</a:t>
-                </a:r>
-              </a:p>
-              <a:p>
-                <a:pPr lvl="1"/>
-                <a:r>
-                  <a:rPr lang="en-US" sz="3200" dirty="0"/>
-                  <a:t>ECD Idea: Keep </a:t>
-                </a:r>
-                <a14:m>
-                  <m:oMath xmlns:m="http://schemas.openxmlformats.org/officeDocument/2006/math">
-                    <m:r>
-                      <a:rPr lang="en-US" sz="3200" i="1">
-                        <a:latin typeface="Cambria Math" panose="02040503050406030204" pitchFamily="18" charset="0"/>
-                      </a:rPr>
-                      <m:t>𝜒</m:t>
-                    </m:r>
-                    <m:r>
-                      <a:rPr lang="en-US" sz="3200" b="0" i="1" smtClean="0">
-                        <a:latin typeface="Cambria Math" panose="02040503050406030204" pitchFamily="18" charset="0"/>
-                      </a:rPr>
-                      <m:t>≈10</m:t>
-                    </m:r>
-                  </m:oMath>
-                </a14:m>
-                <a:r>
-                  <a:rPr lang="en-US" sz="3200" dirty="0" smtClean="0"/>
-                  <a:t> kHz small; </a:t>
-                </a:r>
-                <a:r>
-                  <a:rPr lang="en-US" sz="3200" dirty="0"/>
-                  <a:t>But enhance it by displacing cavity (</a:t>
-                </a:r>
-                <a14:m>
-                  <m:oMath xmlns:m="http://schemas.openxmlformats.org/officeDocument/2006/math">
-                    <m:sSub>
-                      <m:sSubPr>
-                        <m:ctrlPr>
-                          <a:rPr lang="en-US" sz="3200" i="1">
-                            <a:latin typeface="Cambria Math" panose="02040503050406030204" pitchFamily="18" charset="0"/>
-                          </a:rPr>
-                        </m:ctrlPr>
-                      </m:sSubPr>
-                      <m:e>
-                        <m:r>
-                          <a:rPr lang="en-US" sz="3200" i="1">
-                            <a:latin typeface="Cambria Math" panose="02040503050406030204" pitchFamily="18" charset="0"/>
-                          </a:rPr>
-                          <m:t>𝛼</m:t>
-                        </m:r>
-                      </m:e>
-                      <m:sub>
-                        <m:r>
-                          <a:rPr lang="en-US" sz="3200" i="1">
-                            <a:latin typeface="Cambria Math" panose="02040503050406030204" pitchFamily="18" charset="0"/>
-                          </a:rPr>
-                          <m:t>0</m:t>
-                        </m:r>
-                      </m:sub>
-                    </m:sSub>
-                  </m:oMath>
-                </a14:m>
-                <a:r>
-                  <a:rPr lang="en-US" sz="3200" dirty="0"/>
-                  <a:t>) far from origin</a:t>
-                </a:r>
-              </a:p>
-              <a:p>
-                <a:pPr lvl="1"/>
-                <a:r>
-                  <a:rPr lang="en-US" sz="3200" dirty="0"/>
-                  <a:t> Effective Gate time </a:t>
-                </a:r>
-                <a14:m>
-                  <m:oMath xmlns:m="http://schemas.openxmlformats.org/officeDocument/2006/math">
-                    <m:r>
-                      <a:rPr lang="en-US" sz="3200" i="1">
-                        <a:latin typeface="Cambria Math" panose="02040503050406030204" pitchFamily="18" charset="0"/>
-                      </a:rPr>
-                      <m:t>1/</m:t>
-                    </m:r>
-                    <m:r>
-                      <a:rPr lang="en-US" sz="3200" i="1">
-                        <a:latin typeface="Cambria Math" panose="02040503050406030204" pitchFamily="18" charset="0"/>
-                      </a:rPr>
-                      <m:t>𝜒</m:t>
-                    </m:r>
-                    <m:sSub>
-                      <m:sSubPr>
-                        <m:ctrlPr>
-                          <a:rPr lang="en-US" sz="3200" i="1">
-                            <a:latin typeface="Cambria Math" panose="02040503050406030204" pitchFamily="18" charset="0"/>
-                          </a:rPr>
-                        </m:ctrlPr>
-                      </m:sSubPr>
-                      <m:e>
-                        <m:r>
-                          <a:rPr lang="en-US" sz="3200" i="1">
-                            <a:latin typeface="Cambria Math" panose="02040503050406030204" pitchFamily="18" charset="0"/>
-                          </a:rPr>
-                          <m:t>𝛼</m:t>
-                        </m:r>
-                      </m:e>
-                      <m:sub>
-                        <m:r>
-                          <a:rPr lang="en-US" sz="3200" i="1">
-                            <a:latin typeface="Cambria Math" panose="02040503050406030204" pitchFamily="18" charset="0"/>
-                          </a:rPr>
-                          <m:t>0</m:t>
-                        </m:r>
-                      </m:sub>
-                    </m:sSub>
-                  </m:oMath>
-                </a14:m>
-                <a:r>
-                  <a:rPr lang="en-US" sz="3200" dirty="0"/>
-                  <a:t> where </a:t>
-                </a:r>
-                <a14:m>
-                  <m:oMath xmlns:m="http://schemas.openxmlformats.org/officeDocument/2006/math">
-                    <m:sSub>
-                      <m:sSubPr>
-                        <m:ctrlPr>
-                          <a:rPr lang="en-US" sz="3200" i="1">
-                            <a:latin typeface="Cambria Math" panose="02040503050406030204" pitchFamily="18" charset="0"/>
-                          </a:rPr>
-                        </m:ctrlPr>
-                      </m:sSubPr>
-                      <m:e>
-                        <m:r>
-                          <a:rPr lang="en-US" sz="3200" i="1">
-                            <a:latin typeface="Cambria Math" panose="02040503050406030204" pitchFamily="18" charset="0"/>
-                          </a:rPr>
-                          <m:t>𝛼</m:t>
-                        </m:r>
-                      </m:e>
-                      <m:sub>
-                        <m:r>
-                          <a:rPr lang="en-US" sz="3200" i="1">
-                            <a:latin typeface="Cambria Math" panose="02040503050406030204" pitchFamily="18" charset="0"/>
-                          </a:rPr>
-                          <m:t>0</m:t>
-                        </m:r>
-                      </m:sub>
-                    </m:sSub>
-                    <m:r>
-                      <a:rPr lang="en-US" sz="3200" i="1">
-                        <a:latin typeface="Cambria Math" panose="02040503050406030204" pitchFamily="18" charset="0"/>
-                      </a:rPr>
-                      <m:t>≫1</m:t>
-                    </m:r>
-                  </m:oMath>
-                </a14:m>
-                <a:endParaRPr lang="en-US" sz="3200" dirty="0"/>
-              </a:p>
-              <a:p>
-                <a:pPr marL="0" indent="0">
-                  <a:buNone/>
-                </a:pPr>
-                <a:endParaRPr lang="en-US" dirty="0"/>
-              </a:p>
-            </p:txBody>
-          </p:sp>
-        </mc:Choice>
-        <mc:Fallback xmlns="">
-          <p:sp>
-            <p:nvSpPr>
-              <p:cNvPr id="3" name="Content Placeholder 2"/>
-              <p:cNvSpPr>
-                <a:spLocks noGrp="1" noRot="1" noChangeAspect="1" noMove="1" noResize="1" noEditPoints="1" noAdjustHandles="1" noChangeArrowheads="1" noChangeShapeType="1" noTextEdit="1"/>
-              </p:cNvSpPr>
-              <p:nvPr>
-                <p:ph idx="1"/>
-              </p:nvPr>
-            </p:nvSpPr>
-            <p:spPr>
-              <a:blipFill rotWithShape="0">
-                <a:blip r:embed="rId2"/>
-                <a:stretch>
-                  <a:fillRect t="-2801" r="-986"/>
-                </a:stretch>
-              </a:blipFill>
-            </p:spPr>
-            <p:txBody>
-              <a:bodyPr/>
-              <a:lstStyle/>
-              <a:p>
-                <a:r>
-                  <a:rPr lang="en-US">
-                    <a:noFill/>
-                  </a:rPr>
-                  <a:t> </a:t>
-                </a:r>
-              </a:p>
-            </p:txBody>
-          </p:sp>
-        </mc:Fallback>
-      </mc:AlternateContent>
-    </p:spTree>
-    <p:extLst>
-      <p:ext uri="{BB962C8B-B14F-4D97-AF65-F5344CB8AC3E}">
-        <p14:creationId xmlns:p14="http://schemas.microsoft.com/office/powerpoint/2010/main" val="1584008509"/>
-      </p:ext>
-    </p:extLst>
-  </p:cSld>
-  <p:clrMapOvr>
-    <a:masterClrMapping/>
-  </p:clrMapOvr>
-  <p:timing>
-    <p:tnLst>
-      <p:par>
-        <p:cTn id="1" dur="indefinite" restart="never" nodeType="tmRoot"/>
-      </p:par>
-    </p:tnLst>
-  </p:timing>
-</p:sld>
-</file>
-
-<file path=ppt/slides/slide20.xml><?xml version="1.0" encoding="utf-8"?>
+<file path=ppt/slides/slide21.xml><?xml version="1.0" encoding="utf-8"?>
 <p:sld xmlns:a="http://schemas.openxmlformats.org/drawingml/2006/main" xmlns:r="http://schemas.openxmlformats.org/officeDocument/2006/relationships" xmlns:p="http://schemas.openxmlformats.org/presentationml/2006/main">
   <p:cSld>
     <p:spTree>
@@ -24376,6 +24937,51 @@
           </a:fontRef>
         </p:style>
       </p:cxnSp>
+      <p:sp>
+        <p:nvSpPr>
+          <p:cNvPr id="31" name="Rectangle 30"/>
+          <p:cNvSpPr/>
+          <p:nvPr/>
+        </p:nvSpPr>
+        <p:spPr>
+          <a:xfrm>
+            <a:off x="3344309" y="6468944"/>
+            <a:ext cx="7577499" cy="338554"/>
+          </a:xfrm>
+          <a:prstGeom prst="rect">
+            <a:avLst/>
+          </a:prstGeom>
+        </p:spPr>
+        <p:txBody>
+          <a:bodyPr wrap="square">
+            <a:spAutoFit/>
+          </a:bodyPr>
+          <a:lstStyle/>
+          <a:p>
+            <a:r>
+              <a:rPr lang="en-US" sz="1600" i="1" dirty="0"/>
+              <a:t>Shay </a:t>
+            </a:r>
+            <a:r>
+              <a:rPr lang="en-US" sz="1600" i="1" dirty="0" err="1" smtClean="0"/>
+              <a:t>Hacohen-Gourgy</a:t>
+            </a:r>
+            <a:r>
+              <a:rPr lang="en-US" sz="1600" i="1" dirty="0" smtClean="0"/>
+              <a:t>, …, Irfan Siddiqi. </a:t>
+            </a:r>
+            <a:r>
+              <a:rPr lang="en-US" sz="1600" i="1" dirty="0"/>
+              <a:t>Nature </a:t>
+            </a:r>
+            <a:r>
+              <a:rPr lang="en-US" sz="1600" i="1" dirty="0" smtClean="0"/>
+              <a:t>538-7626 (2016).</a:t>
+            </a:r>
+            <a:endParaRPr lang="en-US" sz="1600" i="1" dirty="0"/>
+          </a:p>
+        </p:txBody>
+      </p:sp>
     </p:spTree>
     <p:extLst>
       <p:ext uri="{BB962C8B-B14F-4D97-AF65-F5344CB8AC3E}">
@@ -25973,6 +26579,102 @@
           </a:p>
         </p:txBody>
       </p:sp>
+      <p:sp>
+        <p:nvSpPr>
+          <p:cNvPr id="13" name="Rectangle 12"/>
+          <p:cNvSpPr/>
+          <p:nvPr/>
+        </p:nvSpPr>
+        <p:spPr>
+          <a:xfrm>
+            <a:off x="2991408" y="6468579"/>
+            <a:ext cx="7277686" cy="307777"/>
+          </a:xfrm>
+          <a:prstGeom prst="rect">
+            <a:avLst/>
+          </a:prstGeom>
+        </p:spPr>
+        <p:txBody>
+          <a:bodyPr wrap="square">
+            <a:spAutoFit/>
+          </a:bodyPr>
+          <a:lstStyle/>
+          <a:p>
+            <a:pPr fontAlgn="base"/>
+            <a:r>
+              <a:rPr lang="en-US" sz="1400" i="1" dirty="0">
+                <a:latin typeface="EB Garamond"/>
+              </a:rPr>
+              <a:t>A. </a:t>
+            </a:r>
+            <a:r>
+              <a:rPr lang="en-US" sz="1400" i="1" dirty="0" err="1" smtClean="0">
+                <a:latin typeface="EB Garamond"/>
+              </a:rPr>
+              <a:t>Eickbusch</a:t>
+            </a:r>
+            <a:r>
+              <a:rPr lang="en-US" sz="1400" i="1" dirty="0" smtClean="0">
+                <a:latin typeface="EB Garamond"/>
+              </a:rPr>
+              <a:t>, </a:t>
+            </a:r>
+            <a:r>
+              <a:rPr lang="en-US" sz="1400" i="1" dirty="0">
+                <a:latin typeface="EB Garamond"/>
+              </a:rPr>
+              <a:t>..., R. </a:t>
+            </a:r>
+            <a:r>
+              <a:rPr lang="en-US" sz="1400" i="1" dirty="0" err="1">
+                <a:latin typeface="EB Garamond"/>
+              </a:rPr>
+              <a:t>Schoelkopf</a:t>
+            </a:r>
+            <a:r>
+              <a:rPr lang="en-US" sz="1400" i="1" dirty="0">
+                <a:latin typeface="EB Garamond"/>
+              </a:rPr>
+              <a:t>, M. </a:t>
+            </a:r>
+            <a:r>
+              <a:rPr lang="en-US" sz="1400" i="1" dirty="0" err="1" smtClean="0">
+                <a:latin typeface="EB Garamond"/>
+              </a:rPr>
+              <a:t>Devoret</a:t>
+            </a:r>
+            <a:r>
+              <a:rPr lang="en-US" sz="1400" i="1" dirty="0" smtClean="0">
+                <a:latin typeface="EB Garamond"/>
+              </a:rPr>
+              <a:t>. </a:t>
+            </a:r>
+            <a:r>
+              <a:rPr lang="en-US" sz="1400" i="1" dirty="0" err="1"/>
+              <a:t>A</a:t>
+            </a:r>
+            <a:r>
+              <a:rPr lang="en-US" sz="1400" i="1" dirty="0" err="1" smtClean="0"/>
+              <a:t>rXiv</a:t>
+            </a:r>
+            <a:r>
+              <a:rPr lang="en-US" sz="1400" i="1" dirty="0" smtClean="0"/>
+              <a:t> </a:t>
+            </a:r>
+            <a:r>
+              <a:rPr lang="en-US" sz="1400" i="1" dirty="0"/>
+              <a:t>preprint </a:t>
+            </a:r>
+            <a:r>
+              <a:rPr lang="en-US" sz="1400" i="1" dirty="0" smtClean="0"/>
+              <a:t>arXiv:2111.06414 (2021)</a:t>
+            </a:r>
+            <a:endParaRPr lang="en-US" sz="1400" i="1" dirty="0">
+              <a:latin typeface="Noto Sans Symbols"/>
+            </a:endParaRPr>
+          </a:p>
+        </p:txBody>
+      </p:sp>
     </p:spTree>
     <p:extLst>
       <p:ext uri="{BB962C8B-B14F-4D97-AF65-F5344CB8AC3E}">
@@ -26038,8 +26740,8 @@
           </a:p>
         </p:txBody>
       </p:sp>
-      <mc:AlternateContent xmlns:mc="http://schemas.openxmlformats.org/markup-compatibility/2006">
-        <mc:Choice xmlns:a14="http://schemas.microsoft.com/office/drawing/2010/main" Requires="a14">
+      <mc:AlternateContent xmlns:mc="http://schemas.openxmlformats.org/markup-compatibility/2006" xmlns:a14="http://schemas.microsoft.com/office/drawing/2010/main">
+        <mc:Choice Requires="a14">
           <p:sp>
             <p:nvSpPr>
               <p:cNvPr id="5" name="Content Placeholder 4"/>
@@ -26224,7 +26926,7 @@
             </p:txBody>
           </p:sp>
         </mc:Choice>
-        <mc:Fallback>
+        <mc:Fallback xmlns="">
           <p:sp>
             <p:nvSpPr>
               <p:cNvPr id="5" name="Content Placeholder 4"/>
@@ -26262,8 +26964,8 @@
           </p:sp>
         </mc:Fallback>
       </mc:AlternateContent>
-      <mc:AlternateContent xmlns:mc="http://schemas.openxmlformats.org/markup-compatibility/2006">
-        <mc:Choice xmlns:a14="http://schemas.microsoft.com/office/drawing/2010/main" Requires="a14">
+      <mc:AlternateContent xmlns:mc="http://schemas.openxmlformats.org/markup-compatibility/2006" xmlns:a14="http://schemas.microsoft.com/office/drawing/2010/main">
+        <mc:Choice Requires="a14">
           <p:sp>
             <p:nvSpPr>
               <p:cNvPr id="6" name="Content Placeholder 5"/>
@@ -26377,7 +27079,7 @@
             </p:txBody>
           </p:sp>
         </mc:Choice>
-        <mc:Fallback>
+        <mc:Fallback xmlns="">
           <p:sp>
             <p:nvSpPr>
               <p:cNvPr id="6" name="Content Placeholder 5"/>
@@ -26904,8 +27606,8 @@
               </a:fontRef>
             </p:style>
           </p:cxnSp>
-          <mc:AlternateContent xmlns:mc="http://schemas.openxmlformats.org/markup-compatibility/2006">
-            <mc:Choice xmlns:a14="http://schemas.microsoft.com/office/drawing/2010/main" Requires="a14">
+          <mc:AlternateContent xmlns:mc="http://schemas.openxmlformats.org/markup-compatibility/2006" xmlns:a14="http://schemas.microsoft.com/office/drawing/2010/main">
+            <mc:Choice Requires="a14">
               <p:sp>
                 <p:nvSpPr>
                   <p:cNvPr id="35" name="TextBox 34"/>
@@ -26969,7 +27671,7 @@
                 </p:txBody>
               </p:sp>
             </mc:Choice>
-            <mc:Fallback>
+            <mc:Fallback xmlns="">
               <p:sp>
                 <p:nvSpPr>
                   <p:cNvPr id="35" name="TextBox 34"/>
@@ -27743,8 +28445,8 @@
             </p:sp>
           </mc:Fallback>
         </mc:AlternateContent>
-        <mc:AlternateContent xmlns:mc="http://schemas.openxmlformats.org/markup-compatibility/2006">
-          <mc:Choice xmlns:a14="http://schemas.microsoft.com/office/drawing/2010/main" Requires="a14">
+        <mc:AlternateContent xmlns:mc="http://schemas.openxmlformats.org/markup-compatibility/2006" xmlns:a14="http://schemas.microsoft.com/office/drawing/2010/main">
+          <mc:Choice Requires="a14">
             <p:sp>
               <p:nvSpPr>
                 <p:cNvPr id="31" name="TextBox 30"/>
@@ -27788,7 +28490,7 @@
               </p:txBody>
             </p:sp>
           </mc:Choice>
-          <mc:Fallback>
+          <mc:Fallback xmlns="">
             <p:sp>
               <p:nvSpPr>
                 <p:cNvPr id="31" name="TextBox 30"/>
@@ -28180,8 +28882,8 @@
                 </p:sp>
               </mc:Fallback>
             </mc:AlternateContent>
-            <mc:AlternateContent xmlns:mc="http://schemas.openxmlformats.org/markup-compatibility/2006">
-              <mc:Choice xmlns:a14="http://schemas.microsoft.com/office/drawing/2010/main" Requires="a14">
+            <mc:AlternateContent xmlns:mc="http://schemas.openxmlformats.org/markup-compatibility/2006" xmlns:a14="http://schemas.microsoft.com/office/drawing/2010/main">
+              <mc:Choice Requires="a14">
                 <p:sp>
                   <p:nvSpPr>
                     <p:cNvPr id="62" name="TextBox 61"/>
@@ -28242,7 +28944,7 @@
                   </p:txBody>
                 </p:sp>
               </mc:Choice>
-              <mc:Fallback>
+              <mc:Fallback xmlns="">
                 <p:sp>
                   <p:nvSpPr>
                     <p:cNvPr id="62" name="TextBox 61"/>
@@ -28588,8 +29290,8 @@
             </a:fontRef>
           </p:style>
         </p:cxnSp>
-        <mc:AlternateContent xmlns:mc="http://schemas.openxmlformats.org/markup-compatibility/2006">
-          <mc:Choice xmlns:a14="http://schemas.microsoft.com/office/drawing/2010/main" Requires="a14">
+        <mc:AlternateContent xmlns:mc="http://schemas.openxmlformats.org/markup-compatibility/2006" xmlns:a14="http://schemas.microsoft.com/office/drawing/2010/main">
+          <mc:Choice Requires="a14">
             <p:sp>
               <p:nvSpPr>
                 <p:cNvPr id="55" name="TextBox 54"/>
@@ -28665,7 +29367,7 @@
               </p:txBody>
             </p:sp>
           </mc:Choice>
-          <mc:Fallback>
+          <mc:Fallback xmlns="">
             <p:sp>
               <p:nvSpPr>
                 <p:cNvPr id="55" name="TextBox 54"/>

--- a/presentations/mcd.pptx
+++ b/presentations/mcd.pptx
@@ -20,12 +20,16 @@
     <p:sldId id="267" r:id="rId14"/>
     <p:sldId id="263" r:id="rId15"/>
     <p:sldId id="266" r:id="rId16"/>
-    <p:sldId id="268" r:id="rId17"/>
-    <p:sldId id="276" r:id="rId18"/>
-    <p:sldId id="278" r:id="rId19"/>
-    <p:sldId id="270" r:id="rId20"/>
-    <p:sldId id="260" r:id="rId21"/>
-    <p:sldId id="277" r:id="rId22"/>
+    <p:sldId id="280" r:id="rId17"/>
+    <p:sldId id="281" r:id="rId18"/>
+    <p:sldId id="282" r:id="rId19"/>
+    <p:sldId id="283" r:id="rId20"/>
+    <p:sldId id="268" r:id="rId21"/>
+    <p:sldId id="276" r:id="rId22"/>
+    <p:sldId id="278" r:id="rId23"/>
+    <p:sldId id="270" r:id="rId24"/>
+    <p:sldId id="260" r:id="rId25"/>
+    <p:sldId id="277" r:id="rId26"/>
   </p:sldIdLst>
   <p:sldSz cx="12192000" cy="6858000"/>
   <p:notesSz cx="6858000" cy="9144000"/>
@@ -263,7 +267,7 @@
           <a:p>
             <a:fld id="{A7130FF2-EB90-42DA-9729-A8D0DAD28543}" type="datetimeFigureOut">
               <a:rPr lang="en-US" smtClean="0"/>
-              <a:t>8/16/2022</a:t>
+              <a:t>8/29/2022</a:t>
             </a:fld>
             <a:endParaRPr lang="en-US"/>
           </a:p>
@@ -433,7 +437,7 @@
           <a:p>
             <a:fld id="{A7130FF2-EB90-42DA-9729-A8D0DAD28543}" type="datetimeFigureOut">
               <a:rPr lang="en-US" smtClean="0"/>
-              <a:t>8/16/2022</a:t>
+              <a:t>8/29/2022</a:t>
             </a:fld>
             <a:endParaRPr lang="en-US"/>
           </a:p>
@@ -613,7 +617,7 @@
           <a:p>
             <a:fld id="{A7130FF2-EB90-42DA-9729-A8D0DAD28543}" type="datetimeFigureOut">
               <a:rPr lang="en-US" smtClean="0"/>
-              <a:t>8/16/2022</a:t>
+              <a:t>8/29/2022</a:t>
             </a:fld>
             <a:endParaRPr lang="en-US"/>
           </a:p>
@@ -783,7 +787,7 @@
           <a:p>
             <a:fld id="{A7130FF2-EB90-42DA-9729-A8D0DAD28543}" type="datetimeFigureOut">
               <a:rPr lang="en-US" smtClean="0"/>
-              <a:t>8/16/2022</a:t>
+              <a:t>8/29/2022</a:t>
             </a:fld>
             <a:endParaRPr lang="en-US"/>
           </a:p>
@@ -1029,7 +1033,7 @@
           <a:p>
             <a:fld id="{A7130FF2-EB90-42DA-9729-A8D0DAD28543}" type="datetimeFigureOut">
               <a:rPr lang="en-US" smtClean="0"/>
-              <a:t>8/16/2022</a:t>
+              <a:t>8/29/2022</a:t>
             </a:fld>
             <a:endParaRPr lang="en-US"/>
           </a:p>
@@ -1261,7 +1265,7 @@
           <a:p>
             <a:fld id="{A7130FF2-EB90-42DA-9729-A8D0DAD28543}" type="datetimeFigureOut">
               <a:rPr lang="en-US" smtClean="0"/>
-              <a:t>8/16/2022</a:t>
+              <a:t>8/29/2022</a:t>
             </a:fld>
             <a:endParaRPr lang="en-US"/>
           </a:p>
@@ -1628,7 +1632,7 @@
           <a:p>
             <a:fld id="{A7130FF2-EB90-42DA-9729-A8D0DAD28543}" type="datetimeFigureOut">
               <a:rPr lang="en-US" smtClean="0"/>
-              <a:t>8/16/2022</a:t>
+              <a:t>8/29/2022</a:t>
             </a:fld>
             <a:endParaRPr lang="en-US"/>
           </a:p>
@@ -1746,7 +1750,7 @@
           <a:p>
             <a:fld id="{A7130FF2-EB90-42DA-9729-A8D0DAD28543}" type="datetimeFigureOut">
               <a:rPr lang="en-US" smtClean="0"/>
-              <a:t>8/16/2022</a:t>
+              <a:t>8/29/2022</a:t>
             </a:fld>
             <a:endParaRPr lang="en-US"/>
           </a:p>
@@ -1841,7 +1845,7 @@
           <a:p>
             <a:fld id="{A7130FF2-EB90-42DA-9729-A8D0DAD28543}" type="datetimeFigureOut">
               <a:rPr lang="en-US" smtClean="0"/>
-              <a:t>8/16/2022</a:t>
+              <a:t>8/29/2022</a:t>
             </a:fld>
             <a:endParaRPr lang="en-US"/>
           </a:p>
@@ -2118,7 +2122,7 @@
           <a:p>
             <a:fld id="{A7130FF2-EB90-42DA-9729-A8D0DAD28543}" type="datetimeFigureOut">
               <a:rPr lang="en-US" smtClean="0"/>
-              <a:t>8/16/2022</a:t>
+              <a:t>8/29/2022</a:t>
             </a:fld>
             <a:endParaRPr lang="en-US"/>
           </a:p>
@@ -2371,7 +2375,7 @@
           <a:p>
             <a:fld id="{A7130FF2-EB90-42DA-9729-A8D0DAD28543}" type="datetimeFigureOut">
               <a:rPr lang="en-US" smtClean="0"/>
-              <a:t>8/16/2022</a:t>
+              <a:t>8/29/2022</a:t>
             </a:fld>
             <a:endParaRPr lang="en-US"/>
           </a:p>
@@ -2584,7 +2588,7 @@
           <a:p>
             <a:fld id="{A7130FF2-EB90-42DA-9729-A8D0DAD28543}" type="datetimeFigureOut">
               <a:rPr lang="en-US" smtClean="0"/>
-              <a:t>8/16/2022</a:t>
+              <a:t>8/29/2022</a:t>
             </a:fld>
             <a:endParaRPr lang="en-US"/>
           </a:p>
@@ -3027,7 +3031,30 @@
           <a:bodyPr/>
           <a:lstStyle/>
           <a:p>
-            <a:endParaRPr lang="en-US"/>
+            <a:r>
+              <a:rPr lang="en-US" dirty="0" smtClean="0"/>
+              <a:t>August 28, 2022</a:t>
+            </a:r>
+            <a:endParaRPr lang="en-US" dirty="0" smtClean="0"/>
+          </a:p>
+          <a:p>
+            <a:r>
+              <a:rPr lang="en-US" dirty="0" smtClean="0"/>
+              <a:t>Eesh Gupta, </a:t>
+            </a:r>
+            <a:r>
+              <a:rPr lang="en-US" dirty="0" err="1" smtClean="0"/>
+              <a:t>Srivatsan</a:t>
+            </a:r>
+            <a:r>
+              <a:rPr lang="en-US" dirty="0" smtClean="0"/>
+              <a:t> </a:t>
+            </a:r>
+            <a:r>
+              <a:rPr lang="en-US" dirty="0" err="1" smtClean="0"/>
+              <a:t>Chakram</a:t>
+            </a:r>
+            <a:endParaRPr lang="en-US" dirty="0"/>
           </a:p>
         </p:txBody>
       </p:sp>
@@ -3767,6 +3794,13 @@
   <p:clrMapOvr>
     <a:masterClrMapping/>
   </p:clrMapOvr>
+  <p:timing>
+    <p:tnLst>
+      <p:par>
+        <p:cTn id="1" dur="indefinite" restart="never" nodeType="tmRoot"/>
+      </p:par>
+    </p:tnLst>
+  </p:timing>
 </p:sld>
 </file>
 
@@ -6943,6 +6977,13 @@
   <p:clrMapOvr>
     <a:masterClrMapping/>
   </p:clrMapOvr>
+  <p:timing>
+    <p:tnLst>
+      <p:par>
+        <p:cTn id="1" dur="indefinite" restart="never" nodeType="tmRoot"/>
+      </p:par>
+    </p:tnLst>
+  </p:timing>
 </p:sld>
 </file>
 
@@ -8912,6 +8953,13 @@
   <p:clrMapOvr>
     <a:masterClrMapping/>
   </p:clrMapOvr>
+  <p:timing>
+    <p:tnLst>
+      <p:par>
+        <p:cTn id="1" dur="indefinite" restart="never" nodeType="tmRoot"/>
+      </p:par>
+    </p:tnLst>
+  </p:timing>
 </p:sld>
 </file>
 
@@ -9112,6 +9160,13 @@
   <p:clrMapOvr>
     <a:masterClrMapping/>
   </p:clrMapOvr>
+  <p:timing>
+    <p:tnLst>
+      <p:par>
+        <p:cTn id="1" dur="indefinite" restart="never" nodeType="tmRoot"/>
+      </p:par>
+    </p:tnLst>
+  </p:timing>
 </p:sld>
 </file>
 
@@ -9375,6 +9430,1685 @@
 </file>
 
 <file path=ppt/slides/slide16.xml><?xml version="1.0" encoding="utf-8"?>
+<p:sld xmlns:a="http://schemas.openxmlformats.org/drawingml/2006/main" xmlns:r="http://schemas.openxmlformats.org/officeDocument/2006/relationships" xmlns:p="http://schemas.openxmlformats.org/presentationml/2006/main">
+  <p:cSld>
+    <p:spTree>
+      <p:nvGrpSpPr>
+        <p:cNvPr id="1" name=""/>
+        <p:cNvGrpSpPr/>
+        <p:nvPr/>
+      </p:nvGrpSpPr>
+      <p:grpSpPr>
+        <a:xfrm>
+          <a:off x="0" y="0"/>
+          <a:ext cx="0" cy="0"/>
+          <a:chOff x="0" y="0"/>
+          <a:chExt cx="0" cy="0"/>
+        </a:xfrm>
+      </p:grpSpPr>
+      <p:sp>
+        <p:nvSpPr>
+          <p:cNvPr id="2" name="Title 1"/>
+          <p:cNvSpPr>
+            <a:spLocks noGrp="1"/>
+          </p:cNvSpPr>
+          <p:nvPr>
+            <p:ph type="title"/>
+          </p:nvPr>
+        </p:nvSpPr>
+        <p:spPr/>
+        <p:txBody>
+          <a:bodyPr/>
+          <a:lstStyle/>
+          <a:p>
+            <a:r>
+              <a:rPr lang="en-US" dirty="0" smtClean="0"/>
+              <a:t>Two Mode ECD: </a:t>
+            </a:r>
+            <a:r>
+              <a:rPr lang="en-US" sz="3600" dirty="0" smtClean="0"/>
+              <a:t>Simultaneous State Transfer</a:t>
+            </a:r>
+            <a:endParaRPr lang="en-US" dirty="0"/>
+          </a:p>
+        </p:txBody>
+      </p:sp>
+      <p:pic>
+        <p:nvPicPr>
+          <p:cNvPr id="7" name="Picture 6"/>
+          <p:cNvPicPr>
+            <a:picLocks noChangeAspect="1"/>
+          </p:cNvPicPr>
+          <p:nvPr/>
+        </p:nvPicPr>
+        <p:blipFill rotWithShape="1">
+          <a:blip r:embed="rId2"/>
+          <a:srcRect t="10964"/>
+          <a:stretch/>
+        </p:blipFill>
+        <p:spPr>
+          <a:xfrm>
+            <a:off x="1592179" y="2307806"/>
+            <a:ext cx="9761621" cy="4345657"/>
+          </a:xfrm>
+          <a:prstGeom prst="rect">
+            <a:avLst/>
+          </a:prstGeom>
+        </p:spPr>
+      </p:pic>
+      <mc:AlternateContent xmlns:mc="http://schemas.openxmlformats.org/markup-compatibility/2006">
+        <mc:Choice xmlns:a14="http://schemas.microsoft.com/office/drawing/2010/main" Requires="a14">
+          <p:sp>
+            <p:nvSpPr>
+              <p:cNvPr id="8" name="TextBox 7"/>
+              <p:cNvSpPr txBox="1"/>
+              <p:nvPr/>
+            </p:nvSpPr>
+            <p:spPr>
+              <a:xfrm>
+                <a:off x="2510156" y="1732183"/>
+                <a:ext cx="7481985" cy="369332"/>
+              </a:xfrm>
+              <a:prstGeom prst="rect">
+                <a:avLst/>
+              </a:prstGeom>
+              <a:noFill/>
+            </p:spPr>
+            <p:txBody>
+              <a:bodyPr wrap="none" lIns="0" tIns="0" rIns="0" bIns="0" rtlCol="0">
+                <a:spAutoFit/>
+              </a:bodyPr>
+              <a:lstStyle/>
+              <a:p>
+                <a14:m>
+                  <m:oMath xmlns:m="http://schemas.openxmlformats.org/officeDocument/2006/math">
+                    <m:r>
+                      <a:rPr lang="en-US" sz="2400" b="1" i="1" smtClean="0">
+                        <a:latin typeface="Cambria Math" panose="02040503050406030204" pitchFamily="18" charset="0"/>
+                      </a:rPr>
+                      <m:t>𝒈</m:t>
+                    </m:r>
+                    <m:r>
+                      <a:rPr lang="en-US" sz="2400" b="1" i="1" smtClean="0">
+                        <a:latin typeface="Cambria Math" panose="02040503050406030204" pitchFamily="18" charset="0"/>
+                      </a:rPr>
+                      <m:t>𝟎𝟏</m:t>
+                    </m:r>
+                    <m:r>
+                      <a:rPr lang="en-US" sz="2400" b="1" i="1" smtClean="0">
+                        <a:latin typeface="Cambria Math" panose="02040503050406030204" pitchFamily="18" charset="0"/>
+                      </a:rPr>
+                      <m:t> →</m:t>
+                    </m:r>
+                    <m:r>
+                      <a:rPr lang="en-US" sz="2400" b="1" i="1" smtClean="0">
+                        <a:latin typeface="Cambria Math" panose="02040503050406030204" pitchFamily="18" charset="0"/>
+                      </a:rPr>
+                      <m:t>𝒈</m:t>
+                    </m:r>
+                    <m:r>
+                      <a:rPr lang="en-US" sz="2400" b="1" i="1" smtClean="0">
+                        <a:latin typeface="Cambria Math" panose="02040503050406030204" pitchFamily="18" charset="0"/>
+                      </a:rPr>
+                      <m:t>𝟏𝟎</m:t>
+                    </m:r>
+                    <m:r>
+                      <a:rPr lang="en-US" sz="2400" b="1" i="1" smtClean="0">
+                        <a:latin typeface="Cambria Math" panose="02040503050406030204" pitchFamily="18" charset="0"/>
+                      </a:rPr>
+                      <m:t>   </m:t>
+                    </m:r>
+                  </m:oMath>
+                </a14:m>
+                <a:r>
+                  <a:rPr lang="en-US" sz="2400" dirty="0" smtClean="0"/>
+                  <a:t>and   </a:t>
+                </a:r>
+                <a14:m>
+                  <m:oMath xmlns:m="http://schemas.openxmlformats.org/officeDocument/2006/math">
+                    <m:r>
+                      <a:rPr lang="en-US" sz="2400" b="1" i="1">
+                        <a:latin typeface="Cambria Math" panose="02040503050406030204" pitchFamily="18" charset="0"/>
+                      </a:rPr>
+                      <m:t>𝒈</m:t>
+                    </m:r>
+                    <m:r>
+                      <a:rPr lang="en-US" sz="2400" b="1" i="1">
+                        <a:latin typeface="Cambria Math" panose="02040503050406030204" pitchFamily="18" charset="0"/>
+                      </a:rPr>
+                      <m:t>𝟎𝟐</m:t>
+                    </m:r>
+                    <m:r>
+                      <a:rPr lang="en-US" sz="2400" b="1" i="1">
+                        <a:latin typeface="Cambria Math" panose="02040503050406030204" pitchFamily="18" charset="0"/>
+                      </a:rPr>
+                      <m:t> →</m:t>
+                    </m:r>
+                    <m:r>
+                      <a:rPr lang="en-US" sz="2400" b="1" i="1">
+                        <a:latin typeface="Cambria Math" panose="02040503050406030204" pitchFamily="18" charset="0"/>
+                      </a:rPr>
+                      <m:t>𝒈</m:t>
+                    </m:r>
+                    <m:r>
+                      <a:rPr lang="en-US" sz="2400" b="1" i="1" smtClean="0">
+                        <a:latin typeface="Cambria Math" panose="02040503050406030204" pitchFamily="18" charset="0"/>
+                      </a:rPr>
+                      <m:t>𝟐</m:t>
+                    </m:r>
+                    <m:r>
+                      <a:rPr lang="en-US" sz="2400" b="1" i="1">
+                        <a:latin typeface="Cambria Math" panose="02040503050406030204" pitchFamily="18" charset="0"/>
+                      </a:rPr>
+                      <m:t>𝟎</m:t>
+                    </m:r>
+                  </m:oMath>
+                </a14:m>
+                <a:r>
+                  <a:rPr lang="en-US" sz="2400" b="1" dirty="0" smtClean="0"/>
+                  <a:t>    </a:t>
+                </a:r>
+                <a:r>
+                  <a:rPr lang="en-US" sz="2400" dirty="0" smtClean="0"/>
+                  <a:t>(15 levels in each mode)</a:t>
+                </a:r>
+                <a:endParaRPr lang="en-US" sz="2400" dirty="0"/>
+              </a:p>
+            </p:txBody>
+          </p:sp>
+        </mc:Choice>
+        <mc:Fallback>
+          <p:sp>
+            <p:nvSpPr>
+              <p:cNvPr id="8" name="TextBox 7"/>
+              <p:cNvSpPr txBox="1">
+                <a:spLocks noRot="1" noChangeAspect="1" noMove="1" noResize="1" noEditPoints="1" noAdjustHandles="1" noChangeArrowheads="1" noChangeShapeType="1" noTextEdit="1"/>
+              </p:cNvSpPr>
+              <p:nvPr/>
+            </p:nvSpPr>
+            <p:spPr>
+              <a:xfrm>
+                <a:off x="2510156" y="1732183"/>
+                <a:ext cx="7481985" cy="369332"/>
+              </a:xfrm>
+              <a:prstGeom prst="rect">
+                <a:avLst/>
+              </a:prstGeom>
+              <a:blipFill rotWithShape="0">
+                <a:blip r:embed="rId3"/>
+                <a:stretch>
+                  <a:fillRect l="-1874" t="-24590" r="-1467" b="-49180"/>
+                </a:stretch>
+              </a:blipFill>
+            </p:spPr>
+            <p:txBody>
+              <a:bodyPr/>
+              <a:lstStyle/>
+              <a:p>
+                <a:r>
+                  <a:rPr lang="en-US">
+                    <a:noFill/>
+                  </a:rPr>
+                  <a:t> </a:t>
+                </a:r>
+              </a:p>
+            </p:txBody>
+          </p:sp>
+        </mc:Fallback>
+      </mc:AlternateContent>
+    </p:spTree>
+    <p:extLst>
+      <p:ext uri="{BB962C8B-B14F-4D97-AF65-F5344CB8AC3E}">
+        <p14:creationId xmlns:p14="http://schemas.microsoft.com/office/powerpoint/2010/main" val="348423343"/>
+      </p:ext>
+    </p:extLst>
+  </p:cSld>
+  <p:clrMapOvr>
+    <a:masterClrMapping/>
+  </p:clrMapOvr>
+  <p:timing>
+    <p:tnLst>
+      <p:par>
+        <p:cTn id="1" dur="indefinite" restart="never" nodeType="tmRoot"/>
+      </p:par>
+    </p:tnLst>
+  </p:timing>
+</p:sld>
+</file>
+
+<file path=ppt/slides/slide17.xml><?xml version="1.0" encoding="utf-8"?>
+<p:sld xmlns:a="http://schemas.openxmlformats.org/drawingml/2006/main" xmlns:r="http://schemas.openxmlformats.org/officeDocument/2006/relationships" xmlns:p="http://schemas.openxmlformats.org/presentationml/2006/main">
+  <p:cSld>
+    <p:spTree>
+      <p:nvGrpSpPr>
+        <p:cNvPr id="1" name=""/>
+        <p:cNvGrpSpPr/>
+        <p:nvPr/>
+      </p:nvGrpSpPr>
+      <p:grpSpPr>
+        <a:xfrm>
+          <a:off x="0" y="0"/>
+          <a:ext cx="0" cy="0"/>
+          <a:chOff x="0" y="0"/>
+          <a:chExt cx="0" cy="0"/>
+        </a:xfrm>
+      </p:grpSpPr>
+      <p:sp>
+        <p:nvSpPr>
+          <p:cNvPr id="2" name="Title 1"/>
+          <p:cNvSpPr>
+            <a:spLocks noGrp="1"/>
+          </p:cNvSpPr>
+          <p:nvPr>
+            <p:ph type="title"/>
+          </p:nvPr>
+        </p:nvSpPr>
+        <p:spPr/>
+        <p:txBody>
+          <a:bodyPr/>
+          <a:lstStyle/>
+          <a:p>
+            <a:r>
+              <a:rPr lang="en-US" dirty="0"/>
+              <a:t>Two Mode ECD: Simultaneous State Transfer</a:t>
+            </a:r>
+          </a:p>
+        </p:txBody>
+      </p:sp>
+      <p:pic>
+        <p:nvPicPr>
+          <p:cNvPr id="6" name="Picture 5"/>
+          <p:cNvPicPr>
+            <a:picLocks noChangeAspect="1"/>
+          </p:cNvPicPr>
+          <p:nvPr/>
+        </p:nvPicPr>
+        <p:blipFill>
+          <a:blip r:embed="rId2" cstate="print">
+            <a:extLst>
+              <a:ext uri="{28A0092B-C50C-407E-A947-70E740481C1C}">
+                <a14:useLocalDpi xmlns:a14="http://schemas.microsoft.com/office/drawing/2010/main" val="0"/>
+              </a:ext>
+            </a:extLst>
+          </a:blip>
+          <a:stretch>
+            <a:fillRect/>
+          </a:stretch>
+        </p:blipFill>
+        <p:spPr>
+          <a:xfrm>
+            <a:off x="4788568" y="1468655"/>
+            <a:ext cx="6736681" cy="5389345"/>
+          </a:xfrm>
+          <a:prstGeom prst="rect">
+            <a:avLst/>
+          </a:prstGeom>
+        </p:spPr>
+      </p:pic>
+      <mc:AlternateContent xmlns:mc="http://schemas.openxmlformats.org/markup-compatibility/2006">
+        <mc:Choice xmlns:a14="http://schemas.microsoft.com/office/drawing/2010/main" Requires="a14">
+          <p:sp>
+            <p:nvSpPr>
+              <p:cNvPr id="7" name="Rectangle 6"/>
+              <p:cNvSpPr/>
+              <p:nvPr/>
+            </p:nvSpPr>
+            <p:spPr>
+              <a:xfrm>
+                <a:off x="811132" y="2473850"/>
+                <a:ext cx="3038974" cy="2800767"/>
+              </a:xfrm>
+              <a:prstGeom prst="rect">
+                <a:avLst/>
+              </a:prstGeom>
+            </p:spPr>
+            <p:txBody>
+              <a:bodyPr wrap="square">
+                <a:spAutoFit/>
+              </a:bodyPr>
+              <a:lstStyle/>
+              <a:p>
+                <a:pPr marL="342900" indent="-342900">
+                  <a:buFont typeface="Arial" panose="020B0604020202020204" pitchFamily="34" charset="0"/>
+                  <a:buChar char="•"/>
+                </a:pPr>
+                <a:r>
+                  <a:rPr lang="en-US" sz="2400" b="1" dirty="0" smtClean="0">
+                    <a:latin typeface="Cambria Math" panose="02040503050406030204" pitchFamily="18" charset="0"/>
+                  </a:rPr>
+                  <a:t>Parameters Optimized </a:t>
+                </a:r>
+                <a:r>
+                  <a:rPr lang="en-US" sz="2400" dirty="0" smtClean="0">
+                    <a:latin typeface="Cambria Math" panose="02040503050406030204" pitchFamily="18" charset="0"/>
+                  </a:rPr>
+                  <a:t>for both </a:t>
+                </a:r>
+                <a14:m>
+                  <m:oMath xmlns:m="http://schemas.openxmlformats.org/officeDocument/2006/math">
+                    <m:r>
+                      <a:rPr lang="en-US" sz="2400" b="0" i="1">
+                        <a:latin typeface="Cambria Math" panose="02040503050406030204" pitchFamily="18" charset="0"/>
+                      </a:rPr>
+                      <m:t>𝑔</m:t>
+                    </m:r>
+                    <m:r>
+                      <a:rPr lang="en-US" sz="2400" b="0" i="1">
+                        <a:latin typeface="Cambria Math" panose="02040503050406030204" pitchFamily="18" charset="0"/>
+                      </a:rPr>
+                      <m:t>01 →</m:t>
+                    </m:r>
+                    <m:r>
+                      <a:rPr lang="en-US" sz="2400" b="0" i="1">
+                        <a:latin typeface="Cambria Math" panose="02040503050406030204" pitchFamily="18" charset="0"/>
+                      </a:rPr>
+                      <m:t>𝑔</m:t>
+                    </m:r>
+                    <m:r>
+                      <a:rPr lang="en-US" sz="2400" b="0" i="1">
+                        <a:latin typeface="Cambria Math" panose="02040503050406030204" pitchFamily="18" charset="0"/>
+                      </a:rPr>
+                      <m:t>10 </m:t>
+                    </m:r>
+                  </m:oMath>
+                </a14:m>
+                <a:r>
+                  <a:rPr lang="en-US" sz="2400" dirty="0" smtClean="0"/>
+                  <a:t>and   </a:t>
+                </a:r>
+                <a14:m>
+                  <m:oMath xmlns:m="http://schemas.openxmlformats.org/officeDocument/2006/math">
+                    <m:r>
+                      <a:rPr lang="en-US" sz="2400" b="0" i="1">
+                        <a:latin typeface="Cambria Math" panose="02040503050406030204" pitchFamily="18" charset="0"/>
+                      </a:rPr>
+                      <m:t>𝑔</m:t>
+                    </m:r>
+                    <m:r>
+                      <a:rPr lang="en-US" sz="2400" b="0" i="1">
+                        <a:latin typeface="Cambria Math" panose="02040503050406030204" pitchFamily="18" charset="0"/>
+                      </a:rPr>
+                      <m:t>02 →</m:t>
+                    </m:r>
+                    <m:r>
+                      <a:rPr lang="en-US" sz="2400" b="0" i="1">
+                        <a:latin typeface="Cambria Math" panose="02040503050406030204" pitchFamily="18" charset="0"/>
+                      </a:rPr>
+                      <m:t>𝑔</m:t>
+                    </m:r>
+                    <m:r>
+                      <a:rPr lang="en-US" sz="2400" b="0" i="1">
+                        <a:latin typeface="Cambria Math" panose="02040503050406030204" pitchFamily="18" charset="0"/>
+                      </a:rPr>
+                      <m:t>2</m:t>
+                    </m:r>
+                    <m:r>
+                      <a:rPr lang="en-US" sz="2400" b="0" i="1">
+                        <a:latin typeface="Cambria Math" panose="02040503050406030204" pitchFamily="18" charset="0"/>
+                      </a:rPr>
+                      <m:t>0</m:t>
+                    </m:r>
+                  </m:oMath>
+                </a14:m>
+                <a:endParaRPr lang="en-US" sz="2400" dirty="0" smtClean="0"/>
+              </a:p>
+              <a:p>
+                <a:pPr marL="342900" indent="-342900">
+                  <a:buFont typeface="Arial" panose="020B0604020202020204" pitchFamily="34" charset="0"/>
+                  <a:buChar char="•"/>
+                </a:pPr>
+                <a:endParaRPr lang="en-US" sz="2400" b="1" dirty="0" smtClean="0"/>
+              </a:p>
+              <a:p>
+                <a:pPr marL="342900" indent="-342900">
+                  <a:buFont typeface="Arial" panose="020B0604020202020204" pitchFamily="34" charset="0"/>
+                  <a:buChar char="•"/>
+                </a:pPr>
+                <a:r>
+                  <a:rPr lang="en-US" sz="2400" b="1" dirty="0" err="1" smtClean="0"/>
+                  <a:t>Qutip</a:t>
+                </a:r>
+                <a:r>
+                  <a:rPr lang="en-US" sz="2400" b="1" dirty="0" smtClean="0"/>
+                  <a:t> Simulation </a:t>
+                </a:r>
+                <a:r>
+                  <a:rPr lang="en-US" sz="2400" dirty="0" smtClean="0"/>
+                  <a:t>of </a:t>
+                </a:r>
+                <a14:m>
+                  <m:oMath xmlns:m="http://schemas.openxmlformats.org/officeDocument/2006/math">
+                    <m:r>
+                      <a:rPr lang="en-US" sz="3200" b="0" i="1" smtClean="0">
+                        <a:solidFill>
+                          <a:schemeClr val="accent2">
+                            <a:lumMod val="75000"/>
+                          </a:schemeClr>
+                        </a:solidFill>
+                        <a:latin typeface="Cambria Math" panose="02040503050406030204" pitchFamily="18" charset="0"/>
+                      </a:rPr>
+                      <m:t>𝑔</m:t>
+                    </m:r>
+                    <m:r>
+                      <a:rPr lang="en-US" sz="3200" b="0" i="1" smtClean="0">
+                        <a:solidFill>
+                          <a:schemeClr val="accent2">
+                            <a:lumMod val="75000"/>
+                          </a:schemeClr>
+                        </a:solidFill>
+                        <a:latin typeface="Cambria Math" panose="02040503050406030204" pitchFamily="18" charset="0"/>
+                      </a:rPr>
+                      <m:t>01 →</m:t>
+                    </m:r>
+                    <m:r>
+                      <a:rPr lang="en-US" sz="3200" b="0" i="1" smtClean="0">
+                        <a:solidFill>
+                          <a:srgbClr val="C51907"/>
+                        </a:solidFill>
+                        <a:latin typeface="Cambria Math" panose="02040503050406030204" pitchFamily="18" charset="0"/>
+                      </a:rPr>
+                      <m:t>𝑔</m:t>
+                    </m:r>
+                    <m:r>
+                      <a:rPr lang="en-US" sz="3200" b="0" i="1" smtClean="0">
+                        <a:solidFill>
+                          <a:srgbClr val="C51907"/>
+                        </a:solidFill>
+                        <a:latin typeface="Cambria Math" panose="02040503050406030204" pitchFamily="18" charset="0"/>
+                      </a:rPr>
+                      <m:t>10 </m:t>
+                    </m:r>
+                  </m:oMath>
+                </a14:m>
+                <a:endParaRPr lang="en-US" sz="3200" dirty="0"/>
+              </a:p>
+            </p:txBody>
+          </p:sp>
+        </mc:Choice>
+        <mc:Fallback>
+          <p:sp>
+            <p:nvSpPr>
+              <p:cNvPr id="7" name="Rectangle 6"/>
+              <p:cNvSpPr>
+                <a:spLocks noRot="1" noChangeAspect="1" noMove="1" noResize="1" noEditPoints="1" noAdjustHandles="1" noChangeArrowheads="1" noChangeShapeType="1" noTextEdit="1"/>
+              </p:cNvSpPr>
+              <p:nvPr/>
+            </p:nvSpPr>
+            <p:spPr>
+              <a:xfrm>
+                <a:off x="811132" y="2473850"/>
+                <a:ext cx="3038974" cy="2800767"/>
+              </a:xfrm>
+              <a:prstGeom prst="rect">
+                <a:avLst/>
+              </a:prstGeom>
+              <a:blipFill rotWithShape="0">
+                <a:blip r:embed="rId3"/>
+                <a:stretch>
+                  <a:fillRect l="-2605" t="-1743" r="-3808"/>
+                </a:stretch>
+              </a:blipFill>
+            </p:spPr>
+            <p:txBody>
+              <a:bodyPr/>
+              <a:lstStyle/>
+              <a:p>
+                <a:r>
+                  <a:rPr lang="en-US">
+                    <a:noFill/>
+                  </a:rPr>
+                  <a:t> </a:t>
+                </a:r>
+              </a:p>
+            </p:txBody>
+          </p:sp>
+        </mc:Fallback>
+      </mc:AlternateContent>
+    </p:spTree>
+    <p:extLst>
+      <p:ext uri="{BB962C8B-B14F-4D97-AF65-F5344CB8AC3E}">
+        <p14:creationId xmlns:p14="http://schemas.microsoft.com/office/powerpoint/2010/main" val="1410223556"/>
+      </p:ext>
+    </p:extLst>
+  </p:cSld>
+  <p:clrMapOvr>
+    <a:masterClrMapping/>
+  </p:clrMapOvr>
+  <p:timing>
+    <p:tnLst>
+      <p:par>
+        <p:cTn id="1" dur="indefinite" restart="never" nodeType="tmRoot"/>
+      </p:par>
+    </p:tnLst>
+  </p:timing>
+</p:sld>
+</file>
+
+<file path=ppt/slides/slide18.xml><?xml version="1.0" encoding="utf-8"?>
+<p:sld xmlns:a="http://schemas.openxmlformats.org/drawingml/2006/main" xmlns:r="http://schemas.openxmlformats.org/officeDocument/2006/relationships" xmlns:p="http://schemas.openxmlformats.org/presentationml/2006/main">
+  <p:cSld>
+    <p:spTree>
+      <p:nvGrpSpPr>
+        <p:cNvPr id="1" name=""/>
+        <p:cNvGrpSpPr/>
+        <p:nvPr/>
+      </p:nvGrpSpPr>
+      <p:grpSpPr>
+        <a:xfrm>
+          <a:off x="0" y="0"/>
+          <a:ext cx="0" cy="0"/>
+          <a:chOff x="0" y="0"/>
+          <a:chExt cx="0" cy="0"/>
+        </a:xfrm>
+      </p:grpSpPr>
+      <p:sp>
+        <p:nvSpPr>
+          <p:cNvPr id="2" name="Title 1"/>
+          <p:cNvSpPr>
+            <a:spLocks noGrp="1"/>
+          </p:cNvSpPr>
+          <p:nvPr>
+            <p:ph type="title"/>
+          </p:nvPr>
+        </p:nvSpPr>
+        <p:spPr/>
+        <p:txBody>
+          <a:bodyPr/>
+          <a:lstStyle/>
+          <a:p>
+            <a:r>
+              <a:rPr lang="en-US" dirty="0"/>
+              <a:t>Two Mode ECD: Simultaneous State Transfer</a:t>
+            </a:r>
+          </a:p>
+        </p:txBody>
+      </p:sp>
+      <mc:AlternateContent xmlns:mc="http://schemas.openxmlformats.org/markup-compatibility/2006">
+        <mc:Choice xmlns:a14="http://schemas.microsoft.com/office/drawing/2010/main" Requires="a14">
+          <p:sp>
+            <p:nvSpPr>
+              <p:cNvPr id="7" name="Rectangle 6"/>
+              <p:cNvSpPr/>
+              <p:nvPr/>
+            </p:nvSpPr>
+            <p:spPr>
+              <a:xfrm>
+                <a:off x="811132" y="2473850"/>
+                <a:ext cx="3038974" cy="2800767"/>
+              </a:xfrm>
+              <a:prstGeom prst="rect">
+                <a:avLst/>
+              </a:prstGeom>
+            </p:spPr>
+            <p:txBody>
+              <a:bodyPr wrap="square">
+                <a:spAutoFit/>
+              </a:bodyPr>
+              <a:lstStyle/>
+              <a:p>
+                <a:pPr marL="342900" indent="-342900">
+                  <a:buFont typeface="Arial" panose="020B0604020202020204" pitchFamily="34" charset="0"/>
+                  <a:buChar char="•"/>
+                </a:pPr>
+                <a:r>
+                  <a:rPr lang="en-US" sz="2400" b="1" dirty="0" smtClean="0">
+                    <a:latin typeface="Cambria Math" panose="02040503050406030204" pitchFamily="18" charset="0"/>
+                  </a:rPr>
+                  <a:t>Parameters Optimized </a:t>
+                </a:r>
+                <a:r>
+                  <a:rPr lang="en-US" sz="2400" dirty="0" smtClean="0">
+                    <a:latin typeface="Cambria Math" panose="02040503050406030204" pitchFamily="18" charset="0"/>
+                  </a:rPr>
+                  <a:t>for both </a:t>
+                </a:r>
+                <a14:m>
+                  <m:oMath xmlns:m="http://schemas.openxmlformats.org/officeDocument/2006/math">
+                    <m:r>
+                      <a:rPr lang="en-US" sz="2400" b="0" i="1">
+                        <a:latin typeface="Cambria Math" panose="02040503050406030204" pitchFamily="18" charset="0"/>
+                      </a:rPr>
+                      <m:t>𝑔</m:t>
+                    </m:r>
+                    <m:r>
+                      <a:rPr lang="en-US" sz="2400" b="0" i="1">
+                        <a:latin typeface="Cambria Math" panose="02040503050406030204" pitchFamily="18" charset="0"/>
+                      </a:rPr>
+                      <m:t>01 →</m:t>
+                    </m:r>
+                    <m:r>
+                      <a:rPr lang="en-US" sz="2400" b="0" i="1">
+                        <a:latin typeface="Cambria Math" panose="02040503050406030204" pitchFamily="18" charset="0"/>
+                      </a:rPr>
+                      <m:t>𝑔</m:t>
+                    </m:r>
+                    <m:r>
+                      <a:rPr lang="en-US" sz="2400" b="0" i="1">
+                        <a:latin typeface="Cambria Math" panose="02040503050406030204" pitchFamily="18" charset="0"/>
+                      </a:rPr>
+                      <m:t>10 </m:t>
+                    </m:r>
+                  </m:oMath>
+                </a14:m>
+                <a:r>
+                  <a:rPr lang="en-US" sz="2400" dirty="0" smtClean="0"/>
+                  <a:t>and   </a:t>
+                </a:r>
+                <a14:m>
+                  <m:oMath xmlns:m="http://schemas.openxmlformats.org/officeDocument/2006/math">
+                    <m:r>
+                      <a:rPr lang="en-US" sz="2400" b="0" i="1">
+                        <a:latin typeface="Cambria Math" panose="02040503050406030204" pitchFamily="18" charset="0"/>
+                      </a:rPr>
+                      <m:t>𝑔</m:t>
+                    </m:r>
+                    <m:r>
+                      <a:rPr lang="en-US" sz="2400" b="0" i="1">
+                        <a:latin typeface="Cambria Math" panose="02040503050406030204" pitchFamily="18" charset="0"/>
+                      </a:rPr>
+                      <m:t>02 →</m:t>
+                    </m:r>
+                    <m:r>
+                      <a:rPr lang="en-US" sz="2400" b="0" i="1">
+                        <a:latin typeface="Cambria Math" panose="02040503050406030204" pitchFamily="18" charset="0"/>
+                      </a:rPr>
+                      <m:t>𝑔</m:t>
+                    </m:r>
+                    <m:r>
+                      <a:rPr lang="en-US" sz="2400" b="0" i="1">
+                        <a:latin typeface="Cambria Math" panose="02040503050406030204" pitchFamily="18" charset="0"/>
+                      </a:rPr>
+                      <m:t>2</m:t>
+                    </m:r>
+                    <m:r>
+                      <a:rPr lang="en-US" sz="2400" b="0" i="1">
+                        <a:latin typeface="Cambria Math" panose="02040503050406030204" pitchFamily="18" charset="0"/>
+                      </a:rPr>
+                      <m:t>0</m:t>
+                    </m:r>
+                  </m:oMath>
+                </a14:m>
+                <a:endParaRPr lang="en-US" sz="2400" dirty="0" smtClean="0"/>
+              </a:p>
+              <a:p>
+                <a:pPr marL="342900" indent="-342900">
+                  <a:buFont typeface="Arial" panose="020B0604020202020204" pitchFamily="34" charset="0"/>
+                  <a:buChar char="•"/>
+                </a:pPr>
+                <a:endParaRPr lang="en-US" sz="2400" b="1" dirty="0" smtClean="0"/>
+              </a:p>
+              <a:p>
+                <a:pPr marL="342900" indent="-342900">
+                  <a:buFont typeface="Arial" panose="020B0604020202020204" pitchFamily="34" charset="0"/>
+                  <a:buChar char="•"/>
+                </a:pPr>
+                <a:r>
+                  <a:rPr lang="en-US" sz="2400" b="1" dirty="0" err="1" smtClean="0"/>
+                  <a:t>Qutip</a:t>
+                </a:r>
+                <a:r>
+                  <a:rPr lang="en-US" sz="2400" b="1" dirty="0" smtClean="0"/>
+                  <a:t> Simulation </a:t>
+                </a:r>
+                <a:r>
+                  <a:rPr lang="en-US" sz="2400" dirty="0" smtClean="0"/>
+                  <a:t>of </a:t>
+                </a:r>
+                <a14:m>
+                  <m:oMath xmlns:m="http://schemas.openxmlformats.org/officeDocument/2006/math">
+                    <m:r>
+                      <a:rPr lang="en-US" sz="3200" b="0" i="1" smtClean="0">
+                        <a:solidFill>
+                          <a:schemeClr val="accent6">
+                            <a:lumMod val="75000"/>
+                          </a:schemeClr>
+                        </a:solidFill>
+                        <a:latin typeface="Cambria Math" panose="02040503050406030204" pitchFamily="18" charset="0"/>
+                      </a:rPr>
+                      <m:t>𝑔</m:t>
+                    </m:r>
+                    <m:r>
+                      <a:rPr lang="en-US" sz="3200" b="0" i="1" smtClean="0">
+                        <a:solidFill>
+                          <a:schemeClr val="accent6">
+                            <a:lumMod val="75000"/>
+                          </a:schemeClr>
+                        </a:solidFill>
+                        <a:latin typeface="Cambria Math" panose="02040503050406030204" pitchFamily="18" charset="0"/>
+                      </a:rPr>
+                      <m:t>02 →</m:t>
+                    </m:r>
+                    <m:r>
+                      <a:rPr lang="en-US" sz="3200" b="0" i="1" smtClean="0">
+                        <a:solidFill>
+                          <a:srgbClr val="C10B9A"/>
+                        </a:solidFill>
+                        <a:latin typeface="Cambria Math" panose="02040503050406030204" pitchFamily="18" charset="0"/>
+                      </a:rPr>
+                      <m:t>𝑔</m:t>
+                    </m:r>
+                    <m:r>
+                      <a:rPr lang="en-US" sz="3200" b="0" i="1" smtClean="0">
+                        <a:solidFill>
+                          <a:srgbClr val="C10B9A"/>
+                        </a:solidFill>
+                        <a:latin typeface="Cambria Math" panose="02040503050406030204" pitchFamily="18" charset="0"/>
+                      </a:rPr>
+                      <m:t>20 </m:t>
+                    </m:r>
+                  </m:oMath>
+                </a14:m>
+                <a:endParaRPr lang="en-US" sz="3200" dirty="0"/>
+              </a:p>
+            </p:txBody>
+          </p:sp>
+        </mc:Choice>
+        <mc:Fallback>
+          <p:sp>
+            <p:nvSpPr>
+              <p:cNvPr id="7" name="Rectangle 6"/>
+              <p:cNvSpPr>
+                <a:spLocks noRot="1" noChangeAspect="1" noMove="1" noResize="1" noEditPoints="1" noAdjustHandles="1" noChangeArrowheads="1" noChangeShapeType="1" noTextEdit="1"/>
+              </p:cNvSpPr>
+              <p:nvPr/>
+            </p:nvSpPr>
+            <p:spPr>
+              <a:xfrm>
+                <a:off x="811132" y="2473850"/>
+                <a:ext cx="3038974" cy="2800767"/>
+              </a:xfrm>
+              <a:prstGeom prst="rect">
+                <a:avLst/>
+              </a:prstGeom>
+              <a:blipFill rotWithShape="0">
+                <a:blip r:embed="rId2"/>
+                <a:stretch>
+                  <a:fillRect l="-2605" t="-1743" r="-3808"/>
+                </a:stretch>
+              </a:blipFill>
+            </p:spPr>
+            <p:txBody>
+              <a:bodyPr/>
+              <a:lstStyle/>
+              <a:p>
+                <a:r>
+                  <a:rPr lang="en-US">
+                    <a:noFill/>
+                  </a:rPr>
+                  <a:t> </a:t>
+                </a:r>
+              </a:p>
+            </p:txBody>
+          </p:sp>
+        </mc:Fallback>
+      </mc:AlternateContent>
+      <p:pic>
+        <p:nvPicPr>
+          <p:cNvPr id="3" name="Picture 2"/>
+          <p:cNvPicPr>
+            <a:picLocks noChangeAspect="1"/>
+          </p:cNvPicPr>
+          <p:nvPr/>
+        </p:nvPicPr>
+        <p:blipFill>
+          <a:blip r:embed="rId3" cstate="print">
+            <a:extLst>
+              <a:ext uri="{28A0092B-C50C-407E-A947-70E740481C1C}">
+                <a14:useLocalDpi xmlns:a14="http://schemas.microsoft.com/office/drawing/2010/main" val="0"/>
+              </a:ext>
+            </a:extLst>
+          </a:blip>
+          <a:stretch>
+            <a:fillRect/>
+          </a:stretch>
+        </p:blipFill>
+        <p:spPr>
+          <a:xfrm>
+            <a:off x="4788568" y="1350745"/>
+            <a:ext cx="6989344" cy="5591476"/>
+          </a:xfrm>
+          <a:prstGeom prst="rect">
+            <a:avLst/>
+          </a:prstGeom>
+        </p:spPr>
+      </p:pic>
+    </p:spTree>
+    <p:extLst>
+      <p:ext uri="{BB962C8B-B14F-4D97-AF65-F5344CB8AC3E}">
+        <p14:creationId xmlns:p14="http://schemas.microsoft.com/office/powerpoint/2010/main" val="214687751"/>
+      </p:ext>
+    </p:extLst>
+  </p:cSld>
+  <p:clrMapOvr>
+    <a:masterClrMapping/>
+  </p:clrMapOvr>
+  <p:timing>
+    <p:tnLst>
+      <p:par>
+        <p:cTn id="1" dur="indefinite" restart="never" nodeType="tmRoot"/>
+      </p:par>
+    </p:tnLst>
+  </p:timing>
+</p:sld>
+</file>
+
+<file path=ppt/slides/slide19.xml><?xml version="1.0" encoding="utf-8"?>
+<p:sld xmlns:a="http://schemas.openxmlformats.org/drawingml/2006/main" xmlns:r="http://schemas.openxmlformats.org/officeDocument/2006/relationships" xmlns:p="http://schemas.openxmlformats.org/presentationml/2006/main">
+  <p:cSld>
+    <p:spTree>
+      <p:nvGrpSpPr>
+        <p:cNvPr id="1" name=""/>
+        <p:cNvGrpSpPr/>
+        <p:nvPr/>
+      </p:nvGrpSpPr>
+      <p:grpSpPr>
+        <a:xfrm>
+          <a:off x="0" y="0"/>
+          <a:ext cx="0" cy="0"/>
+          <a:chOff x="0" y="0"/>
+          <a:chExt cx="0" cy="0"/>
+        </a:xfrm>
+      </p:grpSpPr>
+      <p:sp>
+        <p:nvSpPr>
+          <p:cNvPr id="2" name="Title 1"/>
+          <p:cNvSpPr>
+            <a:spLocks noGrp="1"/>
+          </p:cNvSpPr>
+          <p:nvPr>
+            <p:ph type="title"/>
+          </p:nvPr>
+        </p:nvSpPr>
+        <p:spPr/>
+        <p:txBody>
+          <a:bodyPr/>
+          <a:lstStyle/>
+          <a:p>
+            <a:r>
+              <a:rPr lang="en-US" dirty="0"/>
+              <a:t>Two Mode ECD: Simultaneous State Transfer</a:t>
+            </a:r>
+          </a:p>
+        </p:txBody>
+      </p:sp>
+      <mc:AlternateContent xmlns:mc="http://schemas.openxmlformats.org/markup-compatibility/2006">
+        <mc:Choice xmlns:a14="http://schemas.microsoft.com/office/drawing/2010/main" Requires="a14">
+          <p:sp>
+            <p:nvSpPr>
+              <p:cNvPr id="7" name="Rectangle 6"/>
+              <p:cNvSpPr/>
+              <p:nvPr/>
+            </p:nvSpPr>
+            <p:spPr>
+              <a:xfrm>
+                <a:off x="811132" y="2473850"/>
+                <a:ext cx="3038974" cy="3600986"/>
+              </a:xfrm>
+              <a:prstGeom prst="rect">
+                <a:avLst/>
+              </a:prstGeom>
+            </p:spPr>
+            <p:txBody>
+              <a:bodyPr wrap="square">
+                <a:spAutoFit/>
+              </a:bodyPr>
+              <a:lstStyle/>
+              <a:p>
+                <a:pPr marL="342900" indent="-342900">
+                  <a:buFont typeface="Arial" panose="020B0604020202020204" pitchFamily="34" charset="0"/>
+                  <a:buChar char="•"/>
+                </a:pPr>
+                <a:r>
+                  <a:rPr lang="en-US" sz="2400" b="1" dirty="0" smtClean="0">
+                    <a:latin typeface="Cambria Math" panose="02040503050406030204" pitchFamily="18" charset="0"/>
+                  </a:rPr>
+                  <a:t>Parameters Optimized </a:t>
+                </a:r>
+                <a:r>
+                  <a:rPr lang="en-US" sz="2400" dirty="0" smtClean="0">
+                    <a:latin typeface="Cambria Math" panose="02040503050406030204" pitchFamily="18" charset="0"/>
+                  </a:rPr>
+                  <a:t>for both </a:t>
+                </a:r>
+                <a14:m>
+                  <m:oMath xmlns:m="http://schemas.openxmlformats.org/officeDocument/2006/math">
+                    <m:r>
+                      <a:rPr lang="en-US" sz="2400" b="0" i="1">
+                        <a:latin typeface="Cambria Math" panose="02040503050406030204" pitchFamily="18" charset="0"/>
+                      </a:rPr>
+                      <m:t>𝑔</m:t>
+                    </m:r>
+                    <m:r>
+                      <a:rPr lang="en-US" sz="2400" b="0" i="1">
+                        <a:latin typeface="Cambria Math" panose="02040503050406030204" pitchFamily="18" charset="0"/>
+                      </a:rPr>
+                      <m:t>01 →</m:t>
+                    </m:r>
+                    <m:r>
+                      <a:rPr lang="en-US" sz="2400" b="0" i="1">
+                        <a:latin typeface="Cambria Math" panose="02040503050406030204" pitchFamily="18" charset="0"/>
+                      </a:rPr>
+                      <m:t>𝑔</m:t>
+                    </m:r>
+                    <m:r>
+                      <a:rPr lang="en-US" sz="2400" b="0" i="1">
+                        <a:latin typeface="Cambria Math" panose="02040503050406030204" pitchFamily="18" charset="0"/>
+                      </a:rPr>
+                      <m:t>10 </m:t>
+                    </m:r>
+                  </m:oMath>
+                </a14:m>
+                <a:r>
+                  <a:rPr lang="en-US" sz="2400" dirty="0" smtClean="0"/>
+                  <a:t>and   </a:t>
+                </a:r>
+                <a14:m>
+                  <m:oMath xmlns:m="http://schemas.openxmlformats.org/officeDocument/2006/math">
+                    <m:r>
+                      <a:rPr lang="en-US" sz="2400" b="0" i="1">
+                        <a:latin typeface="Cambria Math" panose="02040503050406030204" pitchFamily="18" charset="0"/>
+                      </a:rPr>
+                      <m:t>𝑔</m:t>
+                    </m:r>
+                    <m:r>
+                      <a:rPr lang="en-US" sz="2400" b="0" i="1">
+                        <a:latin typeface="Cambria Math" panose="02040503050406030204" pitchFamily="18" charset="0"/>
+                      </a:rPr>
+                      <m:t>02 →</m:t>
+                    </m:r>
+                    <m:r>
+                      <a:rPr lang="en-US" sz="2400" b="0" i="1">
+                        <a:latin typeface="Cambria Math" panose="02040503050406030204" pitchFamily="18" charset="0"/>
+                      </a:rPr>
+                      <m:t>𝑔</m:t>
+                    </m:r>
+                    <m:r>
+                      <a:rPr lang="en-US" sz="2400" b="0" i="1">
+                        <a:latin typeface="Cambria Math" panose="02040503050406030204" pitchFamily="18" charset="0"/>
+                      </a:rPr>
+                      <m:t>2</m:t>
+                    </m:r>
+                    <m:r>
+                      <a:rPr lang="en-US" sz="2400" b="0" i="1">
+                        <a:latin typeface="Cambria Math" panose="02040503050406030204" pitchFamily="18" charset="0"/>
+                      </a:rPr>
+                      <m:t>0</m:t>
+                    </m:r>
+                  </m:oMath>
+                </a14:m>
+                <a:endParaRPr lang="en-US" sz="2400" dirty="0" smtClean="0"/>
+              </a:p>
+              <a:p>
+                <a:pPr marL="342900" indent="-342900">
+                  <a:buFont typeface="Arial" panose="020B0604020202020204" pitchFamily="34" charset="0"/>
+                  <a:buChar char="•"/>
+                </a:pPr>
+                <a:endParaRPr lang="en-US" sz="2400" b="1" dirty="0" smtClean="0"/>
+              </a:p>
+              <a:p>
+                <a:pPr marL="342900" indent="-342900">
+                  <a:buFont typeface="Arial" panose="020B0604020202020204" pitchFamily="34" charset="0"/>
+                  <a:buChar char="•"/>
+                </a:pPr>
+                <a:r>
+                  <a:rPr lang="en-US" sz="2400" b="1" dirty="0" err="1" smtClean="0"/>
+                  <a:t>Qutip</a:t>
+                </a:r>
+                <a:r>
+                  <a:rPr lang="en-US" sz="2400" b="1" dirty="0" smtClean="0"/>
+                  <a:t> Simulation </a:t>
+                </a:r>
+                <a:r>
+                  <a:rPr lang="en-US" sz="2400" dirty="0" smtClean="0"/>
+                  <a:t>of</a:t>
+                </a:r>
+                <a:endParaRPr lang="en-US" sz="2400" i="1" dirty="0" smtClean="0">
+                  <a:solidFill>
+                    <a:schemeClr val="accent6">
+                      <a:lumMod val="75000"/>
+                    </a:schemeClr>
+                  </a:solidFill>
+                  <a:latin typeface="Cambria Math" panose="02040503050406030204" pitchFamily="18" charset="0"/>
+                </a:endParaRPr>
+              </a:p>
+              <a:p>
+                <a14:m>
+                  <m:oMathPara xmlns:m="http://schemas.openxmlformats.org/officeDocument/2006/math">
+                    <m:oMathParaPr>
+                      <m:jc m:val="centerGroup"/>
+                    </m:oMathParaPr>
+                    <m:oMath xmlns:m="http://schemas.openxmlformats.org/officeDocument/2006/math">
+                      <m:d>
+                        <m:dPr>
+                          <m:ctrlPr>
+                            <a:rPr lang="en-US" sz="2800" b="0" i="1" smtClean="0">
+                              <a:solidFill>
+                                <a:schemeClr val="accent6">
+                                  <a:lumMod val="75000"/>
+                                </a:schemeClr>
+                              </a:solidFill>
+                              <a:latin typeface="Cambria Math" panose="02040503050406030204" pitchFamily="18" charset="0"/>
+                            </a:rPr>
+                          </m:ctrlPr>
+                        </m:dPr>
+                        <m:e>
+                          <m:r>
+                            <a:rPr lang="en-US" sz="2800" i="1" smtClean="0">
+                              <a:solidFill>
+                                <a:schemeClr val="accent2">
+                                  <a:lumMod val="75000"/>
+                                </a:schemeClr>
+                              </a:solidFill>
+                              <a:latin typeface="Cambria Math" panose="02040503050406030204" pitchFamily="18" charset="0"/>
+                            </a:rPr>
+                            <m:t>𝑔</m:t>
+                          </m:r>
+                          <m:r>
+                            <a:rPr lang="en-US" sz="2800" i="1" smtClean="0">
+                              <a:solidFill>
+                                <a:schemeClr val="accent2">
+                                  <a:lumMod val="75000"/>
+                                </a:schemeClr>
+                              </a:solidFill>
+                              <a:latin typeface="Cambria Math" panose="02040503050406030204" pitchFamily="18" charset="0"/>
+                            </a:rPr>
+                            <m:t>01+ </m:t>
+                          </m:r>
+                          <m:r>
+                            <a:rPr lang="en-US" sz="2800" b="0" i="1" smtClean="0">
+                              <a:solidFill>
+                                <a:schemeClr val="accent6">
+                                  <a:lumMod val="75000"/>
+                                </a:schemeClr>
+                              </a:solidFill>
+                              <a:latin typeface="Cambria Math" panose="02040503050406030204" pitchFamily="18" charset="0"/>
+                            </a:rPr>
+                            <m:t>𝑔</m:t>
+                          </m:r>
+                          <m:r>
+                            <a:rPr lang="en-US" sz="2800" b="0" i="1" smtClean="0">
+                              <a:solidFill>
+                                <a:schemeClr val="accent6">
+                                  <a:lumMod val="75000"/>
+                                </a:schemeClr>
+                              </a:solidFill>
+                              <a:latin typeface="Cambria Math" panose="02040503050406030204" pitchFamily="18" charset="0"/>
+                            </a:rPr>
+                            <m:t>02</m:t>
+                          </m:r>
+                        </m:e>
+                      </m:d>
+                    </m:oMath>
+                  </m:oMathPara>
+                </a14:m>
+                <a:endParaRPr lang="en-US" sz="2800" b="0" i="1" dirty="0" smtClean="0">
+                  <a:solidFill>
+                    <a:schemeClr val="accent6">
+                      <a:lumMod val="75000"/>
+                    </a:schemeClr>
+                  </a:solidFill>
+                  <a:latin typeface="Cambria Math" panose="02040503050406030204" pitchFamily="18" charset="0"/>
+                </a:endParaRPr>
+              </a:p>
+              <a:p>
+                <a14:m>
+                  <m:oMathPara xmlns:m="http://schemas.openxmlformats.org/officeDocument/2006/math">
+                    <m:oMathParaPr>
+                      <m:jc m:val="centerGroup"/>
+                    </m:oMathParaPr>
+                    <m:oMath xmlns:m="http://schemas.openxmlformats.org/officeDocument/2006/math">
+                      <m:r>
+                        <a:rPr lang="en-US" sz="2800" b="0" i="1" smtClean="0">
+                          <a:solidFill>
+                            <a:schemeClr val="tx1"/>
+                          </a:solidFill>
+                          <a:latin typeface="Cambria Math" panose="02040503050406030204" pitchFamily="18" charset="0"/>
+                        </a:rPr>
+                        <m:t>↓</m:t>
+                      </m:r>
+                    </m:oMath>
+                  </m:oMathPara>
+                </a14:m>
+                <a:endParaRPr lang="en-US" sz="2800" b="0" i="1" dirty="0" smtClean="0">
+                  <a:solidFill>
+                    <a:schemeClr val="tx1"/>
+                  </a:solidFill>
+                  <a:latin typeface="Cambria Math" panose="02040503050406030204" pitchFamily="18" charset="0"/>
+                </a:endParaRPr>
+              </a:p>
+              <a:p>
+                <a14:m>
+                  <m:oMathPara xmlns:m="http://schemas.openxmlformats.org/officeDocument/2006/math">
+                    <m:oMathParaPr>
+                      <m:jc m:val="centerGroup"/>
+                    </m:oMathParaPr>
+                    <m:oMath xmlns:m="http://schemas.openxmlformats.org/officeDocument/2006/math">
+                      <m:r>
+                        <a:rPr lang="en-US" sz="2800" b="0" i="1" smtClean="0">
+                          <a:solidFill>
+                            <a:schemeClr val="tx1"/>
+                          </a:solidFill>
+                          <a:latin typeface="Cambria Math" panose="02040503050406030204" pitchFamily="18" charset="0"/>
+                        </a:rPr>
+                        <m:t>(</m:t>
+                      </m:r>
+                      <m:r>
+                        <a:rPr lang="en-US" sz="2800" b="0" i="1" smtClean="0">
+                          <a:solidFill>
+                            <a:srgbClr val="C51907"/>
+                          </a:solidFill>
+                          <a:latin typeface="Cambria Math" panose="02040503050406030204" pitchFamily="18" charset="0"/>
+                        </a:rPr>
+                        <m:t>𝑔</m:t>
+                      </m:r>
+                      <m:r>
+                        <a:rPr lang="en-US" sz="2800" b="0" i="1" smtClean="0">
+                          <a:solidFill>
+                            <a:srgbClr val="C51907"/>
+                          </a:solidFill>
+                          <a:latin typeface="Cambria Math" panose="02040503050406030204" pitchFamily="18" charset="0"/>
+                        </a:rPr>
+                        <m:t>10+ </m:t>
+                      </m:r>
+                      <m:r>
+                        <a:rPr lang="en-US" sz="2800" b="0" i="1" smtClean="0">
+                          <a:solidFill>
+                            <a:srgbClr val="C10B9A"/>
+                          </a:solidFill>
+                          <a:latin typeface="Cambria Math" panose="02040503050406030204" pitchFamily="18" charset="0"/>
+                        </a:rPr>
+                        <m:t>𝑔</m:t>
+                      </m:r>
+                      <m:r>
+                        <a:rPr lang="en-US" sz="2800" b="0" i="1" smtClean="0">
+                          <a:solidFill>
+                            <a:srgbClr val="C10B9A"/>
+                          </a:solidFill>
+                          <a:latin typeface="Cambria Math" panose="02040503050406030204" pitchFamily="18" charset="0"/>
+                        </a:rPr>
+                        <m:t>20)  </m:t>
+                      </m:r>
+                    </m:oMath>
+                  </m:oMathPara>
+                </a14:m>
+                <a:endParaRPr lang="en-US" sz="3600" dirty="0"/>
+              </a:p>
+            </p:txBody>
+          </p:sp>
+        </mc:Choice>
+        <mc:Fallback>
+          <p:sp>
+            <p:nvSpPr>
+              <p:cNvPr id="7" name="Rectangle 6"/>
+              <p:cNvSpPr>
+                <a:spLocks noRot="1" noChangeAspect="1" noMove="1" noResize="1" noEditPoints="1" noAdjustHandles="1" noChangeArrowheads="1" noChangeShapeType="1" noTextEdit="1"/>
+              </p:cNvSpPr>
+              <p:nvPr/>
+            </p:nvSpPr>
+            <p:spPr>
+              <a:xfrm>
+                <a:off x="811132" y="2473850"/>
+                <a:ext cx="3038974" cy="3600986"/>
+              </a:xfrm>
+              <a:prstGeom prst="rect">
+                <a:avLst/>
+              </a:prstGeom>
+              <a:blipFill rotWithShape="0">
+                <a:blip r:embed="rId2"/>
+                <a:stretch>
+                  <a:fillRect l="-2605" t="-1354" r="-2806"/>
+                </a:stretch>
+              </a:blipFill>
+            </p:spPr>
+            <p:txBody>
+              <a:bodyPr/>
+              <a:lstStyle/>
+              <a:p>
+                <a:r>
+                  <a:rPr lang="en-US">
+                    <a:noFill/>
+                  </a:rPr>
+                  <a:t> </a:t>
+                </a:r>
+              </a:p>
+            </p:txBody>
+          </p:sp>
+        </mc:Fallback>
+      </mc:AlternateContent>
+      <p:pic>
+        <p:nvPicPr>
+          <p:cNvPr id="4" name="Picture 3"/>
+          <p:cNvPicPr>
+            <a:picLocks noChangeAspect="1"/>
+          </p:cNvPicPr>
+          <p:nvPr/>
+        </p:nvPicPr>
+        <p:blipFill>
+          <a:blip r:embed="rId3" cstate="print">
+            <a:extLst>
+              <a:ext uri="{28A0092B-C50C-407E-A947-70E740481C1C}">
+                <a14:useLocalDpi xmlns:a14="http://schemas.microsoft.com/office/drawing/2010/main" val="0"/>
+              </a:ext>
+            </a:extLst>
+          </a:blip>
+          <a:stretch>
+            <a:fillRect/>
+          </a:stretch>
+        </p:blipFill>
+        <p:spPr>
+          <a:xfrm>
+            <a:off x="5173578" y="1353151"/>
+            <a:ext cx="6881060" cy="5504849"/>
+          </a:xfrm>
+          <a:prstGeom prst="rect">
+            <a:avLst/>
+          </a:prstGeom>
+        </p:spPr>
+      </p:pic>
+    </p:spTree>
+    <p:extLst>
+      <p:ext uri="{BB962C8B-B14F-4D97-AF65-F5344CB8AC3E}">
+        <p14:creationId xmlns:p14="http://schemas.microsoft.com/office/powerpoint/2010/main" val="2207069377"/>
+      </p:ext>
+    </p:extLst>
+  </p:cSld>
+  <p:clrMapOvr>
+    <a:masterClrMapping/>
+  </p:clrMapOvr>
+  <p:timing>
+    <p:tnLst>
+      <p:par>
+        <p:cTn id="1" dur="indefinite" restart="never" nodeType="tmRoot"/>
+      </p:par>
+    </p:tnLst>
+  </p:timing>
+</p:sld>
+</file>
+
+<file path=ppt/slides/slide2.xml><?xml version="1.0" encoding="utf-8"?>
+<p:sld xmlns:a="http://schemas.openxmlformats.org/drawingml/2006/main" xmlns:r="http://schemas.openxmlformats.org/officeDocument/2006/relationships" xmlns:p="http://schemas.openxmlformats.org/presentationml/2006/main">
+  <p:cSld>
+    <p:spTree>
+      <p:nvGrpSpPr>
+        <p:cNvPr id="1" name=""/>
+        <p:cNvGrpSpPr/>
+        <p:nvPr/>
+      </p:nvGrpSpPr>
+      <p:grpSpPr>
+        <a:xfrm>
+          <a:off x="0" y="0"/>
+          <a:ext cx="0" cy="0"/>
+          <a:chOff x="0" y="0"/>
+          <a:chExt cx="0" cy="0"/>
+        </a:xfrm>
+      </p:grpSpPr>
+      <p:sp>
+        <p:nvSpPr>
+          <p:cNvPr id="2" name="Title 1"/>
+          <p:cNvSpPr>
+            <a:spLocks noGrp="1"/>
+          </p:cNvSpPr>
+          <p:nvPr>
+            <p:ph type="title"/>
+          </p:nvPr>
+        </p:nvSpPr>
+        <p:spPr/>
+        <p:txBody>
+          <a:bodyPr/>
+          <a:lstStyle/>
+          <a:p>
+            <a:r>
+              <a:rPr lang="en-US" dirty="0" smtClean="0"/>
+              <a:t>Motivation</a:t>
+            </a:r>
+            <a:endParaRPr lang="en-US" dirty="0"/>
+          </a:p>
+        </p:txBody>
+      </p:sp>
+      <mc:AlternateContent xmlns:mc="http://schemas.openxmlformats.org/markup-compatibility/2006" xmlns:a14="http://schemas.microsoft.com/office/drawing/2010/main">
+        <mc:Choice Requires="a14">
+          <p:sp>
+            <p:nvSpPr>
+              <p:cNvPr id="3" name="Content Placeholder 2"/>
+              <p:cNvSpPr>
+                <a:spLocks noGrp="1"/>
+              </p:cNvSpPr>
+              <p:nvPr>
+                <p:ph idx="1"/>
+              </p:nvPr>
+            </p:nvSpPr>
+            <p:spPr/>
+            <p:txBody>
+              <a:bodyPr/>
+              <a:lstStyle/>
+              <a:p>
+                <a:pPr lvl="1"/>
+                <a:r>
+                  <a:rPr lang="en-US" sz="3200" dirty="0" smtClean="0"/>
+                  <a:t>SNAP Gates take time </a:t>
+                </a:r>
+                <a14:m>
+                  <m:oMath xmlns:m="http://schemas.openxmlformats.org/officeDocument/2006/math">
+                    <m:r>
+                      <a:rPr lang="en-US" sz="3200" i="1">
+                        <a:latin typeface="Cambria Math" panose="02040503050406030204" pitchFamily="18" charset="0"/>
+                      </a:rPr>
+                      <m:t>≈2</m:t>
+                    </m:r>
+                    <m:r>
+                      <a:rPr lang="en-US" sz="3200" i="1">
+                        <a:latin typeface="Cambria Math" panose="02040503050406030204" pitchFamily="18" charset="0"/>
+                      </a:rPr>
+                      <m:t>𝜋</m:t>
+                    </m:r>
+                    <m:r>
+                      <a:rPr lang="en-US" sz="3200" i="1">
+                        <a:latin typeface="Cambria Math" panose="02040503050406030204" pitchFamily="18" charset="0"/>
+                      </a:rPr>
+                      <m:t>/</m:t>
+                    </m:r>
+                    <m:r>
+                      <a:rPr lang="en-US" sz="3200" i="1">
+                        <a:latin typeface="Cambria Math" panose="02040503050406030204" pitchFamily="18" charset="0"/>
+                      </a:rPr>
+                      <m:t>𝜒</m:t>
+                    </m:r>
+                  </m:oMath>
+                </a14:m>
+                <a:r>
+                  <a:rPr lang="en-US" sz="3200" dirty="0"/>
+                  <a:t> where </a:t>
+                </a:r>
+                <a14:m>
+                  <m:oMath xmlns:m="http://schemas.openxmlformats.org/officeDocument/2006/math">
+                    <m:r>
+                      <a:rPr lang="en-US" sz="3200" i="1">
+                        <a:latin typeface="Cambria Math" panose="02040503050406030204" pitchFamily="18" charset="0"/>
+                      </a:rPr>
+                      <m:t>𝜒</m:t>
+                    </m:r>
+                    <m:r>
+                      <a:rPr lang="en-US" sz="3200" b="0" i="1" smtClean="0">
+                        <a:latin typeface="Cambria Math" panose="02040503050406030204" pitchFamily="18" charset="0"/>
+                      </a:rPr>
+                      <m:t>≈</m:t>
+                    </m:r>
+                  </m:oMath>
+                </a14:m>
+                <a:r>
+                  <a:rPr lang="en-US" sz="3200" dirty="0" smtClean="0"/>
+                  <a:t> MHz </a:t>
+                </a:r>
+                <a:r>
+                  <a:rPr lang="en-US" sz="3200" dirty="0"/>
+                  <a:t>is dispersive coupling strength.</a:t>
+                </a:r>
+              </a:p>
+              <a:p>
+                <a:pPr lvl="1"/>
+                <a:r>
+                  <a:rPr lang="en-US" sz="3200" dirty="0"/>
+                  <a:t>Reducing Gate time </a:t>
+                </a:r>
+                <a14:m>
+                  <m:oMath xmlns:m="http://schemas.openxmlformats.org/officeDocument/2006/math">
+                    <m:r>
+                      <a:rPr lang="en-US" sz="3200" i="1">
+                        <a:latin typeface="Cambria Math" panose="02040503050406030204" pitchFamily="18" charset="0"/>
+                      </a:rPr>
+                      <m:t>→ </m:t>
+                    </m:r>
+                  </m:oMath>
+                </a14:m>
+                <a:r>
+                  <a:rPr lang="en-US" sz="3200" dirty="0"/>
+                  <a:t>Increasing </a:t>
+                </a:r>
+                <a14:m>
+                  <m:oMath xmlns:m="http://schemas.openxmlformats.org/officeDocument/2006/math">
+                    <m:r>
+                      <a:rPr lang="en-US" sz="3200" i="1">
+                        <a:latin typeface="Cambria Math" panose="02040503050406030204" pitchFamily="18" charset="0"/>
+                      </a:rPr>
+                      <m:t>𝜒</m:t>
+                    </m:r>
+                  </m:oMath>
+                </a14:m>
+                <a:r>
+                  <a:rPr lang="en-US" sz="3200" dirty="0"/>
+                  <a:t> </a:t>
+                </a:r>
+                <a14:m>
+                  <m:oMath xmlns:m="http://schemas.openxmlformats.org/officeDocument/2006/math">
+                    <m:r>
+                      <a:rPr lang="en-US" sz="3200" i="1">
+                        <a:latin typeface="Cambria Math" panose="02040503050406030204" pitchFamily="18" charset="0"/>
+                      </a:rPr>
+                      <m:t>→</m:t>
+                    </m:r>
+                  </m:oMath>
+                </a14:m>
+                <a:r>
+                  <a:rPr lang="en-US" sz="3200" dirty="0"/>
+                  <a:t>Reducing lifetime of cavity</a:t>
+                </a:r>
+              </a:p>
+              <a:p>
+                <a:pPr lvl="1"/>
+                <a:r>
+                  <a:rPr lang="en-US" sz="3200" dirty="0"/>
+                  <a:t>ECD Idea: Keep </a:t>
+                </a:r>
+                <a14:m>
+                  <m:oMath xmlns:m="http://schemas.openxmlformats.org/officeDocument/2006/math">
+                    <m:r>
+                      <a:rPr lang="en-US" sz="3200" i="1">
+                        <a:latin typeface="Cambria Math" panose="02040503050406030204" pitchFamily="18" charset="0"/>
+                      </a:rPr>
+                      <m:t>𝜒</m:t>
+                    </m:r>
+                    <m:r>
+                      <a:rPr lang="en-US" sz="3200" b="0" i="1" smtClean="0">
+                        <a:latin typeface="Cambria Math" panose="02040503050406030204" pitchFamily="18" charset="0"/>
+                      </a:rPr>
+                      <m:t>≈10</m:t>
+                    </m:r>
+                  </m:oMath>
+                </a14:m>
+                <a:r>
+                  <a:rPr lang="en-US" sz="3200" dirty="0" smtClean="0"/>
+                  <a:t> kHz small; </a:t>
+                </a:r>
+                <a:r>
+                  <a:rPr lang="en-US" sz="3200" dirty="0"/>
+                  <a:t>But enhance it by displacing cavity (</a:t>
+                </a:r>
+                <a14:m>
+                  <m:oMath xmlns:m="http://schemas.openxmlformats.org/officeDocument/2006/math">
+                    <m:sSub>
+                      <m:sSubPr>
+                        <m:ctrlPr>
+                          <a:rPr lang="en-US" sz="3200" i="1">
+                            <a:latin typeface="Cambria Math" panose="02040503050406030204" pitchFamily="18" charset="0"/>
+                          </a:rPr>
+                        </m:ctrlPr>
+                      </m:sSubPr>
+                      <m:e>
+                        <m:r>
+                          <a:rPr lang="en-US" sz="3200" i="1">
+                            <a:latin typeface="Cambria Math" panose="02040503050406030204" pitchFamily="18" charset="0"/>
+                          </a:rPr>
+                          <m:t>𝛼</m:t>
+                        </m:r>
+                      </m:e>
+                      <m:sub>
+                        <m:r>
+                          <a:rPr lang="en-US" sz="3200" i="1">
+                            <a:latin typeface="Cambria Math" panose="02040503050406030204" pitchFamily="18" charset="0"/>
+                          </a:rPr>
+                          <m:t>0</m:t>
+                        </m:r>
+                      </m:sub>
+                    </m:sSub>
+                  </m:oMath>
+                </a14:m>
+                <a:r>
+                  <a:rPr lang="en-US" sz="3200" dirty="0"/>
+                  <a:t>) far from origin</a:t>
+                </a:r>
+              </a:p>
+              <a:p>
+                <a:pPr lvl="1"/>
+                <a:r>
+                  <a:rPr lang="en-US" sz="3200" dirty="0"/>
+                  <a:t> Effective Gate time </a:t>
+                </a:r>
+                <a14:m>
+                  <m:oMath xmlns:m="http://schemas.openxmlformats.org/officeDocument/2006/math">
+                    <m:r>
+                      <a:rPr lang="en-US" sz="3200" i="1">
+                        <a:latin typeface="Cambria Math" panose="02040503050406030204" pitchFamily="18" charset="0"/>
+                      </a:rPr>
+                      <m:t>1/</m:t>
+                    </m:r>
+                    <m:r>
+                      <a:rPr lang="en-US" sz="3200" i="1">
+                        <a:latin typeface="Cambria Math" panose="02040503050406030204" pitchFamily="18" charset="0"/>
+                      </a:rPr>
+                      <m:t>𝜒</m:t>
+                    </m:r>
+                    <m:sSub>
+                      <m:sSubPr>
+                        <m:ctrlPr>
+                          <a:rPr lang="en-US" sz="3200" i="1">
+                            <a:latin typeface="Cambria Math" panose="02040503050406030204" pitchFamily="18" charset="0"/>
+                          </a:rPr>
+                        </m:ctrlPr>
+                      </m:sSubPr>
+                      <m:e>
+                        <m:r>
+                          <a:rPr lang="en-US" sz="3200" i="1">
+                            <a:latin typeface="Cambria Math" panose="02040503050406030204" pitchFamily="18" charset="0"/>
+                          </a:rPr>
+                          <m:t>𝛼</m:t>
+                        </m:r>
+                      </m:e>
+                      <m:sub>
+                        <m:r>
+                          <a:rPr lang="en-US" sz="3200" i="1">
+                            <a:latin typeface="Cambria Math" panose="02040503050406030204" pitchFamily="18" charset="0"/>
+                          </a:rPr>
+                          <m:t>0</m:t>
+                        </m:r>
+                      </m:sub>
+                    </m:sSub>
+                  </m:oMath>
+                </a14:m>
+                <a:r>
+                  <a:rPr lang="en-US" sz="3200" dirty="0"/>
+                  <a:t> where </a:t>
+                </a:r>
+                <a14:m>
+                  <m:oMath xmlns:m="http://schemas.openxmlformats.org/officeDocument/2006/math">
+                    <m:sSub>
+                      <m:sSubPr>
+                        <m:ctrlPr>
+                          <a:rPr lang="en-US" sz="3200" i="1">
+                            <a:latin typeface="Cambria Math" panose="02040503050406030204" pitchFamily="18" charset="0"/>
+                          </a:rPr>
+                        </m:ctrlPr>
+                      </m:sSubPr>
+                      <m:e>
+                        <m:r>
+                          <a:rPr lang="en-US" sz="3200" i="1">
+                            <a:latin typeface="Cambria Math" panose="02040503050406030204" pitchFamily="18" charset="0"/>
+                          </a:rPr>
+                          <m:t>𝛼</m:t>
+                        </m:r>
+                      </m:e>
+                      <m:sub>
+                        <m:r>
+                          <a:rPr lang="en-US" sz="3200" i="1">
+                            <a:latin typeface="Cambria Math" panose="02040503050406030204" pitchFamily="18" charset="0"/>
+                          </a:rPr>
+                          <m:t>0</m:t>
+                        </m:r>
+                      </m:sub>
+                    </m:sSub>
+                    <m:r>
+                      <a:rPr lang="en-US" sz="3200" i="1">
+                        <a:latin typeface="Cambria Math" panose="02040503050406030204" pitchFamily="18" charset="0"/>
+                      </a:rPr>
+                      <m:t>≫1</m:t>
+                    </m:r>
+                  </m:oMath>
+                </a14:m>
+                <a:endParaRPr lang="en-US" sz="3200" dirty="0"/>
+              </a:p>
+              <a:p>
+                <a:pPr marL="0" indent="0">
+                  <a:buNone/>
+                </a:pPr>
+                <a:endParaRPr lang="en-US" dirty="0"/>
+              </a:p>
+            </p:txBody>
+          </p:sp>
+        </mc:Choice>
+        <mc:Fallback xmlns="">
+          <p:sp>
+            <p:nvSpPr>
+              <p:cNvPr id="3" name="Content Placeholder 2"/>
+              <p:cNvSpPr>
+                <a:spLocks noGrp="1" noRot="1" noChangeAspect="1" noMove="1" noResize="1" noEditPoints="1" noAdjustHandles="1" noChangeArrowheads="1" noChangeShapeType="1" noTextEdit="1"/>
+              </p:cNvSpPr>
+              <p:nvPr>
+                <p:ph idx="1"/>
+              </p:nvPr>
+            </p:nvSpPr>
+            <p:spPr>
+              <a:blipFill rotWithShape="0">
+                <a:blip r:embed="rId2"/>
+                <a:stretch>
+                  <a:fillRect t="-2801" r="-986"/>
+                </a:stretch>
+              </a:blipFill>
+            </p:spPr>
+            <p:txBody>
+              <a:bodyPr/>
+              <a:lstStyle/>
+              <a:p>
+                <a:r>
+                  <a:rPr lang="en-US">
+                    <a:noFill/>
+                  </a:rPr>
+                  <a:t> </a:t>
+                </a:r>
+              </a:p>
+            </p:txBody>
+          </p:sp>
+        </mc:Fallback>
+      </mc:AlternateContent>
+    </p:spTree>
+    <p:extLst>
+      <p:ext uri="{BB962C8B-B14F-4D97-AF65-F5344CB8AC3E}">
+        <p14:creationId xmlns:p14="http://schemas.microsoft.com/office/powerpoint/2010/main" val="1584008509"/>
+      </p:ext>
+    </p:extLst>
+  </p:cSld>
+  <p:clrMapOvr>
+    <a:masterClrMapping/>
+  </p:clrMapOvr>
+  <p:timing>
+    <p:tnLst>
+      <p:par>
+        <p:cTn id="1" dur="indefinite" restart="never" nodeType="tmRoot"/>
+      </p:par>
+    </p:tnLst>
+  </p:timing>
+</p:sld>
+</file>
+
+<file path=ppt/slides/slide20.xml><?xml version="1.0" encoding="utf-8"?>
 <p:sld xmlns:a="http://schemas.openxmlformats.org/drawingml/2006/main" xmlns:r="http://schemas.openxmlformats.org/officeDocument/2006/relationships" xmlns:p="http://schemas.openxmlformats.org/presentationml/2006/main">
   <p:cSld>
     <p:spTree>
@@ -11333,7 +13067,7 @@
 </p:sld>
 </file>
 
-<file path=ppt/slides/slide17.xml><?xml version="1.0" encoding="utf-8"?>
+<file path=ppt/slides/slide21.xml><?xml version="1.0" encoding="utf-8"?>
 <p:sld xmlns:a="http://schemas.openxmlformats.org/drawingml/2006/main" xmlns:r="http://schemas.openxmlformats.org/officeDocument/2006/relationships" xmlns:p="http://schemas.openxmlformats.org/presentationml/2006/main">
   <p:cSld>
     <p:spTree>
@@ -11385,30 +13119,6 @@
           </a:p>
         </p:txBody>
       </p:sp>
-      <p:pic>
-        <p:nvPicPr>
-          <p:cNvPr id="11" name="Picture 10"/>
-          <p:cNvPicPr>
-            <a:picLocks noChangeAspect="1"/>
-          </p:cNvPicPr>
-          <p:nvPr/>
-        </p:nvPicPr>
-        <p:blipFill>
-          <a:blip r:embed="rId2"/>
-          <a:stretch>
-            <a:fillRect/>
-          </a:stretch>
-        </p:blipFill>
-        <p:spPr>
-          <a:xfrm>
-            <a:off x="1259304" y="1690688"/>
-            <a:ext cx="8137358" cy="4882415"/>
-          </a:xfrm>
-          <a:prstGeom prst="rect">
-            <a:avLst/>
-          </a:prstGeom>
-        </p:spPr>
-      </p:pic>
       <p:sp>
         <p:nvSpPr>
           <p:cNvPr id="12" name="Right Brace 11"/>
@@ -11450,93 +13160,30 @@
           </a:p>
         </p:txBody>
       </p:sp>
-      <p:sp>
-        <p:nvSpPr>
-          <p:cNvPr id="13" name="TextBox 12"/>
-          <p:cNvSpPr txBox="1"/>
+      <p:pic>
+        <p:nvPicPr>
+          <p:cNvPr id="4" name="Picture 3"/>
+          <p:cNvPicPr>
+            <a:picLocks noChangeAspect="1"/>
+          </p:cNvPicPr>
           <p:nvPr/>
-        </p:nvSpPr>
+        </p:nvPicPr>
+        <p:blipFill>
+          <a:blip r:embed="rId2"/>
+          <a:stretch>
+            <a:fillRect/>
+          </a:stretch>
+        </p:blipFill>
         <p:spPr>
           <a:xfrm>
-            <a:off x="9816178" y="4709123"/>
-            <a:ext cx="2085474" cy="1169551"/>
+            <a:off x="994611" y="1390850"/>
+            <a:ext cx="9111916" cy="5467150"/>
           </a:xfrm>
           <a:prstGeom prst="rect">
             <a:avLst/>
           </a:prstGeom>
-          <a:noFill/>
         </p:spPr>
-        <p:txBody>
-          <a:bodyPr wrap="square" rtlCol="0">
-            <a:spAutoFit/>
-          </a:bodyPr>
-          <a:lstStyle/>
-          <a:p>
-            <a:r>
-              <a:rPr lang="en-US" sz="1400" dirty="0" err="1" smtClean="0">
-                <a:solidFill>
-                  <a:srgbClr val="FF0000"/>
-                </a:solidFill>
-              </a:rPr>
-              <a:t>Qutip</a:t>
-            </a:r>
-            <a:r>
-              <a:rPr lang="en-US" sz="1400" dirty="0">
-                <a:solidFill>
-                  <a:srgbClr val="FF0000"/>
-                </a:solidFill>
-              </a:rPr>
-              <a:t> </a:t>
-            </a:r>
-            <a:r>
-              <a:rPr lang="en-US" sz="1400" dirty="0" smtClean="0">
-                <a:solidFill>
-                  <a:srgbClr val="FF0000"/>
-                </a:solidFill>
-              </a:rPr>
-              <a:t>– Batch Optimizer Inconsistency; Likely due to reduced Hilbert Space of the cavity modes (n = 15 levels in each)</a:t>
-            </a:r>
-            <a:endParaRPr lang="en-US" sz="1400" dirty="0">
-              <a:solidFill>
-                <a:srgbClr val="FF0000"/>
-              </a:solidFill>
-            </a:endParaRPr>
-          </a:p>
-        </p:txBody>
-      </p:sp>
-      <p:cxnSp>
-        <p:nvCxnSpPr>
-          <p:cNvPr id="15" name="Straight Arrow Connector 14"/>
-          <p:cNvCxnSpPr/>
-          <p:nvPr/>
-        </p:nvCxnSpPr>
-        <p:spPr>
-          <a:xfrm flipH="1">
-            <a:off x="6097588" y="5161551"/>
-            <a:ext cx="3587835" cy="66174"/>
-          </a:xfrm>
-          <a:prstGeom prst="straightConnector1">
-            <a:avLst/>
-          </a:prstGeom>
-          <a:ln>
-            <a:tailEnd type="triangle"/>
-          </a:ln>
-        </p:spPr>
-        <p:style>
-          <a:lnRef idx="1">
-            <a:schemeClr val="accent1"/>
-          </a:lnRef>
-          <a:fillRef idx="0">
-            <a:schemeClr val="accent1"/>
-          </a:fillRef>
-          <a:effectRef idx="0">
-            <a:schemeClr val="accent1"/>
-          </a:effectRef>
-          <a:fontRef idx="minor">
-            <a:schemeClr val="tx1"/>
-          </a:fontRef>
-        </p:style>
-      </p:cxnSp>
+      </p:pic>
     </p:spTree>
     <p:extLst>
       <p:ext uri="{BB962C8B-B14F-4D97-AF65-F5344CB8AC3E}">
@@ -11557,7 +13204,7 @@
 </p:sld>
 </file>
 
-<file path=ppt/slides/slide18.xml><?xml version="1.0" encoding="utf-8"?>
+<file path=ppt/slides/slide22.xml><?xml version="1.0" encoding="utf-8"?>
 <p:sld xmlns:a="http://schemas.openxmlformats.org/drawingml/2006/main" xmlns:r="http://schemas.openxmlformats.org/officeDocument/2006/relationships" xmlns:p="http://schemas.openxmlformats.org/presentationml/2006/main">
   <p:cSld>
     <p:spTree>
@@ -11604,30 +13251,6 @@
           </a:p>
         </p:txBody>
       </p:sp>
-      <p:pic>
-        <p:nvPicPr>
-          <p:cNvPr id="9" name="Picture 8"/>
-          <p:cNvPicPr>
-            <a:picLocks noChangeAspect="1"/>
-          </p:cNvPicPr>
-          <p:nvPr/>
-        </p:nvPicPr>
-        <p:blipFill>
-          <a:blip r:embed="rId2"/>
-          <a:stretch>
-            <a:fillRect/>
-          </a:stretch>
-        </p:blipFill>
-        <p:spPr>
-          <a:xfrm>
-            <a:off x="1042736" y="1690688"/>
-            <a:ext cx="7800475" cy="4680285"/>
-          </a:xfrm>
-          <a:prstGeom prst="rect">
-            <a:avLst/>
-          </a:prstGeom>
-        </p:spPr>
-      </p:pic>
       <p:sp>
         <p:nvSpPr>
           <p:cNvPr id="10" name="TextBox 9"/>
@@ -11663,6 +13286,30 @@
           </a:p>
         </p:txBody>
       </p:sp>
+      <p:pic>
+        <p:nvPicPr>
+          <p:cNvPr id="3" name="Picture 2"/>
+          <p:cNvPicPr>
+            <a:picLocks noChangeAspect="1"/>
+          </p:cNvPicPr>
+          <p:nvPr/>
+        </p:nvPicPr>
+        <p:blipFill>
+          <a:blip r:embed="rId2"/>
+          <a:stretch>
+            <a:fillRect/>
+          </a:stretch>
+        </p:blipFill>
+        <p:spPr>
+          <a:xfrm>
+            <a:off x="0" y="1179094"/>
+            <a:ext cx="9019674" cy="5411804"/>
+          </a:xfrm>
+          <a:prstGeom prst="rect">
+            <a:avLst/>
+          </a:prstGeom>
+        </p:spPr>
+      </p:pic>
     </p:spTree>
     <p:extLst>
       <p:ext uri="{BB962C8B-B14F-4D97-AF65-F5344CB8AC3E}">
@@ -11673,10 +13320,17 @@
   <p:clrMapOvr>
     <a:masterClrMapping/>
   </p:clrMapOvr>
+  <p:timing>
+    <p:tnLst>
+      <p:par>
+        <p:cTn id="1" dur="indefinite" restart="never" nodeType="tmRoot"/>
+      </p:par>
+    </p:tnLst>
+  </p:timing>
 </p:sld>
 </file>
 
-<file path=ppt/slides/slide19.xml><?xml version="1.0" encoding="utf-8"?>
+<file path=ppt/slides/slide23.xml><?xml version="1.0" encoding="utf-8"?>
 <p:sld xmlns:a="http://schemas.openxmlformats.org/drawingml/2006/main" xmlns:r="http://schemas.openxmlformats.org/officeDocument/2006/relationships" xmlns:p="http://schemas.openxmlformats.org/presentationml/2006/main">
   <p:cSld>
     <p:spTree>
@@ -13530,390 +15184,7 @@
 </p:sld>
 </file>
 
-<file path=ppt/slides/slide2.xml><?xml version="1.0" encoding="utf-8"?>
-<p:sld xmlns:a="http://schemas.openxmlformats.org/drawingml/2006/main" xmlns:r="http://schemas.openxmlformats.org/officeDocument/2006/relationships" xmlns:p="http://schemas.openxmlformats.org/presentationml/2006/main">
-  <p:cSld>
-    <p:spTree>
-      <p:nvGrpSpPr>
-        <p:cNvPr id="1" name=""/>
-        <p:cNvGrpSpPr/>
-        <p:nvPr/>
-      </p:nvGrpSpPr>
-      <p:grpSpPr>
-        <a:xfrm>
-          <a:off x="0" y="0"/>
-          <a:ext cx="0" cy="0"/>
-          <a:chOff x="0" y="0"/>
-          <a:chExt cx="0" cy="0"/>
-        </a:xfrm>
-      </p:grpSpPr>
-      <p:sp>
-        <p:nvSpPr>
-          <p:cNvPr id="2" name="Title 1"/>
-          <p:cNvSpPr>
-            <a:spLocks noGrp="1"/>
-          </p:cNvSpPr>
-          <p:nvPr>
-            <p:ph type="title"/>
-          </p:nvPr>
-        </p:nvSpPr>
-        <p:spPr/>
-        <p:txBody>
-          <a:bodyPr/>
-          <a:lstStyle/>
-          <a:p>
-            <a:r>
-              <a:rPr lang="en-US" dirty="0" smtClean="0"/>
-              <a:t>Motivation</a:t>
-            </a:r>
-            <a:endParaRPr lang="en-US" dirty="0"/>
-          </a:p>
-        </p:txBody>
-      </p:sp>
-      <mc:AlternateContent xmlns:mc="http://schemas.openxmlformats.org/markup-compatibility/2006" xmlns:a14="http://schemas.microsoft.com/office/drawing/2010/main">
-        <mc:Choice Requires="a14">
-          <p:sp>
-            <p:nvSpPr>
-              <p:cNvPr id="3" name="Content Placeholder 2"/>
-              <p:cNvSpPr>
-                <a:spLocks noGrp="1"/>
-              </p:cNvSpPr>
-              <p:nvPr>
-                <p:ph idx="1"/>
-              </p:nvPr>
-            </p:nvSpPr>
-            <p:spPr/>
-            <p:txBody>
-              <a:bodyPr/>
-              <a:lstStyle/>
-              <a:p>
-                <a:pPr lvl="1"/>
-                <a:r>
-                  <a:rPr lang="en-US" sz="3200" dirty="0" smtClean="0"/>
-                  <a:t>SNAP Gates take time </a:t>
-                </a:r>
-                <a14:m>
-                  <m:oMath xmlns:m="http://schemas.openxmlformats.org/officeDocument/2006/math">
-                    <m:r>
-                      <a:rPr lang="en-US" sz="3200" i="1">
-                        <a:latin typeface="Cambria Math" panose="02040503050406030204" pitchFamily="18" charset="0"/>
-                      </a:rPr>
-                      <m:t>≈2</m:t>
-                    </m:r>
-                    <m:r>
-                      <a:rPr lang="en-US" sz="3200" i="1">
-                        <a:latin typeface="Cambria Math" panose="02040503050406030204" pitchFamily="18" charset="0"/>
-                      </a:rPr>
-                      <m:t>𝜋</m:t>
-                    </m:r>
-                    <m:r>
-                      <a:rPr lang="en-US" sz="3200" i="1">
-                        <a:latin typeface="Cambria Math" panose="02040503050406030204" pitchFamily="18" charset="0"/>
-                      </a:rPr>
-                      <m:t>/</m:t>
-                    </m:r>
-                    <m:r>
-                      <a:rPr lang="en-US" sz="3200" i="1">
-                        <a:latin typeface="Cambria Math" panose="02040503050406030204" pitchFamily="18" charset="0"/>
-                      </a:rPr>
-                      <m:t>𝜒</m:t>
-                    </m:r>
-                  </m:oMath>
-                </a14:m>
-                <a:r>
-                  <a:rPr lang="en-US" sz="3200" dirty="0"/>
-                  <a:t> where </a:t>
-                </a:r>
-                <a14:m>
-                  <m:oMath xmlns:m="http://schemas.openxmlformats.org/officeDocument/2006/math">
-                    <m:r>
-                      <a:rPr lang="en-US" sz="3200" i="1">
-                        <a:latin typeface="Cambria Math" panose="02040503050406030204" pitchFamily="18" charset="0"/>
-                      </a:rPr>
-                      <m:t>𝜒</m:t>
-                    </m:r>
-                    <m:r>
-                      <a:rPr lang="en-US" sz="3200" b="0" i="1" smtClean="0">
-                        <a:latin typeface="Cambria Math" panose="02040503050406030204" pitchFamily="18" charset="0"/>
-                      </a:rPr>
-                      <m:t>≈</m:t>
-                    </m:r>
-                  </m:oMath>
-                </a14:m>
-                <a:r>
-                  <a:rPr lang="en-US" sz="3200" dirty="0" smtClean="0"/>
-                  <a:t> MHz </a:t>
-                </a:r>
-                <a:r>
-                  <a:rPr lang="en-US" sz="3200" dirty="0"/>
-                  <a:t>is dispersive coupling strength.</a:t>
-                </a:r>
-              </a:p>
-              <a:p>
-                <a:pPr lvl="1"/>
-                <a:r>
-                  <a:rPr lang="en-US" sz="3200" dirty="0"/>
-                  <a:t>Reducing Gate time </a:t>
-                </a:r>
-                <a14:m>
-                  <m:oMath xmlns:m="http://schemas.openxmlformats.org/officeDocument/2006/math">
-                    <m:r>
-                      <a:rPr lang="en-US" sz="3200" i="1">
-                        <a:latin typeface="Cambria Math" panose="02040503050406030204" pitchFamily="18" charset="0"/>
-                      </a:rPr>
-                      <m:t>→ </m:t>
-                    </m:r>
-                  </m:oMath>
-                </a14:m>
-                <a:r>
-                  <a:rPr lang="en-US" sz="3200" dirty="0"/>
-                  <a:t>Increasing </a:t>
-                </a:r>
-                <a14:m>
-                  <m:oMath xmlns:m="http://schemas.openxmlformats.org/officeDocument/2006/math">
-                    <m:r>
-                      <a:rPr lang="en-US" sz="3200" i="1">
-                        <a:latin typeface="Cambria Math" panose="02040503050406030204" pitchFamily="18" charset="0"/>
-                      </a:rPr>
-                      <m:t>𝜒</m:t>
-                    </m:r>
-                  </m:oMath>
-                </a14:m>
-                <a:r>
-                  <a:rPr lang="en-US" sz="3200" dirty="0"/>
-                  <a:t> </a:t>
-                </a:r>
-                <a14:m>
-                  <m:oMath xmlns:m="http://schemas.openxmlformats.org/officeDocument/2006/math">
-                    <m:r>
-                      <a:rPr lang="en-US" sz="3200" i="1">
-                        <a:latin typeface="Cambria Math" panose="02040503050406030204" pitchFamily="18" charset="0"/>
-                      </a:rPr>
-                      <m:t>→</m:t>
-                    </m:r>
-                  </m:oMath>
-                </a14:m>
-                <a:r>
-                  <a:rPr lang="en-US" sz="3200" dirty="0"/>
-                  <a:t>Reducing lifetime of cavity</a:t>
-                </a:r>
-              </a:p>
-              <a:p>
-                <a:pPr lvl="1"/>
-                <a:r>
-                  <a:rPr lang="en-US" sz="3200" dirty="0"/>
-                  <a:t>ECD Idea: Keep </a:t>
-                </a:r>
-                <a14:m>
-                  <m:oMath xmlns:m="http://schemas.openxmlformats.org/officeDocument/2006/math">
-                    <m:r>
-                      <a:rPr lang="en-US" sz="3200" i="1">
-                        <a:latin typeface="Cambria Math" panose="02040503050406030204" pitchFamily="18" charset="0"/>
-                      </a:rPr>
-                      <m:t>𝜒</m:t>
-                    </m:r>
-                    <m:r>
-                      <a:rPr lang="en-US" sz="3200" b="0" i="1" smtClean="0">
-                        <a:latin typeface="Cambria Math" panose="02040503050406030204" pitchFamily="18" charset="0"/>
-                      </a:rPr>
-                      <m:t>≈10</m:t>
-                    </m:r>
-                  </m:oMath>
-                </a14:m>
-                <a:r>
-                  <a:rPr lang="en-US" sz="3200" dirty="0" smtClean="0"/>
-                  <a:t> kHz small; </a:t>
-                </a:r>
-                <a:r>
-                  <a:rPr lang="en-US" sz="3200" dirty="0"/>
-                  <a:t>But enhance it by displacing cavity (</a:t>
-                </a:r>
-                <a14:m>
-                  <m:oMath xmlns:m="http://schemas.openxmlformats.org/officeDocument/2006/math">
-                    <m:sSub>
-                      <m:sSubPr>
-                        <m:ctrlPr>
-                          <a:rPr lang="en-US" sz="3200" i="1">
-                            <a:latin typeface="Cambria Math" panose="02040503050406030204" pitchFamily="18" charset="0"/>
-                          </a:rPr>
-                        </m:ctrlPr>
-                      </m:sSubPr>
-                      <m:e>
-                        <m:r>
-                          <a:rPr lang="en-US" sz="3200" i="1">
-                            <a:latin typeface="Cambria Math" panose="02040503050406030204" pitchFamily="18" charset="0"/>
-                          </a:rPr>
-                          <m:t>𝛼</m:t>
-                        </m:r>
-                      </m:e>
-                      <m:sub>
-                        <m:r>
-                          <a:rPr lang="en-US" sz="3200" i="1">
-                            <a:latin typeface="Cambria Math" panose="02040503050406030204" pitchFamily="18" charset="0"/>
-                          </a:rPr>
-                          <m:t>0</m:t>
-                        </m:r>
-                      </m:sub>
-                    </m:sSub>
-                  </m:oMath>
-                </a14:m>
-                <a:r>
-                  <a:rPr lang="en-US" sz="3200" dirty="0"/>
-                  <a:t>) far from origin</a:t>
-                </a:r>
-              </a:p>
-              <a:p>
-                <a:pPr lvl="1"/>
-                <a:r>
-                  <a:rPr lang="en-US" sz="3200" dirty="0"/>
-                  <a:t> Effective Gate time </a:t>
-                </a:r>
-                <a14:m>
-                  <m:oMath xmlns:m="http://schemas.openxmlformats.org/officeDocument/2006/math">
-                    <m:r>
-                      <a:rPr lang="en-US" sz="3200" i="1">
-                        <a:latin typeface="Cambria Math" panose="02040503050406030204" pitchFamily="18" charset="0"/>
-                      </a:rPr>
-                      <m:t>1/</m:t>
-                    </m:r>
-                    <m:r>
-                      <a:rPr lang="en-US" sz="3200" i="1">
-                        <a:latin typeface="Cambria Math" panose="02040503050406030204" pitchFamily="18" charset="0"/>
-                      </a:rPr>
-                      <m:t>𝜒</m:t>
-                    </m:r>
-                    <m:sSub>
-                      <m:sSubPr>
-                        <m:ctrlPr>
-                          <a:rPr lang="en-US" sz="3200" i="1">
-                            <a:latin typeface="Cambria Math" panose="02040503050406030204" pitchFamily="18" charset="0"/>
-                          </a:rPr>
-                        </m:ctrlPr>
-                      </m:sSubPr>
-                      <m:e>
-                        <m:r>
-                          <a:rPr lang="en-US" sz="3200" i="1">
-                            <a:latin typeface="Cambria Math" panose="02040503050406030204" pitchFamily="18" charset="0"/>
-                          </a:rPr>
-                          <m:t>𝛼</m:t>
-                        </m:r>
-                      </m:e>
-                      <m:sub>
-                        <m:r>
-                          <a:rPr lang="en-US" sz="3200" i="1">
-                            <a:latin typeface="Cambria Math" panose="02040503050406030204" pitchFamily="18" charset="0"/>
-                          </a:rPr>
-                          <m:t>0</m:t>
-                        </m:r>
-                      </m:sub>
-                    </m:sSub>
-                  </m:oMath>
-                </a14:m>
-                <a:r>
-                  <a:rPr lang="en-US" sz="3200" dirty="0"/>
-                  <a:t> where </a:t>
-                </a:r>
-                <a14:m>
-                  <m:oMath xmlns:m="http://schemas.openxmlformats.org/officeDocument/2006/math">
-                    <m:sSub>
-                      <m:sSubPr>
-                        <m:ctrlPr>
-                          <a:rPr lang="en-US" sz="3200" i="1">
-                            <a:latin typeface="Cambria Math" panose="02040503050406030204" pitchFamily="18" charset="0"/>
-                          </a:rPr>
-                        </m:ctrlPr>
-                      </m:sSubPr>
-                      <m:e>
-                        <m:r>
-                          <a:rPr lang="en-US" sz="3200" i="1">
-                            <a:latin typeface="Cambria Math" panose="02040503050406030204" pitchFamily="18" charset="0"/>
-                          </a:rPr>
-                          <m:t>𝛼</m:t>
-                        </m:r>
-                      </m:e>
-                      <m:sub>
-                        <m:r>
-                          <a:rPr lang="en-US" sz="3200" i="1">
-                            <a:latin typeface="Cambria Math" panose="02040503050406030204" pitchFamily="18" charset="0"/>
-                          </a:rPr>
-                          <m:t>0</m:t>
-                        </m:r>
-                      </m:sub>
-                    </m:sSub>
-                    <m:r>
-                      <a:rPr lang="en-US" sz="3200" i="1">
-                        <a:latin typeface="Cambria Math" panose="02040503050406030204" pitchFamily="18" charset="0"/>
-                      </a:rPr>
-                      <m:t>≫1</m:t>
-                    </m:r>
-                  </m:oMath>
-                </a14:m>
-                <a:endParaRPr lang="en-US" sz="3200" dirty="0"/>
-              </a:p>
-              <a:p>
-                <a:pPr marL="0" indent="0">
-                  <a:buNone/>
-                </a:pPr>
-                <a:endParaRPr lang="en-US" dirty="0"/>
-              </a:p>
-            </p:txBody>
-          </p:sp>
-        </mc:Choice>
-        <mc:Fallback xmlns="">
-          <p:sp>
-            <p:nvSpPr>
-              <p:cNvPr id="3" name="Content Placeholder 2"/>
-              <p:cNvSpPr>
-                <a:spLocks noGrp="1" noRot="1" noChangeAspect="1" noMove="1" noResize="1" noEditPoints="1" noAdjustHandles="1" noChangeArrowheads="1" noChangeShapeType="1" noTextEdit="1"/>
-              </p:cNvSpPr>
-              <p:nvPr>
-                <p:ph idx="1"/>
-              </p:nvPr>
-            </p:nvSpPr>
-            <p:spPr>
-              <a:blipFill rotWithShape="0">
-                <a:blip r:embed="rId2"/>
-                <a:stretch>
-                  <a:fillRect t="-2801" r="-986"/>
-                </a:stretch>
-              </a:blipFill>
-            </p:spPr>
-            <p:txBody>
-              <a:bodyPr/>
-              <a:lstStyle/>
-              <a:p>
-                <a:r>
-                  <a:rPr lang="en-US">
-                    <a:noFill/>
-                  </a:rPr>
-                  <a:t> </a:t>
-                </a:r>
-              </a:p>
-            </p:txBody>
-          </p:sp>
-        </mc:Fallback>
-      </mc:AlternateContent>
-    </p:spTree>
-    <p:extLst>
-      <p:ext uri="{BB962C8B-B14F-4D97-AF65-F5344CB8AC3E}">
-        <p14:creationId xmlns:p14="http://schemas.microsoft.com/office/powerpoint/2010/main" val="1584008509"/>
-      </p:ext>
-    </p:extLst>
-  </p:cSld>
-  <p:clrMapOvr>
-    <a:masterClrMapping/>
-  </p:clrMapOvr>
-  <p:timing>
-    <p:tnLst>
-      <p:par>
-        <p:cTn id="1" dur="indefinite" restart="never" nodeType="tmRoot"/>
-      </p:par>
-    </p:tnLst>
-  </p:timing>
-</p:sld>
-</file>
-
-<file path=ppt/slides/slide20.xml><?xml version="1.0" encoding="utf-8"?>
+<file path=ppt/slides/slide24.xml><?xml version="1.0" encoding="utf-8"?>
 <p:sld xmlns:a="http://schemas.openxmlformats.org/drawingml/2006/main" xmlns:r="http://schemas.openxmlformats.org/officeDocument/2006/relationships" xmlns:p="http://schemas.openxmlformats.org/presentationml/2006/main">
   <p:cSld>
     <p:spTree>
@@ -17050,10 +18321,17 @@
   <p:clrMapOvr>
     <a:masterClrMapping/>
   </p:clrMapOvr>
+  <p:timing>
+    <p:tnLst>
+      <p:par>
+        <p:cTn id="1" dur="indefinite" restart="never" nodeType="tmRoot"/>
+      </p:par>
+    </p:tnLst>
+  </p:timing>
 </p:sld>
 </file>
 
-<file path=ppt/slides/slide21.xml><?xml version="1.0" encoding="utf-8"?>
+<file path=ppt/slides/slide25.xml><?xml version="1.0" encoding="utf-8"?>
 <p:sld xmlns:a="http://schemas.openxmlformats.org/drawingml/2006/main" xmlns:r="http://schemas.openxmlformats.org/officeDocument/2006/relationships" xmlns:p="http://schemas.openxmlformats.org/presentationml/2006/main">
   <p:cSld>
     <p:spTree>
@@ -17144,6 +18422,13 @@
   <p:clrMapOvr>
     <a:masterClrMapping/>
   </p:clrMapOvr>
+  <p:timing>
+    <p:tnLst>
+      <p:par>
+        <p:cTn id="1" dur="indefinite" restart="never" nodeType="tmRoot"/>
+      </p:par>
+    </p:tnLst>
+  </p:timing>
 </p:sld>
 </file>
 
@@ -20642,6 +21927,13 @@
   <p:clrMapOvr>
     <a:masterClrMapping/>
   </p:clrMapOvr>
+  <p:timing>
+    <p:tnLst>
+      <p:par>
+        <p:cTn id="1" dur="indefinite" restart="never" nodeType="tmRoot"/>
+      </p:par>
+    </p:tnLst>
+  </p:timing>
 </p:sld>
 </file>
 
